--- a/ISORC2017/figure/SystemModel.pptx
+++ b/ISORC2017/figure/SystemModel.pptx
@@ -197,7 +197,7 @@
           <a:p>
             <a:fld id="{00D06802-B8EF-4FD8-9511-F1F928CF3A55}" type="datetimeFigureOut">
               <a:rPr kumimoji="1" lang="ja-JP" altLang="en-US" smtClean="0"/>
-              <a:t>2016/12/19</a:t>
+              <a:t>2017/1/24</a:t>
             </a:fld>
             <a:endParaRPr kumimoji="1" lang="ja-JP" altLang="en-US"/>
           </a:p>
@@ -628,7 +628,7 @@
           <a:p>
             <a:fld id="{AA641DB4-C951-4763-94FC-F650C3AA7E65}" type="datetimeFigureOut">
               <a:rPr kumimoji="1" lang="ja-JP" altLang="en-US" smtClean="0"/>
-              <a:t>2016/12/19</a:t>
+              <a:t>2017/1/24</a:t>
             </a:fld>
             <a:endParaRPr kumimoji="1" lang="ja-JP" altLang="en-US"/>
           </a:p>
@@ -830,7 +830,7 @@
           <a:p>
             <a:fld id="{AA641DB4-C951-4763-94FC-F650C3AA7E65}" type="datetimeFigureOut">
               <a:rPr kumimoji="1" lang="ja-JP" altLang="en-US" smtClean="0"/>
-              <a:t>2016/12/19</a:t>
+              <a:t>2017/1/24</a:t>
             </a:fld>
             <a:endParaRPr kumimoji="1" lang="ja-JP" altLang="en-US"/>
           </a:p>
@@ -1042,7 +1042,7 @@
           <a:p>
             <a:fld id="{AA641DB4-C951-4763-94FC-F650C3AA7E65}" type="datetimeFigureOut">
               <a:rPr kumimoji="1" lang="ja-JP" altLang="en-US" smtClean="0"/>
-              <a:t>2016/12/19</a:t>
+              <a:t>2017/1/24</a:t>
             </a:fld>
             <a:endParaRPr kumimoji="1" lang="ja-JP" altLang="en-US"/>
           </a:p>
@@ -1244,7 +1244,7 @@
           <a:p>
             <a:fld id="{AA641DB4-C951-4763-94FC-F650C3AA7E65}" type="datetimeFigureOut">
               <a:rPr kumimoji="1" lang="ja-JP" altLang="en-US" smtClean="0"/>
-              <a:t>2016/12/19</a:t>
+              <a:t>2017/1/24</a:t>
             </a:fld>
             <a:endParaRPr kumimoji="1" lang="ja-JP" altLang="en-US"/>
           </a:p>
@@ -1490,7 +1490,7 @@
           <a:p>
             <a:fld id="{AA641DB4-C951-4763-94FC-F650C3AA7E65}" type="datetimeFigureOut">
               <a:rPr kumimoji="1" lang="ja-JP" altLang="en-US" smtClean="0"/>
-              <a:t>2016/12/19</a:t>
+              <a:t>2017/1/24</a:t>
             </a:fld>
             <a:endParaRPr kumimoji="1" lang="ja-JP" altLang="en-US"/>
           </a:p>
@@ -1786,7 +1786,7 @@
           <a:p>
             <a:fld id="{AA641DB4-C951-4763-94FC-F650C3AA7E65}" type="datetimeFigureOut">
               <a:rPr kumimoji="1" lang="ja-JP" altLang="en-US" smtClean="0"/>
-              <a:t>2016/12/19</a:t>
+              <a:t>2017/1/24</a:t>
             </a:fld>
             <a:endParaRPr kumimoji="1" lang="ja-JP" altLang="en-US"/>
           </a:p>
@@ -2217,7 +2217,7 @@
           <a:p>
             <a:fld id="{AA641DB4-C951-4763-94FC-F650C3AA7E65}" type="datetimeFigureOut">
               <a:rPr kumimoji="1" lang="ja-JP" altLang="en-US" smtClean="0"/>
-              <a:t>2016/12/19</a:t>
+              <a:t>2017/1/24</a:t>
             </a:fld>
             <a:endParaRPr kumimoji="1" lang="ja-JP" altLang="en-US"/>
           </a:p>
@@ -2335,7 +2335,7 @@
           <a:p>
             <a:fld id="{AA641DB4-C951-4763-94FC-F650C3AA7E65}" type="datetimeFigureOut">
               <a:rPr kumimoji="1" lang="ja-JP" altLang="en-US" smtClean="0"/>
-              <a:t>2016/12/19</a:t>
+              <a:t>2017/1/24</a:t>
             </a:fld>
             <a:endParaRPr kumimoji="1" lang="ja-JP" altLang="en-US"/>
           </a:p>
@@ -2430,7 +2430,7 @@
           <a:p>
             <a:fld id="{AA641DB4-C951-4763-94FC-F650C3AA7E65}" type="datetimeFigureOut">
               <a:rPr kumimoji="1" lang="ja-JP" altLang="en-US" smtClean="0"/>
-              <a:t>2016/12/19</a:t>
+              <a:t>2017/1/24</a:t>
             </a:fld>
             <a:endParaRPr kumimoji="1" lang="ja-JP" altLang="en-US"/>
           </a:p>
@@ -2739,7 +2739,7 @@
           <a:p>
             <a:fld id="{AA641DB4-C951-4763-94FC-F650C3AA7E65}" type="datetimeFigureOut">
               <a:rPr kumimoji="1" lang="ja-JP" altLang="en-US" smtClean="0"/>
-              <a:t>2016/12/19</a:t>
+              <a:t>2017/1/24</a:t>
             </a:fld>
             <a:endParaRPr kumimoji="1" lang="ja-JP" altLang="en-US"/>
           </a:p>
@@ -2996,7 +2996,7 @@
           <a:p>
             <a:fld id="{AA641DB4-C951-4763-94FC-F650C3AA7E65}" type="datetimeFigureOut">
               <a:rPr kumimoji="1" lang="ja-JP" altLang="en-US" smtClean="0"/>
-              <a:t>2016/12/19</a:t>
+              <a:t>2017/1/24</a:t>
             </a:fld>
             <a:endParaRPr kumimoji="1" lang="ja-JP" altLang="en-US"/>
           </a:p>
@@ -3241,7 +3241,7 @@
           <a:p>
             <a:fld id="{AA641DB4-C951-4763-94FC-F650C3AA7E65}" type="datetimeFigureOut">
               <a:rPr kumimoji="1" lang="ja-JP" altLang="en-US" smtClean="0"/>
-              <a:t>2016/12/19</a:t>
+              <a:t>2017/1/24</a:t>
             </a:fld>
             <a:endParaRPr kumimoji="1" lang="ja-JP" altLang="en-US"/>
           </a:p>
@@ -4203,6 +4203,66 @@
           </p:txBody>
         </p:sp>
       </p:grpSp>
+      <p:sp>
+        <p:nvSpPr>
+          <p:cNvPr id="3" name="正方形/長方形 2"/>
+          <p:cNvSpPr/>
+          <p:nvPr/>
+        </p:nvSpPr>
+        <p:spPr>
+          <a:xfrm>
+            <a:off x="1667973" y="4700831"/>
+            <a:ext cx="7917366" cy="3211551"/>
+          </a:xfrm>
+          <a:prstGeom prst="rect">
+            <a:avLst/>
+          </a:prstGeom>
+          <a:solidFill>
+            <a:schemeClr val="bg1"/>
+          </a:solidFill>
+          <a:ln>
+            <a:solidFill>
+              <a:srgbClr val="FF0000"/>
+            </a:solidFill>
+          </a:ln>
+        </p:spPr>
+        <p:style>
+          <a:lnRef idx="2">
+            <a:schemeClr val="accent1">
+              <a:shade val="50000"/>
+            </a:schemeClr>
+          </a:lnRef>
+          <a:fillRef idx="1">
+            <a:schemeClr val="accent1"/>
+          </a:fillRef>
+          <a:effectRef idx="0">
+            <a:schemeClr val="accent1"/>
+          </a:effectRef>
+          <a:fontRef idx="minor">
+            <a:schemeClr val="lt1"/>
+          </a:fontRef>
+        </p:style>
+        <p:txBody>
+          <a:bodyPr rtlCol="0" anchor="ctr"/>
+          <a:lstStyle/>
+          <a:p>
+            <a:pPr algn="ctr"/>
+            <a:r>
+              <a:rPr lang="en-US" altLang="ja-JP" sz="13800" dirty="0" smtClean="0">
+                <a:solidFill>
+                  <a:srgbClr val="FF0000"/>
+                </a:solidFill>
+              </a:rPr>
+              <a:t>TODO</a:t>
+            </a:r>
+            <a:endParaRPr kumimoji="1" lang="ja-JP" altLang="en-US" sz="13800" dirty="0">
+              <a:solidFill>
+                <a:srgbClr val="FF0000"/>
+              </a:solidFill>
+            </a:endParaRPr>
+          </a:p>
+        </p:txBody>
+      </p:sp>
     </p:spTree>
     <p:extLst>
       <p:ext uri="{BB962C8B-B14F-4D97-AF65-F5344CB8AC3E}">

--- a/ISORC2017/figure/SystemModel.pptx
+++ b/ISORC2017/figure/SystemModel.pptx
@@ -2,15 +2,15 @@
 <file path=ppt/presentation.xml><?xml version="1.0" encoding="utf-8"?>
 <p:presentation xmlns:a="http://schemas.openxmlformats.org/drawingml/2006/main" xmlns:r="http://schemas.openxmlformats.org/officeDocument/2006/relationships" xmlns:p="http://schemas.openxmlformats.org/presentationml/2006/main" saveSubsetFonts="1">
   <p:sldMasterIdLst>
-    <p:sldMasterId id="2147483720" r:id="rId1"/>
+    <p:sldMasterId id="2147483744" r:id="rId1"/>
   </p:sldMasterIdLst>
   <p:notesMasterIdLst>
     <p:notesMasterId r:id="rId3"/>
   </p:notesMasterIdLst>
   <p:sldIdLst>
-    <p:sldId id="261" r:id="rId2"/>
+    <p:sldId id="263" r:id="rId2"/>
   </p:sldIdLst>
-  <p:sldSz cx="21697950" cy="12204700"/>
+  <p:sldSz cx="21697950" cy="16524288"/>
   <p:notesSz cx="6451600" cy="9321800"/>
   <p:defaultTextStyle>
     <a:defPPr>
@@ -197,7 +197,7 @@
           <a:p>
             <a:fld id="{00D06802-B8EF-4FD8-9511-F1F928CF3A55}" type="datetimeFigureOut">
               <a:rPr kumimoji="1" lang="ja-JP" altLang="en-US" smtClean="0"/>
-              <a:t>2017/1/24</a:t>
+              <a:t>2017/2/3</a:t>
             </a:fld>
             <a:endParaRPr kumimoji="1" lang="ja-JP" altLang="en-US"/>
           </a:p>
@@ -215,8 +215,8 @@
         </p:nvSpPr>
         <p:spPr>
           <a:xfrm>
-            <a:off x="430213" y="1165225"/>
-            <a:ext cx="5591175" cy="3146425"/>
+            <a:off x="1160463" y="1165225"/>
+            <a:ext cx="4130675" cy="3146425"/>
           </a:xfrm>
           <a:prstGeom prst="rect">
             <a:avLst/>
@@ -526,15 +526,15 @@
         </p:nvSpPr>
         <p:spPr>
           <a:xfrm>
-            <a:off x="2712244" y="1997390"/>
-            <a:ext cx="16273463" cy="4249044"/>
+            <a:off x="1627347" y="2704323"/>
+            <a:ext cx="18443259" cy="5752900"/>
           </a:xfrm>
         </p:spPr>
         <p:txBody>
           <a:bodyPr anchor="b"/>
           <a:lstStyle>
             <a:lvl1pPr algn="ctr">
-              <a:defRPr sz="10678"/>
+              <a:defRPr sz="14237"/>
             </a:lvl1pPr>
           </a:lstStyle>
           <a:p>
@@ -558,8 +558,8 @@
         </p:nvSpPr>
         <p:spPr>
           <a:xfrm>
-            <a:off x="2712244" y="6410294"/>
-            <a:ext cx="16273463" cy="2946643"/>
+            <a:off x="2712245" y="8679080"/>
+            <a:ext cx="16273463" cy="3989543"/>
           </a:xfrm>
         </p:spPr>
         <p:txBody>
@@ -567,39 +567,39 @@
           <a:lstStyle>
             <a:lvl1pPr marL="0" indent="0" algn="ctr">
               <a:buNone/>
+              <a:defRPr sz="5695"/>
+            </a:lvl1pPr>
+            <a:lvl2pPr marL="1084920" indent="0" algn="ctr">
+              <a:buNone/>
+              <a:defRPr sz="4746"/>
+            </a:lvl2pPr>
+            <a:lvl3pPr marL="2169841" indent="0" algn="ctr">
+              <a:buNone/>
               <a:defRPr sz="4271"/>
-            </a:lvl1pPr>
-            <a:lvl2pPr marL="813633" indent="0" algn="ctr">
+            </a:lvl3pPr>
+            <a:lvl4pPr marL="3254761" indent="0" algn="ctr">
               <a:buNone/>
-              <a:defRPr sz="3559"/>
-            </a:lvl2pPr>
-            <a:lvl3pPr marL="1627266" indent="0" algn="ctr">
+              <a:defRPr sz="3797"/>
+            </a:lvl4pPr>
+            <a:lvl5pPr marL="4339682" indent="0" algn="ctr">
               <a:buNone/>
-              <a:defRPr sz="3203"/>
-            </a:lvl3pPr>
-            <a:lvl4pPr marL="2440899" indent="0" algn="ctr">
+              <a:defRPr sz="3797"/>
+            </a:lvl5pPr>
+            <a:lvl6pPr marL="5424602" indent="0" algn="ctr">
               <a:buNone/>
-              <a:defRPr sz="2847"/>
-            </a:lvl4pPr>
-            <a:lvl5pPr marL="3254532" indent="0" algn="ctr">
+              <a:defRPr sz="3797"/>
+            </a:lvl6pPr>
+            <a:lvl7pPr marL="6509522" indent="0" algn="ctr">
               <a:buNone/>
-              <a:defRPr sz="2847"/>
-            </a:lvl5pPr>
-            <a:lvl6pPr marL="4068166" indent="0" algn="ctr">
+              <a:defRPr sz="3797"/>
+            </a:lvl7pPr>
+            <a:lvl8pPr marL="7594443" indent="0" algn="ctr">
               <a:buNone/>
-              <a:defRPr sz="2847"/>
-            </a:lvl6pPr>
-            <a:lvl7pPr marL="4881799" indent="0" algn="ctr">
+              <a:defRPr sz="3797"/>
+            </a:lvl8pPr>
+            <a:lvl9pPr marL="8679363" indent="0" algn="ctr">
               <a:buNone/>
-              <a:defRPr sz="2847"/>
-            </a:lvl7pPr>
-            <a:lvl8pPr marL="5695432" indent="0" algn="ctr">
-              <a:buNone/>
-              <a:defRPr sz="2847"/>
-            </a:lvl8pPr>
-            <a:lvl9pPr marL="6509065" indent="0" algn="ctr">
-              <a:buNone/>
-              <a:defRPr sz="2847"/>
+              <a:defRPr sz="3797"/>
             </a:lvl9pPr>
           </a:lstStyle>
           <a:p>
@@ -628,7 +628,7 @@
           <a:p>
             <a:fld id="{AA641DB4-C951-4763-94FC-F650C3AA7E65}" type="datetimeFigureOut">
               <a:rPr kumimoji="1" lang="ja-JP" altLang="en-US" smtClean="0"/>
-              <a:t>2017/1/24</a:t>
+              <a:t>2017/2/3</a:t>
             </a:fld>
             <a:endParaRPr kumimoji="1" lang="ja-JP" altLang="en-US"/>
           </a:p>
@@ -679,7 +679,7 @@
     </p:spTree>
     <p:extLst>
       <p:ext uri="{BB962C8B-B14F-4D97-AF65-F5344CB8AC3E}">
-        <p14:creationId xmlns:p14="http://schemas.microsoft.com/office/powerpoint/2010/main" val="1507517705"/>
+        <p14:creationId xmlns:p14="http://schemas.microsoft.com/office/powerpoint/2010/main" val="2653455544"/>
       </p:ext>
     </p:extLst>
   </p:cSld>
@@ -830,7 +830,7 @@
           <a:p>
             <a:fld id="{AA641DB4-C951-4763-94FC-F650C3AA7E65}" type="datetimeFigureOut">
               <a:rPr kumimoji="1" lang="ja-JP" altLang="en-US" smtClean="0"/>
-              <a:t>2017/1/24</a:t>
+              <a:t>2017/2/3</a:t>
             </a:fld>
             <a:endParaRPr kumimoji="1" lang="ja-JP" altLang="en-US"/>
           </a:p>
@@ -881,7 +881,7 @@
     </p:spTree>
     <p:extLst>
       <p:ext uri="{BB962C8B-B14F-4D97-AF65-F5344CB8AC3E}">
-        <p14:creationId xmlns:p14="http://schemas.microsoft.com/office/powerpoint/2010/main" val="1299901174"/>
+        <p14:creationId xmlns:p14="http://schemas.microsoft.com/office/powerpoint/2010/main" val="196501246"/>
       </p:ext>
     </p:extLst>
   </p:cSld>
@@ -920,8 +920,8 @@
         </p:nvSpPr>
         <p:spPr>
           <a:xfrm>
-            <a:off x="15527596" y="649787"/>
-            <a:ext cx="4678620" cy="10342919"/>
+            <a:off x="15527598" y="879765"/>
+            <a:ext cx="4678621" cy="14003570"/>
           </a:xfrm>
         </p:spPr>
         <p:txBody>
@@ -948,8 +948,8 @@
         </p:nvSpPr>
         <p:spPr>
           <a:xfrm>
-            <a:off x="1491734" y="649787"/>
-            <a:ext cx="13764637" cy="10342919"/>
+            <a:off x="1491737" y="879765"/>
+            <a:ext cx="13764636" cy="14003570"/>
           </a:xfrm>
         </p:spPr>
         <p:txBody>
@@ -1042,7 +1042,7 @@
           <a:p>
             <a:fld id="{AA641DB4-C951-4763-94FC-F650C3AA7E65}" type="datetimeFigureOut">
               <a:rPr kumimoji="1" lang="ja-JP" altLang="en-US" smtClean="0"/>
-              <a:t>2017/1/24</a:t>
+              <a:t>2017/2/3</a:t>
             </a:fld>
             <a:endParaRPr kumimoji="1" lang="ja-JP" altLang="en-US"/>
           </a:p>
@@ -1093,7 +1093,7 @@
     </p:spTree>
     <p:extLst>
       <p:ext uri="{BB962C8B-B14F-4D97-AF65-F5344CB8AC3E}">
-        <p14:creationId xmlns:p14="http://schemas.microsoft.com/office/powerpoint/2010/main" val="1333083735"/>
+        <p14:creationId xmlns:p14="http://schemas.microsoft.com/office/powerpoint/2010/main" val="3129402896"/>
       </p:ext>
     </p:extLst>
   </p:cSld>
@@ -1244,7 +1244,7 @@
           <a:p>
             <a:fld id="{AA641DB4-C951-4763-94FC-F650C3AA7E65}" type="datetimeFigureOut">
               <a:rPr kumimoji="1" lang="ja-JP" altLang="en-US" smtClean="0"/>
-              <a:t>2017/1/24</a:t>
+              <a:t>2017/2/3</a:t>
             </a:fld>
             <a:endParaRPr kumimoji="1" lang="ja-JP" altLang="en-US"/>
           </a:p>
@@ -1295,7 +1295,7 @@
     </p:spTree>
     <p:extLst>
       <p:ext uri="{BB962C8B-B14F-4D97-AF65-F5344CB8AC3E}">
-        <p14:creationId xmlns:p14="http://schemas.microsoft.com/office/powerpoint/2010/main" val="2798443329"/>
+        <p14:creationId xmlns:p14="http://schemas.microsoft.com/office/powerpoint/2010/main" val="809683799"/>
       </p:ext>
     </p:extLst>
   </p:cSld>
@@ -1334,15 +1334,15 @@
         </p:nvSpPr>
         <p:spPr>
           <a:xfrm>
-            <a:off x="1480433" y="3042701"/>
-            <a:ext cx="18714482" cy="5076815"/>
+            <a:off x="1480436" y="4119601"/>
+            <a:ext cx="18714481" cy="6873644"/>
           </a:xfrm>
         </p:spPr>
         <p:txBody>
           <a:bodyPr anchor="b"/>
           <a:lstStyle>
             <a:lvl1pPr>
-              <a:defRPr sz="10678"/>
+              <a:defRPr sz="14237"/>
             </a:lvl1pPr>
           </a:lstStyle>
           <a:p>
@@ -1366,14 +1366,32 @@
         </p:nvSpPr>
         <p:spPr>
           <a:xfrm>
-            <a:off x="1480433" y="8167545"/>
-            <a:ext cx="18714482" cy="2669777"/>
+            <a:off x="1480436" y="11058274"/>
+            <a:ext cx="18714481" cy="3614687"/>
           </a:xfrm>
         </p:spPr>
         <p:txBody>
           <a:bodyPr/>
           <a:lstStyle>
             <a:lvl1pPr marL="0" indent="0">
+              <a:buNone/>
+              <a:defRPr sz="5695">
+                <a:solidFill>
+                  <a:schemeClr val="tx1"/>
+                </a:solidFill>
+              </a:defRPr>
+            </a:lvl1pPr>
+            <a:lvl2pPr marL="1084920" indent="0">
+              <a:buNone/>
+              <a:defRPr sz="4746">
+                <a:solidFill>
+                  <a:schemeClr val="tx1">
+                    <a:tint val="75000"/>
+                  </a:schemeClr>
+                </a:solidFill>
+              </a:defRPr>
+            </a:lvl2pPr>
+            <a:lvl3pPr marL="2169841" indent="0">
               <a:buNone/>
               <a:defRPr sz="4271">
                 <a:solidFill>
@@ -1382,30 +1400,10 @@
                   </a:schemeClr>
                 </a:solidFill>
               </a:defRPr>
-            </a:lvl1pPr>
-            <a:lvl2pPr marL="813633" indent="0">
+            </a:lvl3pPr>
+            <a:lvl4pPr marL="3254761" indent="0">
               <a:buNone/>
-              <a:defRPr sz="3559">
-                <a:solidFill>
-                  <a:schemeClr val="tx1">
-                    <a:tint val="75000"/>
-                  </a:schemeClr>
-                </a:solidFill>
-              </a:defRPr>
-            </a:lvl2pPr>
-            <a:lvl3pPr marL="1627266" indent="0">
-              <a:buNone/>
-              <a:defRPr sz="3203">
-                <a:solidFill>
-                  <a:schemeClr val="tx1">
-                    <a:tint val="75000"/>
-                  </a:schemeClr>
-                </a:solidFill>
-              </a:defRPr>
-            </a:lvl3pPr>
-            <a:lvl4pPr marL="2440899" indent="0">
-              <a:buNone/>
-              <a:defRPr sz="2847">
+              <a:defRPr sz="3797">
                 <a:solidFill>
                   <a:schemeClr val="tx1">
                     <a:tint val="75000"/>
@@ -1413,9 +1411,9 @@
                 </a:solidFill>
               </a:defRPr>
             </a:lvl4pPr>
-            <a:lvl5pPr marL="3254532" indent="0">
+            <a:lvl5pPr marL="4339682" indent="0">
               <a:buNone/>
-              <a:defRPr sz="2847">
+              <a:defRPr sz="3797">
                 <a:solidFill>
                   <a:schemeClr val="tx1">
                     <a:tint val="75000"/>
@@ -1423,9 +1421,9 @@
                 </a:solidFill>
               </a:defRPr>
             </a:lvl5pPr>
-            <a:lvl6pPr marL="4068166" indent="0">
+            <a:lvl6pPr marL="5424602" indent="0">
               <a:buNone/>
-              <a:defRPr sz="2847">
+              <a:defRPr sz="3797">
                 <a:solidFill>
                   <a:schemeClr val="tx1">
                     <a:tint val="75000"/>
@@ -1433,9 +1431,9 @@
                 </a:solidFill>
               </a:defRPr>
             </a:lvl6pPr>
-            <a:lvl7pPr marL="4881799" indent="0">
+            <a:lvl7pPr marL="6509522" indent="0">
               <a:buNone/>
-              <a:defRPr sz="2847">
+              <a:defRPr sz="3797">
                 <a:solidFill>
                   <a:schemeClr val="tx1">
                     <a:tint val="75000"/>
@@ -1443,9 +1441,9 @@
                 </a:solidFill>
               </a:defRPr>
             </a:lvl7pPr>
-            <a:lvl8pPr marL="5695432" indent="0">
+            <a:lvl8pPr marL="7594443" indent="0">
               <a:buNone/>
-              <a:defRPr sz="2847">
+              <a:defRPr sz="3797">
                 <a:solidFill>
                   <a:schemeClr val="tx1">
                     <a:tint val="75000"/>
@@ -1453,9 +1451,9 @@
                 </a:solidFill>
               </a:defRPr>
             </a:lvl8pPr>
-            <a:lvl9pPr marL="6509065" indent="0">
+            <a:lvl9pPr marL="8679363" indent="0">
               <a:buNone/>
-              <a:defRPr sz="2847">
+              <a:defRPr sz="3797">
                 <a:solidFill>
                   <a:schemeClr val="tx1">
                     <a:tint val="75000"/>
@@ -1490,7 +1488,7 @@
           <a:p>
             <a:fld id="{AA641DB4-C951-4763-94FC-F650C3AA7E65}" type="datetimeFigureOut">
               <a:rPr kumimoji="1" lang="ja-JP" altLang="en-US" smtClean="0"/>
-              <a:t>2017/1/24</a:t>
+              <a:t>2017/2/3</a:t>
             </a:fld>
             <a:endParaRPr kumimoji="1" lang="ja-JP" altLang="en-US"/>
           </a:p>
@@ -1541,7 +1539,7 @@
     </p:spTree>
     <p:extLst>
       <p:ext uri="{BB962C8B-B14F-4D97-AF65-F5344CB8AC3E}">
-        <p14:creationId xmlns:p14="http://schemas.microsoft.com/office/powerpoint/2010/main" val="1100814967"/>
+        <p14:creationId xmlns:p14="http://schemas.microsoft.com/office/powerpoint/2010/main" val="2169525635"/>
       </p:ext>
     </p:extLst>
   </p:cSld>
@@ -1603,8 +1601,8 @@
         </p:nvSpPr>
         <p:spPr>
           <a:xfrm>
-            <a:off x="1491734" y="3248936"/>
-            <a:ext cx="9221629" cy="7743770"/>
+            <a:off x="1491736" y="4398829"/>
+            <a:ext cx="9221629" cy="10484509"/>
           </a:xfrm>
         </p:spPr>
         <p:txBody>
@@ -1692,8 +1690,8 @@
         </p:nvSpPr>
         <p:spPr>
           <a:xfrm>
-            <a:off x="10984587" y="3248936"/>
-            <a:ext cx="9221629" cy="7743770"/>
+            <a:off x="10984588" y="4398829"/>
+            <a:ext cx="9221629" cy="10484509"/>
           </a:xfrm>
         </p:spPr>
         <p:txBody>
@@ -1786,7 +1784,7 @@
           <a:p>
             <a:fld id="{AA641DB4-C951-4763-94FC-F650C3AA7E65}" type="datetimeFigureOut">
               <a:rPr kumimoji="1" lang="ja-JP" altLang="en-US" smtClean="0"/>
-              <a:t>2017/1/24</a:t>
+              <a:t>2017/2/3</a:t>
             </a:fld>
             <a:endParaRPr kumimoji="1" lang="ja-JP" altLang="en-US"/>
           </a:p>
@@ -1837,7 +1835,7 @@
     </p:spTree>
     <p:extLst>
       <p:ext uri="{BB962C8B-B14F-4D97-AF65-F5344CB8AC3E}">
-        <p14:creationId xmlns:p14="http://schemas.microsoft.com/office/powerpoint/2010/main" val="587788700"/>
+        <p14:creationId xmlns:p14="http://schemas.microsoft.com/office/powerpoint/2010/main" val="1707143797"/>
       </p:ext>
     </p:extLst>
   </p:cSld>
@@ -1876,8 +1874,8 @@
         </p:nvSpPr>
         <p:spPr>
           <a:xfrm>
-            <a:off x="1494560" y="649788"/>
-            <a:ext cx="18714482" cy="2359011"/>
+            <a:off x="1494561" y="879769"/>
+            <a:ext cx="18714481" cy="3193932"/>
           </a:xfrm>
         </p:spPr>
         <p:txBody>
@@ -1904,8 +1902,8 @@
         </p:nvSpPr>
         <p:spPr>
           <a:xfrm>
-            <a:off x="1494561" y="2991848"/>
-            <a:ext cx="9179249" cy="1466258"/>
+            <a:off x="1494563" y="4050747"/>
+            <a:ext cx="9179248" cy="1985208"/>
           </a:xfrm>
         </p:spPr>
         <p:txBody>
@@ -1913,39 +1911,39 @@
           <a:lstStyle>
             <a:lvl1pPr marL="0" indent="0">
               <a:buNone/>
+              <a:defRPr sz="5695" b="1"/>
+            </a:lvl1pPr>
+            <a:lvl2pPr marL="1084920" indent="0">
+              <a:buNone/>
+              <a:defRPr sz="4746" b="1"/>
+            </a:lvl2pPr>
+            <a:lvl3pPr marL="2169841" indent="0">
+              <a:buNone/>
               <a:defRPr sz="4271" b="1"/>
-            </a:lvl1pPr>
-            <a:lvl2pPr marL="813633" indent="0">
+            </a:lvl3pPr>
+            <a:lvl4pPr marL="3254761" indent="0">
               <a:buNone/>
-              <a:defRPr sz="3559" b="1"/>
-            </a:lvl2pPr>
-            <a:lvl3pPr marL="1627266" indent="0">
+              <a:defRPr sz="3797" b="1"/>
+            </a:lvl4pPr>
+            <a:lvl5pPr marL="4339682" indent="0">
               <a:buNone/>
-              <a:defRPr sz="3203" b="1"/>
-            </a:lvl3pPr>
-            <a:lvl4pPr marL="2440899" indent="0">
+              <a:defRPr sz="3797" b="1"/>
+            </a:lvl5pPr>
+            <a:lvl6pPr marL="5424602" indent="0">
               <a:buNone/>
-              <a:defRPr sz="2847" b="1"/>
-            </a:lvl4pPr>
-            <a:lvl5pPr marL="3254532" indent="0">
+              <a:defRPr sz="3797" b="1"/>
+            </a:lvl6pPr>
+            <a:lvl7pPr marL="6509522" indent="0">
               <a:buNone/>
-              <a:defRPr sz="2847" b="1"/>
-            </a:lvl5pPr>
-            <a:lvl6pPr marL="4068166" indent="0">
+              <a:defRPr sz="3797" b="1"/>
+            </a:lvl7pPr>
+            <a:lvl8pPr marL="7594443" indent="0">
               <a:buNone/>
-              <a:defRPr sz="2847" b="1"/>
-            </a:lvl6pPr>
-            <a:lvl7pPr marL="4881799" indent="0">
+              <a:defRPr sz="3797" b="1"/>
+            </a:lvl8pPr>
+            <a:lvl9pPr marL="8679363" indent="0">
               <a:buNone/>
-              <a:defRPr sz="2847" b="1"/>
-            </a:lvl7pPr>
-            <a:lvl8pPr marL="5695432" indent="0">
-              <a:buNone/>
-              <a:defRPr sz="2847" b="1"/>
-            </a:lvl8pPr>
-            <a:lvl9pPr marL="6509065" indent="0">
-              <a:buNone/>
-              <a:defRPr sz="2847" b="1"/>
+              <a:defRPr sz="3797" b="1"/>
             </a:lvl9pPr>
           </a:lstStyle>
           <a:p>
@@ -1969,8 +1967,8 @@
         </p:nvSpPr>
         <p:spPr>
           <a:xfrm>
-            <a:off x="1494561" y="4458106"/>
-            <a:ext cx="9179249" cy="6557202"/>
+            <a:off x="1494563" y="6035957"/>
+            <a:ext cx="9179248" cy="8877981"/>
           </a:xfrm>
         </p:spPr>
         <p:txBody>
@@ -2058,8 +2056,8 @@
         </p:nvSpPr>
         <p:spPr>
           <a:xfrm>
-            <a:off x="10984587" y="2991848"/>
-            <a:ext cx="9224455" cy="1466258"/>
+            <a:off x="10984588" y="4050747"/>
+            <a:ext cx="9224456" cy="1985208"/>
           </a:xfrm>
         </p:spPr>
         <p:txBody>
@@ -2067,39 +2065,39 @@
           <a:lstStyle>
             <a:lvl1pPr marL="0" indent="0">
               <a:buNone/>
+              <a:defRPr sz="5695" b="1"/>
+            </a:lvl1pPr>
+            <a:lvl2pPr marL="1084920" indent="0">
+              <a:buNone/>
+              <a:defRPr sz="4746" b="1"/>
+            </a:lvl2pPr>
+            <a:lvl3pPr marL="2169841" indent="0">
+              <a:buNone/>
               <a:defRPr sz="4271" b="1"/>
-            </a:lvl1pPr>
-            <a:lvl2pPr marL="813633" indent="0">
+            </a:lvl3pPr>
+            <a:lvl4pPr marL="3254761" indent="0">
               <a:buNone/>
-              <a:defRPr sz="3559" b="1"/>
-            </a:lvl2pPr>
-            <a:lvl3pPr marL="1627266" indent="0">
+              <a:defRPr sz="3797" b="1"/>
+            </a:lvl4pPr>
+            <a:lvl5pPr marL="4339682" indent="0">
               <a:buNone/>
-              <a:defRPr sz="3203" b="1"/>
-            </a:lvl3pPr>
-            <a:lvl4pPr marL="2440899" indent="0">
+              <a:defRPr sz="3797" b="1"/>
+            </a:lvl5pPr>
+            <a:lvl6pPr marL="5424602" indent="0">
               <a:buNone/>
-              <a:defRPr sz="2847" b="1"/>
-            </a:lvl4pPr>
-            <a:lvl5pPr marL="3254532" indent="0">
+              <a:defRPr sz="3797" b="1"/>
+            </a:lvl6pPr>
+            <a:lvl7pPr marL="6509522" indent="0">
               <a:buNone/>
-              <a:defRPr sz="2847" b="1"/>
-            </a:lvl5pPr>
-            <a:lvl6pPr marL="4068166" indent="0">
+              <a:defRPr sz="3797" b="1"/>
+            </a:lvl7pPr>
+            <a:lvl8pPr marL="7594443" indent="0">
               <a:buNone/>
-              <a:defRPr sz="2847" b="1"/>
-            </a:lvl6pPr>
-            <a:lvl7pPr marL="4881799" indent="0">
+              <a:defRPr sz="3797" b="1"/>
+            </a:lvl8pPr>
+            <a:lvl9pPr marL="8679363" indent="0">
               <a:buNone/>
-              <a:defRPr sz="2847" b="1"/>
-            </a:lvl7pPr>
-            <a:lvl8pPr marL="5695432" indent="0">
-              <a:buNone/>
-              <a:defRPr sz="2847" b="1"/>
-            </a:lvl8pPr>
-            <a:lvl9pPr marL="6509065" indent="0">
-              <a:buNone/>
-              <a:defRPr sz="2847" b="1"/>
+              <a:defRPr sz="3797" b="1"/>
             </a:lvl9pPr>
           </a:lstStyle>
           <a:p>
@@ -2123,8 +2121,8 @@
         </p:nvSpPr>
         <p:spPr>
           <a:xfrm>
-            <a:off x="10984587" y="4458106"/>
-            <a:ext cx="9224455" cy="6557202"/>
+            <a:off x="10984588" y="6035957"/>
+            <a:ext cx="9224456" cy="8877981"/>
           </a:xfrm>
         </p:spPr>
         <p:txBody>
@@ -2217,7 +2215,7 @@
           <a:p>
             <a:fld id="{AA641DB4-C951-4763-94FC-F650C3AA7E65}" type="datetimeFigureOut">
               <a:rPr kumimoji="1" lang="ja-JP" altLang="en-US" smtClean="0"/>
-              <a:t>2017/1/24</a:t>
+              <a:t>2017/2/3</a:t>
             </a:fld>
             <a:endParaRPr kumimoji="1" lang="ja-JP" altLang="en-US"/>
           </a:p>
@@ -2268,7 +2266,7 @@
     </p:spTree>
     <p:extLst>
       <p:ext uri="{BB962C8B-B14F-4D97-AF65-F5344CB8AC3E}">
-        <p14:creationId xmlns:p14="http://schemas.microsoft.com/office/powerpoint/2010/main" val="4198726770"/>
+        <p14:creationId xmlns:p14="http://schemas.microsoft.com/office/powerpoint/2010/main" val="1985854345"/>
       </p:ext>
     </p:extLst>
   </p:cSld>
@@ -2335,7 +2333,7 @@
           <a:p>
             <a:fld id="{AA641DB4-C951-4763-94FC-F650C3AA7E65}" type="datetimeFigureOut">
               <a:rPr kumimoji="1" lang="ja-JP" altLang="en-US" smtClean="0"/>
-              <a:t>2017/1/24</a:t>
+              <a:t>2017/2/3</a:t>
             </a:fld>
             <a:endParaRPr kumimoji="1" lang="ja-JP" altLang="en-US"/>
           </a:p>
@@ -2386,7 +2384,7 @@
     </p:spTree>
     <p:extLst>
       <p:ext uri="{BB962C8B-B14F-4D97-AF65-F5344CB8AC3E}">
-        <p14:creationId xmlns:p14="http://schemas.microsoft.com/office/powerpoint/2010/main" val="1778324743"/>
+        <p14:creationId xmlns:p14="http://schemas.microsoft.com/office/powerpoint/2010/main" val="4263842232"/>
       </p:ext>
     </p:extLst>
   </p:cSld>
@@ -2430,7 +2428,7 @@
           <a:p>
             <a:fld id="{AA641DB4-C951-4763-94FC-F650C3AA7E65}" type="datetimeFigureOut">
               <a:rPr kumimoji="1" lang="ja-JP" altLang="en-US" smtClean="0"/>
-              <a:t>2017/1/24</a:t>
+              <a:t>2017/2/3</a:t>
             </a:fld>
             <a:endParaRPr kumimoji="1" lang="ja-JP" altLang="en-US"/>
           </a:p>
@@ -2481,7 +2479,7 @@
     </p:spTree>
     <p:extLst>
       <p:ext uri="{BB962C8B-B14F-4D97-AF65-F5344CB8AC3E}">
-        <p14:creationId xmlns:p14="http://schemas.microsoft.com/office/powerpoint/2010/main" val="4018338717"/>
+        <p14:creationId xmlns:p14="http://schemas.microsoft.com/office/powerpoint/2010/main" val="727611953"/>
       </p:ext>
     </p:extLst>
   </p:cSld>
@@ -2520,15 +2518,15 @@
         </p:nvSpPr>
         <p:spPr>
           <a:xfrm>
-            <a:off x="1494561" y="813647"/>
-            <a:ext cx="6998153" cy="2847763"/>
+            <a:off x="1494561" y="1101621"/>
+            <a:ext cx="6998153" cy="3855667"/>
           </a:xfrm>
         </p:spPr>
         <p:txBody>
           <a:bodyPr anchor="b"/>
           <a:lstStyle>
             <a:lvl1pPr>
-              <a:defRPr sz="5695"/>
+              <a:defRPr sz="7594"/>
             </a:lvl1pPr>
           </a:lstStyle>
           <a:p>
@@ -2552,39 +2550,39 @@
         </p:nvSpPr>
         <p:spPr>
           <a:xfrm>
-            <a:off x="9224455" y="1757252"/>
-            <a:ext cx="10984587" cy="8673247"/>
+            <a:off x="9224456" y="2379197"/>
+            <a:ext cx="10984586" cy="11742955"/>
           </a:xfrm>
         </p:spPr>
         <p:txBody>
           <a:bodyPr/>
           <a:lstStyle>
             <a:lvl1pPr>
-              <a:defRPr sz="5695"/>
+              <a:defRPr sz="7594"/>
             </a:lvl1pPr>
             <a:lvl2pPr>
-              <a:defRPr sz="4983"/>
+              <a:defRPr sz="6645"/>
             </a:lvl2pPr>
             <a:lvl3pPr>
-              <a:defRPr sz="4271"/>
+              <a:defRPr sz="5695"/>
             </a:lvl3pPr>
             <a:lvl4pPr>
-              <a:defRPr sz="3559"/>
+              <a:defRPr sz="4746"/>
             </a:lvl4pPr>
             <a:lvl5pPr>
-              <a:defRPr sz="3559"/>
+              <a:defRPr sz="4746"/>
             </a:lvl5pPr>
             <a:lvl6pPr>
-              <a:defRPr sz="3559"/>
+              <a:defRPr sz="4746"/>
             </a:lvl6pPr>
             <a:lvl7pPr>
-              <a:defRPr sz="3559"/>
+              <a:defRPr sz="4746"/>
             </a:lvl7pPr>
             <a:lvl8pPr>
-              <a:defRPr sz="3559"/>
+              <a:defRPr sz="4746"/>
             </a:lvl8pPr>
             <a:lvl9pPr>
-              <a:defRPr sz="3559"/>
+              <a:defRPr sz="4746"/>
             </a:lvl9pPr>
           </a:lstStyle>
           <a:p>
@@ -2669,8 +2667,8 @@
         </p:nvSpPr>
         <p:spPr>
           <a:xfrm>
-            <a:off x="1494561" y="3661410"/>
-            <a:ext cx="6998153" cy="6783215"/>
+            <a:off x="1494561" y="4957287"/>
+            <a:ext cx="6998153" cy="9183986"/>
           </a:xfrm>
         </p:spPr>
         <p:txBody>
@@ -2678,39 +2676,39 @@
           <a:lstStyle>
             <a:lvl1pPr marL="0" indent="0">
               <a:buNone/>
+              <a:defRPr sz="3797"/>
+            </a:lvl1pPr>
+            <a:lvl2pPr marL="1084920" indent="0">
+              <a:buNone/>
+              <a:defRPr sz="3322"/>
+            </a:lvl2pPr>
+            <a:lvl3pPr marL="2169841" indent="0">
+              <a:buNone/>
               <a:defRPr sz="2847"/>
-            </a:lvl1pPr>
-            <a:lvl2pPr marL="813633" indent="0">
+            </a:lvl3pPr>
+            <a:lvl4pPr marL="3254761" indent="0">
               <a:buNone/>
-              <a:defRPr sz="2491"/>
-            </a:lvl2pPr>
-            <a:lvl3pPr marL="1627266" indent="0">
+              <a:defRPr sz="2374"/>
+            </a:lvl4pPr>
+            <a:lvl5pPr marL="4339682" indent="0">
               <a:buNone/>
-              <a:defRPr sz="2136"/>
-            </a:lvl3pPr>
-            <a:lvl4pPr marL="2440899" indent="0">
+              <a:defRPr sz="2374"/>
+            </a:lvl5pPr>
+            <a:lvl6pPr marL="5424602" indent="0">
               <a:buNone/>
-              <a:defRPr sz="1780"/>
-            </a:lvl4pPr>
-            <a:lvl5pPr marL="3254532" indent="0">
+              <a:defRPr sz="2374"/>
+            </a:lvl6pPr>
+            <a:lvl7pPr marL="6509522" indent="0">
               <a:buNone/>
-              <a:defRPr sz="1780"/>
-            </a:lvl5pPr>
-            <a:lvl6pPr marL="4068166" indent="0">
+              <a:defRPr sz="2374"/>
+            </a:lvl7pPr>
+            <a:lvl8pPr marL="7594443" indent="0">
               <a:buNone/>
-              <a:defRPr sz="1780"/>
-            </a:lvl6pPr>
-            <a:lvl7pPr marL="4881799" indent="0">
+              <a:defRPr sz="2374"/>
+            </a:lvl8pPr>
+            <a:lvl9pPr marL="8679363" indent="0">
               <a:buNone/>
-              <a:defRPr sz="1780"/>
-            </a:lvl7pPr>
-            <a:lvl8pPr marL="5695432" indent="0">
-              <a:buNone/>
-              <a:defRPr sz="1780"/>
-            </a:lvl8pPr>
-            <a:lvl9pPr marL="6509065" indent="0">
-              <a:buNone/>
-              <a:defRPr sz="1780"/>
+              <a:defRPr sz="2374"/>
             </a:lvl9pPr>
           </a:lstStyle>
           <a:p>
@@ -2739,7 +2737,7 @@
           <a:p>
             <a:fld id="{AA641DB4-C951-4763-94FC-F650C3AA7E65}" type="datetimeFigureOut">
               <a:rPr kumimoji="1" lang="ja-JP" altLang="en-US" smtClean="0"/>
-              <a:t>2017/1/24</a:t>
+              <a:t>2017/2/3</a:t>
             </a:fld>
             <a:endParaRPr kumimoji="1" lang="ja-JP" altLang="en-US"/>
           </a:p>
@@ -2790,7 +2788,7 @@
     </p:spTree>
     <p:extLst>
       <p:ext uri="{BB962C8B-B14F-4D97-AF65-F5344CB8AC3E}">
-        <p14:creationId xmlns:p14="http://schemas.microsoft.com/office/powerpoint/2010/main" val="8049146"/>
+        <p14:creationId xmlns:p14="http://schemas.microsoft.com/office/powerpoint/2010/main" val="3358752315"/>
       </p:ext>
     </p:extLst>
   </p:cSld>
@@ -2829,15 +2827,15 @@
         </p:nvSpPr>
         <p:spPr>
           <a:xfrm>
-            <a:off x="1494561" y="813647"/>
-            <a:ext cx="6998153" cy="2847763"/>
+            <a:off x="1494561" y="1101621"/>
+            <a:ext cx="6998153" cy="3855667"/>
           </a:xfrm>
         </p:spPr>
         <p:txBody>
           <a:bodyPr anchor="b"/>
           <a:lstStyle>
             <a:lvl1pPr>
-              <a:defRPr sz="5695"/>
+              <a:defRPr sz="7594"/>
             </a:lvl1pPr>
           </a:lstStyle>
           <a:p>
@@ -2861,8 +2859,8 @@
         </p:nvSpPr>
         <p:spPr>
           <a:xfrm>
-            <a:off x="9224455" y="1757252"/>
-            <a:ext cx="10984587" cy="8673247"/>
+            <a:off x="9224456" y="2379197"/>
+            <a:ext cx="10984586" cy="11742955"/>
           </a:xfrm>
         </p:spPr>
         <p:txBody>
@@ -2870,39 +2868,39 @@
           <a:lstStyle>
             <a:lvl1pPr marL="0" indent="0">
               <a:buNone/>
+              <a:defRPr sz="7594"/>
+            </a:lvl1pPr>
+            <a:lvl2pPr marL="1084920" indent="0">
+              <a:buNone/>
+              <a:defRPr sz="6645"/>
+            </a:lvl2pPr>
+            <a:lvl3pPr marL="2169841" indent="0">
+              <a:buNone/>
               <a:defRPr sz="5695"/>
-            </a:lvl1pPr>
-            <a:lvl2pPr marL="813633" indent="0">
+            </a:lvl3pPr>
+            <a:lvl4pPr marL="3254761" indent="0">
               <a:buNone/>
-              <a:defRPr sz="4983"/>
-            </a:lvl2pPr>
-            <a:lvl3pPr marL="1627266" indent="0">
+              <a:defRPr sz="4746"/>
+            </a:lvl4pPr>
+            <a:lvl5pPr marL="4339682" indent="0">
               <a:buNone/>
-              <a:defRPr sz="4271"/>
-            </a:lvl3pPr>
-            <a:lvl4pPr marL="2440899" indent="0">
+              <a:defRPr sz="4746"/>
+            </a:lvl5pPr>
+            <a:lvl6pPr marL="5424602" indent="0">
               <a:buNone/>
-              <a:defRPr sz="3559"/>
-            </a:lvl4pPr>
-            <a:lvl5pPr marL="3254532" indent="0">
+              <a:defRPr sz="4746"/>
+            </a:lvl6pPr>
+            <a:lvl7pPr marL="6509522" indent="0">
               <a:buNone/>
-              <a:defRPr sz="3559"/>
-            </a:lvl5pPr>
-            <a:lvl6pPr marL="4068166" indent="0">
+              <a:defRPr sz="4746"/>
+            </a:lvl7pPr>
+            <a:lvl8pPr marL="7594443" indent="0">
               <a:buNone/>
-              <a:defRPr sz="3559"/>
-            </a:lvl6pPr>
-            <a:lvl7pPr marL="4881799" indent="0">
+              <a:defRPr sz="4746"/>
+            </a:lvl8pPr>
+            <a:lvl9pPr marL="8679363" indent="0">
               <a:buNone/>
-              <a:defRPr sz="3559"/>
-            </a:lvl7pPr>
-            <a:lvl8pPr marL="5695432" indent="0">
-              <a:buNone/>
-              <a:defRPr sz="3559"/>
-            </a:lvl8pPr>
-            <a:lvl9pPr marL="6509065" indent="0">
-              <a:buNone/>
-              <a:defRPr sz="3559"/>
+              <a:defRPr sz="4746"/>
             </a:lvl9pPr>
           </a:lstStyle>
           <a:p>
@@ -2926,8 +2924,8 @@
         </p:nvSpPr>
         <p:spPr>
           <a:xfrm>
-            <a:off x="1494561" y="3661410"/>
-            <a:ext cx="6998153" cy="6783215"/>
+            <a:off x="1494561" y="4957287"/>
+            <a:ext cx="6998153" cy="9183986"/>
           </a:xfrm>
         </p:spPr>
         <p:txBody>
@@ -2935,39 +2933,39 @@
           <a:lstStyle>
             <a:lvl1pPr marL="0" indent="0">
               <a:buNone/>
+              <a:defRPr sz="3797"/>
+            </a:lvl1pPr>
+            <a:lvl2pPr marL="1084920" indent="0">
+              <a:buNone/>
+              <a:defRPr sz="3322"/>
+            </a:lvl2pPr>
+            <a:lvl3pPr marL="2169841" indent="0">
+              <a:buNone/>
               <a:defRPr sz="2847"/>
-            </a:lvl1pPr>
-            <a:lvl2pPr marL="813633" indent="0">
+            </a:lvl3pPr>
+            <a:lvl4pPr marL="3254761" indent="0">
               <a:buNone/>
-              <a:defRPr sz="2491"/>
-            </a:lvl2pPr>
-            <a:lvl3pPr marL="1627266" indent="0">
+              <a:defRPr sz="2374"/>
+            </a:lvl4pPr>
+            <a:lvl5pPr marL="4339682" indent="0">
               <a:buNone/>
-              <a:defRPr sz="2136"/>
-            </a:lvl3pPr>
-            <a:lvl4pPr marL="2440899" indent="0">
+              <a:defRPr sz="2374"/>
+            </a:lvl5pPr>
+            <a:lvl6pPr marL="5424602" indent="0">
               <a:buNone/>
-              <a:defRPr sz="1780"/>
-            </a:lvl4pPr>
-            <a:lvl5pPr marL="3254532" indent="0">
+              <a:defRPr sz="2374"/>
+            </a:lvl6pPr>
+            <a:lvl7pPr marL="6509522" indent="0">
               <a:buNone/>
-              <a:defRPr sz="1780"/>
-            </a:lvl5pPr>
-            <a:lvl6pPr marL="4068166" indent="0">
+              <a:defRPr sz="2374"/>
+            </a:lvl7pPr>
+            <a:lvl8pPr marL="7594443" indent="0">
               <a:buNone/>
-              <a:defRPr sz="1780"/>
-            </a:lvl6pPr>
-            <a:lvl7pPr marL="4881799" indent="0">
+              <a:defRPr sz="2374"/>
+            </a:lvl8pPr>
+            <a:lvl9pPr marL="8679363" indent="0">
               <a:buNone/>
-              <a:defRPr sz="1780"/>
-            </a:lvl7pPr>
-            <a:lvl8pPr marL="5695432" indent="0">
-              <a:buNone/>
-              <a:defRPr sz="1780"/>
-            </a:lvl8pPr>
-            <a:lvl9pPr marL="6509065" indent="0">
-              <a:buNone/>
-              <a:defRPr sz="1780"/>
+              <a:defRPr sz="2374"/>
             </a:lvl9pPr>
           </a:lstStyle>
           <a:p>
@@ -2996,7 +2994,7 @@
           <a:p>
             <a:fld id="{AA641DB4-C951-4763-94FC-F650C3AA7E65}" type="datetimeFigureOut">
               <a:rPr kumimoji="1" lang="ja-JP" altLang="en-US" smtClean="0"/>
-              <a:t>2017/1/24</a:t>
+              <a:t>2017/2/3</a:t>
             </a:fld>
             <a:endParaRPr kumimoji="1" lang="ja-JP" altLang="en-US"/>
           </a:p>
@@ -3047,7 +3045,7 @@
     </p:spTree>
     <p:extLst>
       <p:ext uri="{BB962C8B-B14F-4D97-AF65-F5344CB8AC3E}">
-        <p14:creationId xmlns:p14="http://schemas.microsoft.com/office/powerpoint/2010/main" val="1943466513"/>
+        <p14:creationId xmlns:p14="http://schemas.microsoft.com/office/powerpoint/2010/main" val="1417070177"/>
       </p:ext>
     </p:extLst>
   </p:cSld>
@@ -3091,8 +3089,8 @@
         </p:nvSpPr>
         <p:spPr>
           <a:xfrm>
-            <a:off x="1491734" y="649788"/>
-            <a:ext cx="18714482" cy="2359011"/>
+            <a:off x="1491736" y="879769"/>
+            <a:ext cx="18714481" cy="3193932"/>
           </a:xfrm>
           <a:prstGeom prst="rect">
             <a:avLst/>
@@ -3124,8 +3122,8 @@
         </p:nvSpPr>
         <p:spPr>
           <a:xfrm>
-            <a:off x="1491734" y="3248936"/>
-            <a:ext cx="18714482" cy="7743770"/>
+            <a:off x="1491736" y="4398829"/>
+            <a:ext cx="18714481" cy="10484509"/>
           </a:xfrm>
           <a:prstGeom prst="rect">
             <a:avLst/>
@@ -3218,8 +3216,8 @@
         </p:nvSpPr>
         <p:spPr>
           <a:xfrm>
-            <a:off x="1491734" y="11311950"/>
-            <a:ext cx="4882039" cy="649787"/>
+            <a:off x="1491735" y="15315573"/>
+            <a:ext cx="4882039" cy="879765"/>
           </a:xfrm>
           <a:prstGeom prst="rect">
             <a:avLst/>
@@ -3229,7 +3227,7 @@
           <a:bodyPr vert="horz" lIns="91440" tIns="45720" rIns="91440" bIns="45720" rtlCol="0" anchor="ctr"/>
           <a:lstStyle>
             <a:lvl1pPr algn="l">
-              <a:defRPr sz="2136">
+              <a:defRPr sz="2847">
                 <a:solidFill>
                   <a:schemeClr val="tx1">
                     <a:tint val="75000"/>
@@ -3241,7 +3239,7 @@
           <a:p>
             <a:fld id="{AA641DB4-C951-4763-94FC-F650C3AA7E65}" type="datetimeFigureOut">
               <a:rPr kumimoji="1" lang="ja-JP" altLang="en-US" smtClean="0"/>
-              <a:t>2017/1/24</a:t>
+              <a:t>2017/2/3</a:t>
             </a:fld>
             <a:endParaRPr kumimoji="1" lang="ja-JP" altLang="en-US"/>
           </a:p>
@@ -3259,8 +3257,8 @@
         </p:nvSpPr>
         <p:spPr>
           <a:xfrm>
-            <a:off x="7187446" y="11311950"/>
-            <a:ext cx="7323058" cy="649787"/>
+            <a:off x="7187446" y="15315573"/>
+            <a:ext cx="7323058" cy="879765"/>
           </a:xfrm>
           <a:prstGeom prst="rect">
             <a:avLst/>
@@ -3270,7 +3268,7 @@
           <a:bodyPr vert="horz" lIns="91440" tIns="45720" rIns="91440" bIns="45720" rtlCol="0" anchor="ctr"/>
           <a:lstStyle>
             <a:lvl1pPr algn="ctr">
-              <a:defRPr sz="2136">
+              <a:defRPr sz="2847">
                 <a:solidFill>
                   <a:schemeClr val="tx1">
                     <a:tint val="75000"/>
@@ -3296,8 +3294,8 @@
         </p:nvSpPr>
         <p:spPr>
           <a:xfrm>
-            <a:off x="15324177" y="11311950"/>
-            <a:ext cx="4882039" cy="649787"/>
+            <a:off x="15324177" y="15315573"/>
+            <a:ext cx="4882039" cy="879765"/>
           </a:xfrm>
           <a:prstGeom prst="rect">
             <a:avLst/>
@@ -3307,7 +3305,7 @@
           <a:bodyPr vert="horz" lIns="91440" tIns="45720" rIns="91440" bIns="45720" rtlCol="0" anchor="ctr"/>
           <a:lstStyle>
             <a:lvl1pPr algn="r">
-              <a:defRPr sz="2136">
+              <a:defRPr sz="2847">
                 <a:solidFill>
                   <a:schemeClr val="tx1">
                     <a:tint val="75000"/>
@@ -3328,27 +3326,27 @@
     </p:spTree>
     <p:extLst>
       <p:ext uri="{BB962C8B-B14F-4D97-AF65-F5344CB8AC3E}">
-        <p14:creationId xmlns:p14="http://schemas.microsoft.com/office/powerpoint/2010/main" val="24585715"/>
+        <p14:creationId xmlns:p14="http://schemas.microsoft.com/office/powerpoint/2010/main" val="3409099721"/>
       </p:ext>
     </p:extLst>
   </p:cSld>
   <p:clrMap bg1="lt1" tx1="dk1" bg2="lt2" tx2="dk2" accent1="accent1" accent2="accent2" accent3="accent3" accent4="accent4" accent5="accent5" accent6="accent6" hlink="hlink" folHlink="folHlink"/>
   <p:sldLayoutIdLst>
-    <p:sldLayoutId id="2147483721" r:id="rId1"/>
-    <p:sldLayoutId id="2147483722" r:id="rId2"/>
-    <p:sldLayoutId id="2147483723" r:id="rId3"/>
-    <p:sldLayoutId id="2147483724" r:id="rId4"/>
-    <p:sldLayoutId id="2147483725" r:id="rId5"/>
-    <p:sldLayoutId id="2147483726" r:id="rId6"/>
-    <p:sldLayoutId id="2147483727" r:id="rId7"/>
-    <p:sldLayoutId id="2147483728" r:id="rId8"/>
-    <p:sldLayoutId id="2147483729" r:id="rId9"/>
-    <p:sldLayoutId id="2147483730" r:id="rId10"/>
-    <p:sldLayoutId id="2147483731" r:id="rId11"/>
+    <p:sldLayoutId id="2147483745" r:id="rId1"/>
+    <p:sldLayoutId id="2147483746" r:id="rId2"/>
+    <p:sldLayoutId id="2147483747" r:id="rId3"/>
+    <p:sldLayoutId id="2147483748" r:id="rId4"/>
+    <p:sldLayoutId id="2147483749" r:id="rId5"/>
+    <p:sldLayoutId id="2147483750" r:id="rId6"/>
+    <p:sldLayoutId id="2147483751" r:id="rId7"/>
+    <p:sldLayoutId id="2147483752" r:id="rId8"/>
+    <p:sldLayoutId id="2147483753" r:id="rId9"/>
+    <p:sldLayoutId id="2147483754" r:id="rId10"/>
+    <p:sldLayoutId id="2147483755" r:id="rId11"/>
   </p:sldLayoutIdLst>
   <p:txStyles>
     <p:titleStyle>
-      <a:lvl1pPr algn="l" defTabSz="1627266" rtl="0" eaLnBrk="1" latinLnBrk="0" hangingPunct="1">
+      <a:lvl1pPr algn="l" defTabSz="2169841" rtl="0" eaLnBrk="1" latinLnBrk="0" hangingPunct="1">
         <a:lnSpc>
           <a:spcPct val="90000"/>
         </a:lnSpc>
@@ -3356,7 +3354,7 @@
           <a:spcPct val="0"/>
         </a:spcBef>
         <a:buNone/>
-        <a:defRPr kumimoji="1" sz="7830" kern="1200">
+        <a:defRPr kumimoji="1" sz="10442" kern="1200">
           <a:solidFill>
             <a:schemeClr val="tx1"/>
           </a:solidFill>
@@ -3367,16 +3365,16 @@
       </a:lvl1pPr>
     </p:titleStyle>
     <p:bodyStyle>
-      <a:lvl1pPr marL="406817" indent="-406817" algn="l" defTabSz="1627266" rtl="0" eaLnBrk="1" latinLnBrk="0" hangingPunct="1">
+      <a:lvl1pPr marL="542461" indent="-542461" algn="l" defTabSz="2169841" rtl="0" eaLnBrk="1" latinLnBrk="0" hangingPunct="1">
         <a:lnSpc>
           <a:spcPct val="90000"/>
         </a:lnSpc>
         <a:spcBef>
-          <a:spcPts val="1780"/>
+          <a:spcPts val="2374"/>
         </a:spcBef>
         <a:buFont typeface="Arial" panose="020B0604020202020204" pitchFamily="34" charset="0"/>
         <a:buChar char="•"/>
-        <a:defRPr kumimoji="1" sz="4983" kern="1200">
+        <a:defRPr kumimoji="1" sz="6645" kern="1200">
           <a:solidFill>
             <a:schemeClr val="tx1"/>
           </a:solidFill>
@@ -3385,12 +3383,48 @@
           <a:cs typeface="+mn-cs"/>
         </a:defRPr>
       </a:lvl1pPr>
-      <a:lvl2pPr marL="1220450" indent="-406817" algn="l" defTabSz="1627266" rtl="0" eaLnBrk="1" latinLnBrk="0" hangingPunct="1">
+      <a:lvl2pPr marL="1627380" indent="-542461" algn="l" defTabSz="2169841" rtl="0" eaLnBrk="1" latinLnBrk="0" hangingPunct="1">
         <a:lnSpc>
           <a:spcPct val="90000"/>
         </a:lnSpc>
         <a:spcBef>
-          <a:spcPts val="890"/>
+          <a:spcPts val="1185"/>
+        </a:spcBef>
+        <a:buFont typeface="Arial" panose="020B0604020202020204" pitchFamily="34" charset="0"/>
+        <a:buChar char="•"/>
+        <a:defRPr kumimoji="1" sz="5695" kern="1200">
+          <a:solidFill>
+            <a:schemeClr val="tx1"/>
+          </a:solidFill>
+          <a:latin typeface="+mn-lt"/>
+          <a:ea typeface="+mn-ea"/>
+          <a:cs typeface="+mn-cs"/>
+        </a:defRPr>
+      </a:lvl2pPr>
+      <a:lvl3pPr marL="2712302" indent="-542461" algn="l" defTabSz="2169841" rtl="0" eaLnBrk="1" latinLnBrk="0" hangingPunct="1">
+        <a:lnSpc>
+          <a:spcPct val="90000"/>
+        </a:lnSpc>
+        <a:spcBef>
+          <a:spcPts val="1185"/>
+        </a:spcBef>
+        <a:buFont typeface="Arial" panose="020B0604020202020204" pitchFamily="34" charset="0"/>
+        <a:buChar char="•"/>
+        <a:defRPr kumimoji="1" sz="4746" kern="1200">
+          <a:solidFill>
+            <a:schemeClr val="tx1"/>
+          </a:solidFill>
+          <a:latin typeface="+mn-lt"/>
+          <a:ea typeface="+mn-ea"/>
+          <a:cs typeface="+mn-cs"/>
+        </a:defRPr>
+      </a:lvl3pPr>
+      <a:lvl4pPr marL="3797221" indent="-542461" algn="l" defTabSz="2169841" rtl="0" eaLnBrk="1" latinLnBrk="0" hangingPunct="1">
+        <a:lnSpc>
+          <a:spcPct val="90000"/>
+        </a:lnSpc>
+        <a:spcBef>
+          <a:spcPts val="1185"/>
         </a:spcBef>
         <a:buFont typeface="Arial" panose="020B0604020202020204" pitchFamily="34" charset="0"/>
         <a:buChar char="•"/>
@@ -3402,53 +3436,17 @@
           <a:ea typeface="+mn-ea"/>
           <a:cs typeface="+mn-cs"/>
         </a:defRPr>
-      </a:lvl2pPr>
-      <a:lvl3pPr marL="2034083" indent="-406817" algn="l" defTabSz="1627266" rtl="0" eaLnBrk="1" latinLnBrk="0" hangingPunct="1">
+      </a:lvl4pPr>
+      <a:lvl5pPr marL="4882141" indent="-542461" algn="l" defTabSz="2169841" rtl="0" eaLnBrk="1" latinLnBrk="0" hangingPunct="1">
         <a:lnSpc>
           <a:spcPct val="90000"/>
         </a:lnSpc>
         <a:spcBef>
-          <a:spcPts val="890"/>
+          <a:spcPts val="1185"/>
         </a:spcBef>
         <a:buFont typeface="Arial" panose="020B0604020202020204" pitchFamily="34" charset="0"/>
         <a:buChar char="•"/>
-        <a:defRPr kumimoji="1" sz="3559" kern="1200">
-          <a:solidFill>
-            <a:schemeClr val="tx1"/>
-          </a:solidFill>
-          <a:latin typeface="+mn-lt"/>
-          <a:ea typeface="+mn-ea"/>
-          <a:cs typeface="+mn-cs"/>
-        </a:defRPr>
-      </a:lvl3pPr>
-      <a:lvl4pPr marL="2847716" indent="-406817" algn="l" defTabSz="1627266" rtl="0" eaLnBrk="1" latinLnBrk="0" hangingPunct="1">
-        <a:lnSpc>
-          <a:spcPct val="90000"/>
-        </a:lnSpc>
-        <a:spcBef>
-          <a:spcPts val="890"/>
-        </a:spcBef>
-        <a:buFont typeface="Arial" panose="020B0604020202020204" pitchFamily="34" charset="0"/>
-        <a:buChar char="•"/>
-        <a:defRPr kumimoji="1" sz="3203" kern="1200">
-          <a:solidFill>
-            <a:schemeClr val="tx1"/>
-          </a:solidFill>
-          <a:latin typeface="+mn-lt"/>
-          <a:ea typeface="+mn-ea"/>
-          <a:cs typeface="+mn-cs"/>
-        </a:defRPr>
-      </a:lvl4pPr>
-      <a:lvl5pPr marL="3661349" indent="-406817" algn="l" defTabSz="1627266" rtl="0" eaLnBrk="1" latinLnBrk="0" hangingPunct="1">
-        <a:lnSpc>
-          <a:spcPct val="90000"/>
-        </a:lnSpc>
-        <a:spcBef>
-          <a:spcPts val="890"/>
-        </a:spcBef>
-        <a:buFont typeface="Arial" panose="020B0604020202020204" pitchFamily="34" charset="0"/>
-        <a:buChar char="•"/>
-        <a:defRPr kumimoji="1" sz="3203" kern="1200">
+        <a:defRPr kumimoji="1" sz="4271" kern="1200">
           <a:solidFill>
             <a:schemeClr val="tx1"/>
           </a:solidFill>
@@ -3457,16 +3455,16 @@
           <a:cs typeface="+mn-cs"/>
         </a:defRPr>
       </a:lvl5pPr>
-      <a:lvl6pPr marL="4474982" indent="-406817" algn="l" defTabSz="1627266" rtl="0" eaLnBrk="1" latinLnBrk="0" hangingPunct="1">
+      <a:lvl6pPr marL="5967062" indent="-542461" algn="l" defTabSz="2169841" rtl="0" eaLnBrk="1" latinLnBrk="0" hangingPunct="1">
         <a:lnSpc>
           <a:spcPct val="90000"/>
         </a:lnSpc>
         <a:spcBef>
-          <a:spcPts val="890"/>
+          <a:spcPts val="1185"/>
         </a:spcBef>
         <a:buFont typeface="Arial" panose="020B0604020202020204" pitchFamily="34" charset="0"/>
         <a:buChar char="•"/>
-        <a:defRPr kumimoji="1" sz="3203" kern="1200">
+        <a:defRPr kumimoji="1" sz="4271" kern="1200">
           <a:solidFill>
             <a:schemeClr val="tx1"/>
           </a:solidFill>
@@ -3475,16 +3473,16 @@
           <a:cs typeface="+mn-cs"/>
         </a:defRPr>
       </a:lvl6pPr>
-      <a:lvl7pPr marL="5288615" indent="-406817" algn="l" defTabSz="1627266" rtl="0" eaLnBrk="1" latinLnBrk="0" hangingPunct="1">
+      <a:lvl7pPr marL="7051982" indent="-542461" algn="l" defTabSz="2169841" rtl="0" eaLnBrk="1" latinLnBrk="0" hangingPunct="1">
         <a:lnSpc>
           <a:spcPct val="90000"/>
         </a:lnSpc>
         <a:spcBef>
-          <a:spcPts val="890"/>
+          <a:spcPts val="1185"/>
         </a:spcBef>
         <a:buFont typeface="Arial" panose="020B0604020202020204" pitchFamily="34" charset="0"/>
         <a:buChar char="•"/>
-        <a:defRPr kumimoji="1" sz="3203" kern="1200">
+        <a:defRPr kumimoji="1" sz="4271" kern="1200">
           <a:solidFill>
             <a:schemeClr val="tx1"/>
           </a:solidFill>
@@ -3493,16 +3491,16 @@
           <a:cs typeface="+mn-cs"/>
         </a:defRPr>
       </a:lvl7pPr>
-      <a:lvl8pPr marL="6102248" indent="-406817" algn="l" defTabSz="1627266" rtl="0" eaLnBrk="1" latinLnBrk="0" hangingPunct="1">
+      <a:lvl8pPr marL="8136903" indent="-542461" algn="l" defTabSz="2169841" rtl="0" eaLnBrk="1" latinLnBrk="0" hangingPunct="1">
         <a:lnSpc>
           <a:spcPct val="90000"/>
         </a:lnSpc>
         <a:spcBef>
-          <a:spcPts val="890"/>
+          <a:spcPts val="1185"/>
         </a:spcBef>
         <a:buFont typeface="Arial" panose="020B0604020202020204" pitchFamily="34" charset="0"/>
         <a:buChar char="•"/>
-        <a:defRPr kumimoji="1" sz="3203" kern="1200">
+        <a:defRPr kumimoji="1" sz="4271" kern="1200">
           <a:solidFill>
             <a:schemeClr val="tx1"/>
           </a:solidFill>
@@ -3511,16 +3509,16 @@
           <a:cs typeface="+mn-cs"/>
         </a:defRPr>
       </a:lvl8pPr>
-      <a:lvl9pPr marL="6915882" indent="-406817" algn="l" defTabSz="1627266" rtl="0" eaLnBrk="1" latinLnBrk="0" hangingPunct="1">
+      <a:lvl9pPr marL="9221823" indent="-542461" algn="l" defTabSz="2169841" rtl="0" eaLnBrk="1" latinLnBrk="0" hangingPunct="1">
         <a:lnSpc>
           <a:spcPct val="90000"/>
         </a:lnSpc>
         <a:spcBef>
-          <a:spcPts val="890"/>
+          <a:spcPts val="1185"/>
         </a:spcBef>
         <a:buFont typeface="Arial" panose="020B0604020202020204" pitchFamily="34" charset="0"/>
         <a:buChar char="•"/>
-        <a:defRPr kumimoji="1" sz="3203" kern="1200">
+        <a:defRPr kumimoji="1" sz="4271" kern="1200">
           <a:solidFill>
             <a:schemeClr val="tx1"/>
           </a:solidFill>
@@ -3534,8 +3532,8 @@
       <a:defPPr>
         <a:defRPr lang="en-US"/>
       </a:defPPr>
-      <a:lvl1pPr marL="0" algn="l" defTabSz="1627266" rtl="0" eaLnBrk="1" latinLnBrk="0" hangingPunct="1">
-        <a:defRPr kumimoji="1" sz="3203" kern="1200">
+      <a:lvl1pPr marL="0" algn="l" defTabSz="2169841" rtl="0" eaLnBrk="1" latinLnBrk="0" hangingPunct="1">
+        <a:defRPr kumimoji="1" sz="4271" kern="1200">
           <a:solidFill>
             <a:schemeClr val="tx1"/>
           </a:solidFill>
@@ -3544,8 +3542,8 @@
           <a:cs typeface="+mn-cs"/>
         </a:defRPr>
       </a:lvl1pPr>
-      <a:lvl2pPr marL="813633" algn="l" defTabSz="1627266" rtl="0" eaLnBrk="1" latinLnBrk="0" hangingPunct="1">
-        <a:defRPr kumimoji="1" sz="3203" kern="1200">
+      <a:lvl2pPr marL="1084920" algn="l" defTabSz="2169841" rtl="0" eaLnBrk="1" latinLnBrk="0" hangingPunct="1">
+        <a:defRPr kumimoji="1" sz="4271" kern="1200">
           <a:solidFill>
             <a:schemeClr val="tx1"/>
           </a:solidFill>
@@ -3554,8 +3552,8 @@
           <a:cs typeface="+mn-cs"/>
         </a:defRPr>
       </a:lvl2pPr>
-      <a:lvl3pPr marL="1627266" algn="l" defTabSz="1627266" rtl="0" eaLnBrk="1" latinLnBrk="0" hangingPunct="1">
-        <a:defRPr kumimoji="1" sz="3203" kern="1200">
+      <a:lvl3pPr marL="2169841" algn="l" defTabSz="2169841" rtl="0" eaLnBrk="1" latinLnBrk="0" hangingPunct="1">
+        <a:defRPr kumimoji="1" sz="4271" kern="1200">
           <a:solidFill>
             <a:schemeClr val="tx1"/>
           </a:solidFill>
@@ -3564,8 +3562,8 @@
           <a:cs typeface="+mn-cs"/>
         </a:defRPr>
       </a:lvl3pPr>
-      <a:lvl4pPr marL="2440899" algn="l" defTabSz="1627266" rtl="0" eaLnBrk="1" latinLnBrk="0" hangingPunct="1">
-        <a:defRPr kumimoji="1" sz="3203" kern="1200">
+      <a:lvl4pPr marL="3254761" algn="l" defTabSz="2169841" rtl="0" eaLnBrk="1" latinLnBrk="0" hangingPunct="1">
+        <a:defRPr kumimoji="1" sz="4271" kern="1200">
           <a:solidFill>
             <a:schemeClr val="tx1"/>
           </a:solidFill>
@@ -3574,8 +3572,8 @@
           <a:cs typeface="+mn-cs"/>
         </a:defRPr>
       </a:lvl4pPr>
-      <a:lvl5pPr marL="3254532" algn="l" defTabSz="1627266" rtl="0" eaLnBrk="1" latinLnBrk="0" hangingPunct="1">
-        <a:defRPr kumimoji="1" sz="3203" kern="1200">
+      <a:lvl5pPr marL="4339682" algn="l" defTabSz="2169841" rtl="0" eaLnBrk="1" latinLnBrk="0" hangingPunct="1">
+        <a:defRPr kumimoji="1" sz="4271" kern="1200">
           <a:solidFill>
             <a:schemeClr val="tx1"/>
           </a:solidFill>
@@ -3584,8 +3582,8 @@
           <a:cs typeface="+mn-cs"/>
         </a:defRPr>
       </a:lvl5pPr>
-      <a:lvl6pPr marL="4068166" algn="l" defTabSz="1627266" rtl="0" eaLnBrk="1" latinLnBrk="0" hangingPunct="1">
-        <a:defRPr kumimoji="1" sz="3203" kern="1200">
+      <a:lvl6pPr marL="5424602" algn="l" defTabSz="2169841" rtl="0" eaLnBrk="1" latinLnBrk="0" hangingPunct="1">
+        <a:defRPr kumimoji="1" sz="4271" kern="1200">
           <a:solidFill>
             <a:schemeClr val="tx1"/>
           </a:solidFill>
@@ -3594,8 +3592,8 @@
           <a:cs typeface="+mn-cs"/>
         </a:defRPr>
       </a:lvl6pPr>
-      <a:lvl7pPr marL="4881799" algn="l" defTabSz="1627266" rtl="0" eaLnBrk="1" latinLnBrk="0" hangingPunct="1">
-        <a:defRPr kumimoji="1" sz="3203" kern="1200">
+      <a:lvl7pPr marL="6509522" algn="l" defTabSz="2169841" rtl="0" eaLnBrk="1" latinLnBrk="0" hangingPunct="1">
+        <a:defRPr kumimoji="1" sz="4271" kern="1200">
           <a:solidFill>
             <a:schemeClr val="tx1"/>
           </a:solidFill>
@@ -3604,8 +3602,8 @@
           <a:cs typeface="+mn-cs"/>
         </a:defRPr>
       </a:lvl7pPr>
-      <a:lvl8pPr marL="5695432" algn="l" defTabSz="1627266" rtl="0" eaLnBrk="1" latinLnBrk="0" hangingPunct="1">
-        <a:defRPr kumimoji="1" sz="3203" kern="1200">
+      <a:lvl8pPr marL="7594443" algn="l" defTabSz="2169841" rtl="0" eaLnBrk="1" latinLnBrk="0" hangingPunct="1">
+        <a:defRPr kumimoji="1" sz="4271" kern="1200">
           <a:solidFill>
             <a:schemeClr val="tx1"/>
           </a:solidFill>
@@ -3614,8 +3612,8 @@
           <a:cs typeface="+mn-cs"/>
         </a:defRPr>
       </a:lvl8pPr>
-      <a:lvl9pPr marL="6509065" algn="l" defTabSz="1627266" rtl="0" eaLnBrk="1" latinLnBrk="0" hangingPunct="1">
-        <a:defRPr kumimoji="1" sz="3203" kern="1200">
+      <a:lvl9pPr marL="8679363" algn="l" defTabSz="2169841" rtl="0" eaLnBrk="1" latinLnBrk="0" hangingPunct="1">
+        <a:defRPr kumimoji="1" sz="4271" kern="1200">
           <a:solidFill>
             <a:schemeClr val="tx1"/>
           </a:solidFill>
@@ -3648,121 +3646,28 @@
       </p:grpSpPr>
       <p:grpSp>
         <p:nvGrpSpPr>
-          <p:cNvPr id="26" name="グループ化 25"/>
+          <p:cNvPr id="68" name="グループ化 67"/>
           <p:cNvGrpSpPr/>
           <p:nvPr/>
         </p:nvGrpSpPr>
         <p:grpSpPr>
           <a:xfrm>
-            <a:off x="200723" y="245327"/>
-            <a:ext cx="21187316" cy="11686478"/>
-            <a:chOff x="2083403" y="1234383"/>
-            <a:chExt cx="17468283" cy="9757773"/>
+            <a:off x="3005786" y="116122"/>
+            <a:ext cx="15686379" cy="16138174"/>
+            <a:chOff x="441185" y="116122"/>
+            <a:chExt cx="15686379" cy="16138174"/>
           </a:xfrm>
         </p:grpSpPr>
         <p:sp>
           <p:nvSpPr>
-            <p:cNvPr id="22" name="正方形/長方形 21"/>
+            <p:cNvPr id="10" name="正方形/長方形 9"/>
             <p:cNvSpPr/>
             <p:nvPr/>
           </p:nvSpPr>
           <p:spPr>
             <a:xfrm>
-              <a:off x="2083404" y="8296507"/>
-              <a:ext cx="17468278" cy="1479348"/>
-            </a:xfrm>
-            <a:prstGeom prst="rect">
-              <a:avLst/>
-            </a:prstGeom>
-            <a:ln>
-              <a:noFill/>
-            </a:ln>
-          </p:spPr>
-          <p:style>
-            <a:lnRef idx="2">
-              <a:schemeClr val="dk1"/>
-            </a:lnRef>
-            <a:fillRef idx="1">
-              <a:schemeClr val="lt1"/>
-            </a:fillRef>
-            <a:effectRef idx="0">
-              <a:schemeClr val="dk1"/>
-            </a:effectRef>
-            <a:fontRef idx="minor">
-              <a:schemeClr val="dk1"/>
-            </a:fontRef>
-          </p:style>
-          <p:txBody>
-            <a:bodyPr rtlCol="0" anchor="ctr"/>
-            <a:lstStyle/>
-            <a:p>
-              <a:pPr algn="ctr"/>
-              <a:r>
-                <a:rPr lang="en-US" altLang="ja-JP" sz="4400" smtClean="0">
-                  <a:latin typeface="メイリオ" panose="020B0604030504040204" pitchFamily="50" charset="-128"/>
-                  <a:ea typeface="メイリオ" panose="020B0604030504040204" pitchFamily="50" charset="-128"/>
-                </a:rPr>
-                <a:t>RTOS (TOPPERS/ASP3)</a:t>
-              </a:r>
-              <a:endParaRPr lang="ja-JP" altLang="en-US" sz="4400" dirty="0">
-                <a:latin typeface="メイリオ" panose="020B0604030504040204" pitchFamily="50" charset="-128"/>
-                <a:ea typeface="メイリオ" panose="020B0604030504040204" pitchFamily="50" charset="-128"/>
-              </a:endParaRPr>
-            </a:p>
-          </p:txBody>
-        </p:sp>
-        <p:sp>
-          <p:nvSpPr>
-            <p:cNvPr id="20" name="正方形/長方形 19"/>
-            <p:cNvSpPr/>
-            <p:nvPr/>
-          </p:nvSpPr>
-          <p:spPr>
-            <a:xfrm>
-              <a:off x="2083405" y="2401515"/>
-              <a:ext cx="17468281" cy="7374338"/>
-            </a:xfrm>
-            <a:prstGeom prst="rect">
-              <a:avLst/>
-            </a:prstGeom>
-            <a:noFill/>
-          </p:spPr>
-          <p:style>
-            <a:lnRef idx="2">
-              <a:schemeClr val="dk1"/>
-            </a:lnRef>
-            <a:fillRef idx="1">
-              <a:schemeClr val="lt1"/>
-            </a:fillRef>
-            <a:effectRef idx="0">
-              <a:schemeClr val="dk1"/>
-            </a:effectRef>
-            <a:fontRef idx="minor">
-              <a:schemeClr val="dk1"/>
-            </a:fontRef>
-          </p:style>
-          <p:txBody>
-            <a:bodyPr rtlCol="0" anchor="ctr"/>
-            <a:lstStyle/>
-            <a:p>
-              <a:pPr algn="ctr"/>
-              <a:endParaRPr lang="ja-JP" altLang="en-US" sz="3013" dirty="0">
-                <a:latin typeface="メイリオ" panose="020B0604030504040204" pitchFamily="50" charset="-128"/>
-                <a:ea typeface="メイリオ" panose="020B0604030504040204" pitchFamily="50" charset="-128"/>
-              </a:endParaRPr>
-            </a:p>
-          </p:txBody>
-        </p:sp>
-        <p:sp>
-          <p:nvSpPr>
-            <p:cNvPr id="2" name="正方形/長方形 1"/>
-            <p:cNvSpPr/>
-            <p:nvPr/>
-          </p:nvSpPr>
-          <p:spPr>
-            <a:xfrm>
-              <a:off x="2083403" y="1234383"/>
-              <a:ext cx="17446414" cy="1216303"/>
+              <a:off x="7026095" y="5933472"/>
+              <a:ext cx="1773521" cy="1376718"/>
             </a:xfrm>
             <a:prstGeom prst="rect">
               <a:avLst/>
@@ -3792,29 +3697,30 @@
                   <a:latin typeface="メイリオ" panose="020B0604030504040204" pitchFamily="50" charset="-128"/>
                   <a:ea typeface="メイリオ" panose="020B0604030504040204" pitchFamily="50" charset="-128"/>
                 </a:rPr>
-                <a:t>Application</a:t>
+                <a:t>CEP</a:t>
               </a:r>
-              <a:endParaRPr lang="ja-JP" altLang="en-US" sz="4400" dirty="0">
-                <a:latin typeface="メイリオ" panose="020B0604030504040204" pitchFamily="50" charset="-128"/>
-                <a:ea typeface="メイリオ" panose="020B0604030504040204" pitchFamily="50" charset="-128"/>
-              </a:endParaRPr>
             </a:p>
           </p:txBody>
         </p:sp>
         <p:sp>
           <p:nvSpPr>
-            <p:cNvPr id="21" name="正方形/長方形 20"/>
+            <p:cNvPr id="4" name="正方形/長方形 3"/>
             <p:cNvSpPr/>
             <p:nvPr/>
           </p:nvSpPr>
-          <p:spPr>
+          <p:spPr bwMode="auto">
             <a:xfrm>
-              <a:off x="2083403" y="9775853"/>
-              <a:ext cx="17468281" cy="1216303"/>
+              <a:off x="2437369" y="12706516"/>
+              <a:ext cx="11525693" cy="936182"/>
             </a:xfrm>
             <a:prstGeom prst="rect">
               <a:avLst/>
             </a:prstGeom>
+            <a:ln>
+              <a:headEnd type="none" w="med" len="med"/>
+              <a:tailEnd type="triangle" w="med" len="med"/>
+            </a:ln>
+            <a:extLst/>
           </p:spPr>
           <p:style>
             <a:lnRef idx="2">
@@ -3831,55 +3737,66 @@
             </a:fontRef>
           </p:style>
           <p:txBody>
-            <a:bodyPr rtlCol="0" anchor="ctr"/>
+            <a:bodyPr vert="horz" wrap="square" lIns="189207" tIns="98388" rIns="189207" bIns="98388" numCol="1" rtlCol="0" anchor="b" anchorCtr="0" compatLnSpc="1">
+              <a:prstTxWarp prst="textNoShape">
+                <a:avLst/>
+              </a:prstTxWarp>
+              <a:noAutofit/>
+            </a:bodyPr>
             <a:lstStyle/>
             <a:p>
-              <a:pPr algn="ctr"/>
+              <a:pPr algn="ctr" defTabSz="1922264" fontAlgn="base">
+                <a:lnSpc>
+                  <a:spcPct val="90000"/>
+                </a:lnSpc>
+                <a:spcBef>
+                  <a:spcPct val="20000"/>
+                </a:spcBef>
+                <a:spcAft>
+                  <a:spcPct val="0"/>
+                </a:spcAft>
+              </a:pPr>
               <a:r>
-                <a:rPr lang="en-US" altLang="ja-JP" sz="4400" dirty="0" smtClean="0">
+                <a:rPr lang="en-US" altLang="ja-JP" sz="4400" dirty="0" err="1">
+                  <a:solidFill>
+                    <a:schemeClr val="tx1"/>
+                  </a:solidFill>
                   <a:latin typeface="メイリオ" panose="020B0604030504040204" pitchFamily="50" charset="-128"/>
                   <a:ea typeface="メイリオ" panose="020B0604030504040204" pitchFamily="50" charset="-128"/>
+                  <a:cs typeface="メイリオ" pitchFamily="50" charset="-128"/>
                 </a:rPr>
-                <a:t>Target</a:t>
+                <a:t>tNetworkInterfaceController</a:t>
               </a:r>
-              <a:r>
-                <a:rPr lang="ja-JP" altLang="en-US" sz="4400" dirty="0" smtClean="0">
-                  <a:latin typeface="メイリオ" panose="020B0604030504040204" pitchFamily="50" charset="-128"/>
-                  <a:ea typeface="メイリオ" panose="020B0604030504040204" pitchFamily="50" charset="-128"/>
-                </a:rPr>
-                <a:t> </a:t>
-              </a:r>
-              <a:r>
-                <a:rPr lang="en-US" altLang="ja-JP" sz="4400" dirty="0" smtClean="0">
-                  <a:latin typeface="メイリオ" panose="020B0604030504040204" pitchFamily="50" charset="-128"/>
-                  <a:ea typeface="メイリオ" panose="020B0604030504040204" pitchFamily="50" charset="-128"/>
-                </a:rPr>
-                <a:t>Hardware</a:t>
-              </a:r>
-              <a:endParaRPr lang="ja-JP" altLang="en-US" sz="4400" dirty="0">
+              <a:endParaRPr lang="en-US" altLang="ja-JP" sz="4800" dirty="0">
+                <a:solidFill>
+                  <a:schemeClr val="tx1"/>
+                </a:solidFill>
                 <a:latin typeface="メイリオ" panose="020B0604030504040204" pitchFamily="50" charset="-128"/>
                 <a:ea typeface="メイリオ" panose="020B0604030504040204" pitchFamily="50" charset="-128"/>
+                <a:cs typeface="メイリオ" pitchFamily="50" charset="-128"/>
               </a:endParaRPr>
             </a:p>
           </p:txBody>
         </p:sp>
         <p:sp>
           <p:nvSpPr>
-            <p:cNvPr id="34" name="正方形/長方形 33"/>
+            <p:cNvPr id="5" name="正方形/長方形 4"/>
             <p:cNvSpPr/>
             <p:nvPr/>
           </p:nvSpPr>
-          <p:spPr>
+          <p:spPr bwMode="auto">
             <a:xfrm>
-              <a:off x="4371278" y="6817156"/>
-              <a:ext cx="15180403" cy="1479348"/>
+              <a:off x="2437370" y="7860164"/>
+              <a:ext cx="5681508" cy="1147171"/>
             </a:xfrm>
             <a:prstGeom prst="rect">
               <a:avLst/>
             </a:prstGeom>
             <a:ln>
-              <a:noFill/>
+              <a:headEnd type="none" w="med" len="med"/>
+              <a:tailEnd type="triangle" w="med" len="med"/>
             </a:ln>
+            <a:extLst/>
           </p:spPr>
           <p:style>
             <a:lnRef idx="2">
@@ -3896,41 +3813,403 @@
             </a:fontRef>
           </p:style>
           <p:txBody>
-            <a:bodyPr rtlCol="0" anchor="ctr"/>
+            <a:bodyPr vert="horz" wrap="square" lIns="189207" tIns="98388" rIns="189207" bIns="98388" numCol="1" rtlCol="0" anchor="ctr" anchorCtr="0" compatLnSpc="1">
+              <a:prstTxWarp prst="textNoShape">
+                <a:avLst/>
+              </a:prstTxWarp>
+              <a:noAutofit/>
+            </a:bodyPr>
+            <a:lstStyle/>
+            <a:p>
+              <a:pPr algn="ctr" defTabSz="1922264" fontAlgn="base">
+                <a:lnSpc>
+                  <a:spcPct val="90000"/>
+                </a:lnSpc>
+                <a:spcBef>
+                  <a:spcPct val="20000"/>
+                </a:spcBef>
+                <a:spcAft>
+                  <a:spcPct val="0"/>
+                </a:spcAft>
+              </a:pPr>
+              <a:r>
+                <a:rPr lang="en-US" altLang="ja-JP" sz="4400" dirty="0" err="1">
+                  <a:solidFill>
+                    <a:schemeClr val="tx1"/>
+                  </a:solidFill>
+                  <a:latin typeface="メイリオ" panose="020B0604030504040204" pitchFamily="50" charset="-128"/>
+                  <a:ea typeface="メイリオ" panose="020B0604030504040204" pitchFamily="50" charset="-128"/>
+                  <a:cs typeface="メイリオ" pitchFamily="50" charset="-128"/>
+                </a:rPr>
+                <a:t>tTCPInput</a:t>
+              </a:r>
+              <a:endParaRPr lang="en-US" altLang="ja-JP" sz="4400" dirty="0">
+                <a:solidFill>
+                  <a:schemeClr val="tx1"/>
+                </a:solidFill>
+                <a:latin typeface="メイリオ" panose="020B0604030504040204" pitchFamily="50" charset="-128"/>
+                <a:ea typeface="メイリオ" panose="020B0604030504040204" pitchFamily="50" charset="-128"/>
+                <a:cs typeface="メイリオ" pitchFamily="50" charset="-128"/>
+              </a:endParaRPr>
+            </a:p>
+          </p:txBody>
+        </p:sp>
+        <p:grpSp>
+          <p:nvGrpSpPr>
+            <p:cNvPr id="17" name="グループ化 16"/>
+            <p:cNvGrpSpPr/>
+            <p:nvPr/>
+          </p:nvGrpSpPr>
+          <p:grpSpPr>
+            <a:xfrm>
+              <a:off x="2107223" y="3415420"/>
+              <a:ext cx="11933062" cy="1456719"/>
+              <a:chOff x="4682194" y="1465287"/>
+              <a:chExt cx="11933062" cy="1456719"/>
+            </a:xfrm>
+          </p:grpSpPr>
+          <p:sp>
+            <p:nvSpPr>
+              <p:cNvPr id="9" name="正方形/長方形 8"/>
+              <p:cNvSpPr/>
+              <p:nvPr/>
+            </p:nvSpPr>
+            <p:spPr>
+              <a:xfrm>
+                <a:off x="4682194" y="1465289"/>
+                <a:ext cx="2842054" cy="1456715"/>
+              </a:xfrm>
+              <a:prstGeom prst="rect">
+                <a:avLst/>
+              </a:prstGeom>
+            </p:spPr>
+            <p:style>
+              <a:lnRef idx="2">
+                <a:schemeClr val="dk1"/>
+              </a:lnRef>
+              <a:fillRef idx="1">
+                <a:schemeClr val="lt1"/>
+              </a:fillRef>
+              <a:effectRef idx="0">
+                <a:schemeClr val="dk1"/>
+              </a:effectRef>
+              <a:fontRef idx="minor">
+                <a:schemeClr val="dk1"/>
+              </a:fontRef>
+            </p:style>
+            <p:txBody>
+              <a:bodyPr rtlCol="0" anchor="ctr"/>
+              <a:lstStyle/>
+              <a:p>
+                <a:pPr algn="ctr"/>
+                <a:r>
+                  <a:rPr lang="en-US" altLang="ja-JP" sz="4400" dirty="0">
+                    <a:latin typeface="メイリオ" panose="020B0604030504040204" pitchFamily="50" charset="-128"/>
+                    <a:ea typeface="メイリオ" panose="020B0604030504040204" pitchFamily="50" charset="-128"/>
+                  </a:rPr>
+                  <a:t>REP</a:t>
+                </a:r>
+              </a:p>
+              <a:p>
+                <a:pPr algn="ctr"/>
+                <a:r>
+                  <a:rPr lang="en-US" altLang="ja-JP" sz="4400" dirty="0">
+                    <a:latin typeface="メイリオ" panose="020B0604030504040204" pitchFamily="50" charset="-128"/>
+                    <a:ea typeface="メイリオ" panose="020B0604030504040204" pitchFamily="50" charset="-128"/>
+                  </a:rPr>
+                  <a:t>port:23</a:t>
+                </a:r>
+              </a:p>
+            </p:txBody>
+          </p:sp>
+          <p:sp>
+            <p:nvSpPr>
+              <p:cNvPr id="11" name="正方形/長方形 10"/>
+              <p:cNvSpPr/>
+              <p:nvPr/>
+            </p:nvSpPr>
+            <p:spPr>
+              <a:xfrm>
+                <a:off x="9216662" y="1465291"/>
+                <a:ext cx="2842054" cy="1456715"/>
+              </a:xfrm>
+              <a:prstGeom prst="rect">
+                <a:avLst/>
+              </a:prstGeom>
+            </p:spPr>
+            <p:style>
+              <a:lnRef idx="2">
+                <a:schemeClr val="dk1"/>
+              </a:lnRef>
+              <a:fillRef idx="1">
+                <a:schemeClr val="lt1"/>
+              </a:fillRef>
+              <a:effectRef idx="0">
+                <a:schemeClr val="dk1"/>
+              </a:effectRef>
+              <a:fontRef idx="minor">
+                <a:schemeClr val="dk1"/>
+              </a:fontRef>
+            </p:style>
+            <p:txBody>
+              <a:bodyPr rtlCol="0" anchor="ctr"/>
+              <a:lstStyle/>
+              <a:p>
+                <a:pPr algn="ctr"/>
+                <a:r>
+                  <a:rPr lang="en-US" altLang="ja-JP" sz="4400" dirty="0">
+                    <a:latin typeface="メイリオ" panose="020B0604030504040204" pitchFamily="50" charset="-128"/>
+                    <a:ea typeface="メイリオ" panose="020B0604030504040204" pitchFamily="50" charset="-128"/>
+                  </a:rPr>
+                  <a:t>REP</a:t>
+                </a:r>
+              </a:p>
+              <a:p>
+                <a:pPr algn="ctr"/>
+                <a:r>
+                  <a:rPr lang="en-US" altLang="ja-JP" sz="4400" dirty="0">
+                    <a:latin typeface="メイリオ" panose="020B0604030504040204" pitchFamily="50" charset="-128"/>
+                    <a:ea typeface="メイリオ" panose="020B0604030504040204" pitchFamily="50" charset="-128"/>
+                  </a:rPr>
+                  <a:t>port:80</a:t>
+                </a:r>
+              </a:p>
+            </p:txBody>
+          </p:sp>
+          <p:sp>
+            <p:nvSpPr>
+              <p:cNvPr id="12" name="正方形/長方形 11"/>
+              <p:cNvSpPr/>
+              <p:nvPr/>
+            </p:nvSpPr>
+            <p:spPr>
+              <a:xfrm>
+                <a:off x="13751130" y="1465287"/>
+                <a:ext cx="2864126" cy="1456715"/>
+              </a:xfrm>
+              <a:prstGeom prst="rect">
+                <a:avLst/>
+              </a:prstGeom>
+            </p:spPr>
+            <p:style>
+              <a:lnRef idx="2">
+                <a:schemeClr val="dk1"/>
+              </a:lnRef>
+              <a:fillRef idx="1">
+                <a:schemeClr val="lt1"/>
+              </a:fillRef>
+              <a:effectRef idx="0">
+                <a:schemeClr val="dk1"/>
+              </a:effectRef>
+              <a:fontRef idx="minor">
+                <a:schemeClr val="dk1"/>
+              </a:fontRef>
+            </p:style>
+            <p:txBody>
+              <a:bodyPr rtlCol="0" anchor="ctr"/>
+              <a:lstStyle/>
+              <a:p>
+                <a:pPr algn="ctr"/>
+                <a:r>
+                  <a:rPr lang="en-US" altLang="ja-JP" sz="4400" dirty="0">
+                    <a:latin typeface="メイリオ" panose="020B0604030504040204" pitchFamily="50" charset="-128"/>
+                    <a:ea typeface="メイリオ" panose="020B0604030504040204" pitchFamily="50" charset="-128"/>
+                  </a:rPr>
+                  <a:t>REP</a:t>
+                </a:r>
+              </a:p>
+              <a:p>
+                <a:pPr algn="ctr"/>
+                <a:r>
+                  <a:rPr lang="en-US" altLang="ja-JP" sz="4400" dirty="0">
+                    <a:latin typeface="メイリオ" panose="020B0604030504040204" pitchFamily="50" charset="-128"/>
+                    <a:ea typeface="メイリオ" panose="020B0604030504040204" pitchFamily="50" charset="-128"/>
+                  </a:rPr>
+                  <a:t>port:443</a:t>
+                </a:r>
+              </a:p>
+            </p:txBody>
+          </p:sp>
+        </p:grpSp>
+        <p:sp>
+          <p:nvSpPr>
+            <p:cNvPr id="15" name="右矢印 14"/>
+            <p:cNvSpPr/>
+            <p:nvPr/>
+          </p:nvSpPr>
+          <p:spPr>
+            <a:xfrm rot="11918095">
+              <a:off x="4171858" y="5250608"/>
+              <a:ext cx="2829138" cy="619412"/>
+            </a:xfrm>
+            <a:prstGeom prst="rightArrow">
+              <a:avLst/>
+            </a:prstGeom>
+            <a:noFill/>
+            <a:ln w="63500">
+              <a:solidFill>
+                <a:schemeClr val="bg1">
+                  <a:lumMod val="50000"/>
+                </a:schemeClr>
+              </a:solidFill>
+              <a:prstDash val="sysDash"/>
+            </a:ln>
+          </p:spPr>
+          <p:style>
+            <a:lnRef idx="2">
+              <a:schemeClr val="dk1">
+                <a:shade val="50000"/>
+              </a:schemeClr>
+            </a:lnRef>
+            <a:fillRef idx="1">
+              <a:schemeClr val="dk1"/>
+            </a:fillRef>
+            <a:effectRef idx="0">
+              <a:schemeClr val="dk1"/>
+            </a:effectRef>
+            <a:fontRef idx="minor">
+              <a:schemeClr val="lt1"/>
+            </a:fontRef>
+          </p:style>
+          <p:txBody>
+            <a:bodyPr rot="0" spcFirstLastPara="0" vertOverflow="overflow" horzOverflow="overflow" vert="horz" wrap="square" lIns="91439" tIns="45720" rIns="91439" bIns="45720" numCol="1" spcCol="0" rtlCol="0" fromWordArt="0" anchor="ctr" anchorCtr="0" forceAA="0" compatLnSpc="1">
+              <a:prstTxWarp prst="textNoShape">
+                <a:avLst/>
+              </a:prstTxWarp>
+              <a:noAutofit/>
+            </a:bodyPr>
             <a:lstStyle/>
             <a:p>
               <a:pPr algn="ctr"/>
-              <a:r>
-                <a:rPr lang="en-US" altLang="ja-JP" sz="5400" dirty="0" smtClean="0">
-                  <a:latin typeface="メイリオ" panose="020B0604030504040204" pitchFamily="50" charset="-128"/>
-                  <a:ea typeface="メイリオ" panose="020B0604030504040204" pitchFamily="50" charset="-128"/>
-                </a:rPr>
-                <a:t>TECS</a:t>
-              </a:r>
-              <a:endParaRPr lang="ja-JP" altLang="en-US" sz="4400" dirty="0">
-                <a:latin typeface="メイリオ" panose="020B0604030504040204" pitchFamily="50" charset="-128"/>
-                <a:ea typeface="メイリオ" panose="020B0604030504040204" pitchFamily="50" charset="-128"/>
-              </a:endParaRPr>
+              <a:endParaRPr lang="ja-JP" altLang="en-US"/>
             </a:p>
           </p:txBody>
         </p:sp>
         <p:sp>
           <p:nvSpPr>
-            <p:cNvPr id="35" name="正方形/長方形 34"/>
+            <p:cNvPr id="16" name="右矢印 15"/>
             <p:cNvSpPr/>
             <p:nvPr/>
           </p:nvSpPr>
           <p:spPr>
+            <a:xfrm rot="16200000">
+              <a:off x="7588664" y="5093096"/>
+              <a:ext cx="942437" cy="619412"/>
+            </a:xfrm>
+            <a:prstGeom prst="rightArrow">
+              <a:avLst/>
+            </a:prstGeom>
+            <a:solidFill>
+              <a:schemeClr val="tx1"/>
+            </a:solidFill>
+            <a:ln w="63500">
+              <a:noFill/>
+              <a:prstDash val="sysDash"/>
+            </a:ln>
+          </p:spPr>
+          <p:style>
+            <a:lnRef idx="2">
+              <a:schemeClr val="dk1">
+                <a:shade val="50000"/>
+              </a:schemeClr>
+            </a:lnRef>
+            <a:fillRef idx="1">
+              <a:schemeClr val="dk1"/>
+            </a:fillRef>
+            <a:effectRef idx="0">
+              <a:schemeClr val="dk1"/>
+            </a:effectRef>
+            <a:fontRef idx="minor">
+              <a:schemeClr val="lt1"/>
+            </a:fontRef>
+          </p:style>
+          <p:txBody>
+            <a:bodyPr rot="0" spcFirstLastPara="0" vertOverflow="overflow" horzOverflow="overflow" vert="horz" wrap="square" lIns="91439" tIns="45720" rIns="91439" bIns="45720" numCol="1" spcCol="0" rtlCol="0" fromWordArt="0" anchor="ctr" anchorCtr="0" forceAA="0" compatLnSpc="1">
+              <a:prstTxWarp prst="textNoShape">
+                <a:avLst/>
+              </a:prstTxWarp>
+              <a:noAutofit/>
+            </a:bodyPr>
+            <a:lstStyle/>
+            <a:p>
+              <a:pPr algn="ctr"/>
+              <a:endParaRPr lang="ja-JP" altLang="en-US"/>
+            </a:p>
+          </p:txBody>
+        </p:sp>
+        <p:sp>
+          <p:nvSpPr>
+            <p:cNvPr id="19" name="右矢印 18"/>
+            <p:cNvSpPr/>
+            <p:nvPr/>
+          </p:nvSpPr>
+          <p:spPr>
+            <a:xfrm rot="20667980">
+              <a:off x="8834085" y="5310720"/>
+              <a:ext cx="3039670" cy="619412"/>
+            </a:xfrm>
+            <a:prstGeom prst="rightArrow">
+              <a:avLst/>
+            </a:prstGeom>
+            <a:noFill/>
+            <a:ln w="63500">
+              <a:solidFill>
+                <a:schemeClr val="bg1">
+                  <a:lumMod val="50000"/>
+                </a:schemeClr>
+              </a:solidFill>
+              <a:prstDash val="sysDash"/>
+            </a:ln>
+          </p:spPr>
+          <p:style>
+            <a:lnRef idx="2">
+              <a:schemeClr val="dk1">
+                <a:shade val="50000"/>
+              </a:schemeClr>
+            </a:lnRef>
+            <a:fillRef idx="1">
+              <a:schemeClr val="dk1"/>
+            </a:fillRef>
+            <a:effectRef idx="0">
+              <a:schemeClr val="dk1"/>
+            </a:effectRef>
+            <a:fontRef idx="minor">
+              <a:schemeClr val="lt1"/>
+            </a:fontRef>
+          </p:style>
+          <p:txBody>
+            <a:bodyPr rot="0" spcFirstLastPara="0" vertOverflow="overflow" horzOverflow="overflow" vert="horz" wrap="square" lIns="91439" tIns="45720" rIns="91439" bIns="45720" numCol="1" spcCol="0" rtlCol="0" fromWordArt="0" anchor="ctr" anchorCtr="0" forceAA="0" compatLnSpc="1">
+              <a:prstTxWarp prst="textNoShape">
+                <a:avLst/>
+              </a:prstTxWarp>
+              <a:noAutofit/>
+            </a:bodyPr>
+            <a:lstStyle/>
+            <a:p>
+              <a:pPr algn="ctr"/>
+              <a:endParaRPr lang="ja-JP" altLang="en-US"/>
+            </a:p>
+          </p:txBody>
+        </p:sp>
+        <p:sp>
+          <p:nvSpPr>
+            <p:cNvPr id="20" name="正方形/長方形 19"/>
+            <p:cNvSpPr/>
+            <p:nvPr/>
+          </p:nvSpPr>
+          <p:spPr bwMode="auto">
             <a:xfrm>
-              <a:off x="6556917" y="5337808"/>
-              <a:ext cx="12972901" cy="1479348"/>
+              <a:off x="2437370" y="9475614"/>
+              <a:ext cx="5681508" cy="1147171"/>
             </a:xfrm>
             <a:prstGeom prst="rect">
               <a:avLst/>
             </a:prstGeom>
             <a:ln>
-              <a:noFill/>
+              <a:headEnd type="none" w="med" len="med"/>
+              <a:tailEnd type="triangle" w="med" len="med"/>
             </a:ln>
+            <a:extLst/>
           </p:spPr>
           <p:style>
             <a:lnRef idx="2">
@@ -3947,36 +4226,1059 @@
             </a:fontRef>
           </p:style>
           <p:txBody>
-            <a:bodyPr rtlCol="0" anchor="ctr"/>
+            <a:bodyPr vert="horz" wrap="square" lIns="189207" tIns="98388" rIns="189207" bIns="98388" numCol="1" rtlCol="0" anchor="ctr" anchorCtr="0" compatLnSpc="1">
+              <a:prstTxWarp prst="textNoShape">
+                <a:avLst/>
+              </a:prstTxWarp>
+              <a:noAutofit/>
+            </a:bodyPr>
             <a:lstStyle/>
             <a:p>
-              <a:pPr algn="ctr"/>
+              <a:pPr algn="ctr" defTabSz="1922264" fontAlgn="base">
+                <a:lnSpc>
+                  <a:spcPct val="90000"/>
+                </a:lnSpc>
+                <a:spcBef>
+                  <a:spcPct val="20000"/>
+                </a:spcBef>
+                <a:spcAft>
+                  <a:spcPct val="0"/>
+                </a:spcAft>
+              </a:pPr>
               <a:r>
-                <a:rPr lang="en-US" altLang="ja-JP" sz="5400" dirty="0" smtClean="0">
+                <a:rPr lang="en-US" altLang="ja-JP" sz="4400" dirty="0">
+                  <a:solidFill>
+                    <a:schemeClr val="tx1"/>
+                  </a:solidFill>
                   <a:latin typeface="メイリオ" panose="020B0604030504040204" pitchFamily="50" charset="-128"/>
                   <a:ea typeface="メイリオ" panose="020B0604030504040204" pitchFamily="50" charset="-128"/>
+                  <a:cs typeface="メイリオ" pitchFamily="50" charset="-128"/>
                 </a:rPr>
-                <a:t>TINET</a:t>
+                <a:t>tIPv4Input</a:t>
               </a:r>
-              <a:endParaRPr lang="ja-JP" altLang="en-US" sz="5400" dirty="0">
+              <a:endParaRPr lang="en-US" altLang="ja-JP" sz="4400" dirty="0">
+                <a:solidFill>
+                  <a:schemeClr val="tx1"/>
+                </a:solidFill>
                 <a:latin typeface="メイリオ" panose="020B0604030504040204" pitchFamily="50" charset="-128"/>
                 <a:ea typeface="メイリオ" panose="020B0604030504040204" pitchFamily="50" charset="-128"/>
+                <a:cs typeface="メイリオ" pitchFamily="50" charset="-128"/>
               </a:endParaRPr>
             </a:p>
           </p:txBody>
         </p:sp>
         <p:sp>
           <p:nvSpPr>
-            <p:cNvPr id="36" name="正方形/長方形 35"/>
+            <p:cNvPr id="21" name="正方形/長方形 20"/>
+            <p:cNvSpPr/>
+            <p:nvPr/>
+          </p:nvSpPr>
+          <p:spPr bwMode="auto">
+            <a:xfrm>
+              <a:off x="2437370" y="11091066"/>
+              <a:ext cx="5681508" cy="1147171"/>
+            </a:xfrm>
+            <a:prstGeom prst="rect">
+              <a:avLst/>
+            </a:prstGeom>
+            <a:ln>
+              <a:headEnd type="none" w="med" len="med"/>
+              <a:tailEnd type="triangle" w="med" len="med"/>
+            </a:ln>
+            <a:extLst/>
+          </p:spPr>
+          <p:style>
+            <a:lnRef idx="2">
+              <a:schemeClr val="dk1"/>
+            </a:lnRef>
+            <a:fillRef idx="1">
+              <a:schemeClr val="lt1"/>
+            </a:fillRef>
+            <a:effectRef idx="0">
+              <a:schemeClr val="dk1"/>
+            </a:effectRef>
+            <a:fontRef idx="minor">
+              <a:schemeClr val="dk1"/>
+            </a:fontRef>
+          </p:style>
+          <p:txBody>
+            <a:bodyPr vert="horz" wrap="square" lIns="189207" tIns="98388" rIns="189207" bIns="98388" numCol="1" rtlCol="0" anchor="ctr" anchorCtr="0" compatLnSpc="1">
+              <a:prstTxWarp prst="textNoShape">
+                <a:avLst/>
+              </a:prstTxWarp>
+              <a:noAutofit/>
+            </a:bodyPr>
+            <a:lstStyle/>
+            <a:p>
+              <a:pPr algn="ctr" defTabSz="1922264" fontAlgn="base">
+                <a:lnSpc>
+                  <a:spcPct val="90000"/>
+                </a:lnSpc>
+                <a:spcBef>
+                  <a:spcPct val="20000"/>
+                </a:spcBef>
+                <a:spcAft>
+                  <a:spcPct val="0"/>
+                </a:spcAft>
+              </a:pPr>
+              <a:r>
+                <a:rPr lang="en-US" altLang="ja-JP" sz="4400">
+                  <a:solidFill>
+                    <a:schemeClr val="tx1"/>
+                  </a:solidFill>
+                  <a:latin typeface="メイリオ" panose="020B0604030504040204" pitchFamily="50" charset="-128"/>
+                  <a:ea typeface="メイリオ" panose="020B0604030504040204" pitchFamily="50" charset="-128"/>
+                  <a:cs typeface="メイリオ" pitchFamily="50" charset="-128"/>
+                </a:rPr>
+                <a:t>tEthernetInput</a:t>
+              </a:r>
+              <a:endParaRPr lang="en-US" altLang="ja-JP" sz="4400" dirty="0">
+                <a:solidFill>
+                  <a:schemeClr val="tx1"/>
+                </a:solidFill>
+                <a:latin typeface="メイリオ" panose="020B0604030504040204" pitchFamily="50" charset="-128"/>
+                <a:ea typeface="メイリオ" panose="020B0604030504040204" pitchFamily="50" charset="-128"/>
+                <a:cs typeface="メイリオ" pitchFamily="50" charset="-128"/>
+              </a:endParaRPr>
+            </a:p>
+          </p:txBody>
+        </p:sp>
+        <p:sp>
+          <p:nvSpPr>
+            <p:cNvPr id="22" name="正方形/長方形 21"/>
+            <p:cNvSpPr/>
+            <p:nvPr/>
+          </p:nvSpPr>
+          <p:spPr bwMode="auto">
+            <a:xfrm>
+              <a:off x="8281555" y="11091066"/>
+              <a:ext cx="5681508" cy="1147171"/>
+            </a:xfrm>
+            <a:prstGeom prst="rect">
+              <a:avLst/>
+            </a:prstGeom>
+            <a:ln>
+              <a:headEnd type="none" w="med" len="med"/>
+              <a:tailEnd type="triangle" w="med" len="med"/>
+            </a:ln>
+            <a:extLst/>
+          </p:spPr>
+          <p:style>
+            <a:lnRef idx="2">
+              <a:schemeClr val="dk1"/>
+            </a:lnRef>
+            <a:fillRef idx="1">
+              <a:schemeClr val="lt1"/>
+            </a:fillRef>
+            <a:effectRef idx="0">
+              <a:schemeClr val="dk1"/>
+            </a:effectRef>
+            <a:fontRef idx="minor">
+              <a:schemeClr val="dk1"/>
+            </a:fontRef>
+          </p:style>
+          <p:txBody>
+            <a:bodyPr vert="horz" wrap="square" lIns="189207" tIns="98388" rIns="189207" bIns="98388" numCol="1" rtlCol="0" anchor="ctr" anchorCtr="0" compatLnSpc="1">
+              <a:prstTxWarp prst="textNoShape">
+                <a:avLst/>
+              </a:prstTxWarp>
+              <a:noAutofit/>
+            </a:bodyPr>
+            <a:lstStyle/>
+            <a:p>
+              <a:pPr algn="ctr" defTabSz="1922264" fontAlgn="base">
+                <a:lnSpc>
+                  <a:spcPct val="90000"/>
+                </a:lnSpc>
+                <a:spcBef>
+                  <a:spcPct val="20000"/>
+                </a:spcBef>
+                <a:spcAft>
+                  <a:spcPct val="0"/>
+                </a:spcAft>
+              </a:pPr>
+              <a:r>
+                <a:rPr lang="en-US" altLang="ja-JP" sz="4400" dirty="0" err="1">
+                  <a:solidFill>
+                    <a:schemeClr val="tx1"/>
+                  </a:solidFill>
+                  <a:latin typeface="メイリオ" panose="020B0604030504040204" pitchFamily="50" charset="-128"/>
+                  <a:ea typeface="メイリオ" panose="020B0604030504040204" pitchFamily="50" charset="-128"/>
+                  <a:cs typeface="メイリオ" pitchFamily="50" charset="-128"/>
+                </a:rPr>
+                <a:t>tEthernetOutput</a:t>
+              </a:r>
+              <a:endParaRPr lang="en-US" altLang="ja-JP" sz="4400" dirty="0">
+                <a:solidFill>
+                  <a:schemeClr val="tx1"/>
+                </a:solidFill>
+                <a:latin typeface="メイリオ" panose="020B0604030504040204" pitchFamily="50" charset="-128"/>
+                <a:ea typeface="メイリオ" panose="020B0604030504040204" pitchFamily="50" charset="-128"/>
+                <a:cs typeface="メイリオ" pitchFamily="50" charset="-128"/>
+              </a:endParaRPr>
+            </a:p>
+          </p:txBody>
+        </p:sp>
+        <p:sp>
+          <p:nvSpPr>
+            <p:cNvPr id="23" name="正方形/長方形 22"/>
+            <p:cNvSpPr/>
+            <p:nvPr/>
+          </p:nvSpPr>
+          <p:spPr bwMode="auto">
+            <a:xfrm>
+              <a:off x="8281555" y="9475612"/>
+              <a:ext cx="5681508" cy="1147171"/>
+            </a:xfrm>
+            <a:prstGeom prst="rect">
+              <a:avLst/>
+            </a:prstGeom>
+            <a:ln>
+              <a:headEnd type="none" w="med" len="med"/>
+              <a:tailEnd type="triangle" w="med" len="med"/>
+            </a:ln>
+            <a:extLst/>
+          </p:spPr>
+          <p:style>
+            <a:lnRef idx="2">
+              <a:schemeClr val="dk1"/>
+            </a:lnRef>
+            <a:fillRef idx="1">
+              <a:schemeClr val="lt1"/>
+            </a:fillRef>
+            <a:effectRef idx="0">
+              <a:schemeClr val="dk1"/>
+            </a:effectRef>
+            <a:fontRef idx="minor">
+              <a:schemeClr val="dk1"/>
+            </a:fontRef>
+          </p:style>
+          <p:txBody>
+            <a:bodyPr vert="horz" wrap="square" lIns="189207" tIns="98388" rIns="189207" bIns="98388" numCol="1" rtlCol="0" anchor="ctr" anchorCtr="0" compatLnSpc="1">
+              <a:prstTxWarp prst="textNoShape">
+                <a:avLst/>
+              </a:prstTxWarp>
+              <a:noAutofit/>
+            </a:bodyPr>
+            <a:lstStyle/>
+            <a:p>
+              <a:pPr algn="ctr" defTabSz="1922264" fontAlgn="base">
+                <a:lnSpc>
+                  <a:spcPct val="90000"/>
+                </a:lnSpc>
+                <a:spcBef>
+                  <a:spcPct val="20000"/>
+                </a:spcBef>
+                <a:spcAft>
+                  <a:spcPct val="0"/>
+                </a:spcAft>
+              </a:pPr>
+              <a:r>
+                <a:rPr lang="en-US" altLang="ja-JP" sz="4400" dirty="0">
+                  <a:solidFill>
+                    <a:schemeClr val="tx1"/>
+                  </a:solidFill>
+                  <a:latin typeface="メイリオ" panose="020B0604030504040204" pitchFamily="50" charset="-128"/>
+                  <a:ea typeface="メイリオ" panose="020B0604030504040204" pitchFamily="50" charset="-128"/>
+                  <a:cs typeface="メイリオ" pitchFamily="50" charset="-128"/>
+                </a:rPr>
+                <a:t>tIPv4Output</a:t>
+              </a:r>
+              <a:endParaRPr lang="en-US" altLang="ja-JP" sz="4400" dirty="0">
+                <a:solidFill>
+                  <a:schemeClr val="tx1"/>
+                </a:solidFill>
+                <a:latin typeface="メイリオ" panose="020B0604030504040204" pitchFamily="50" charset="-128"/>
+                <a:ea typeface="メイリオ" panose="020B0604030504040204" pitchFamily="50" charset="-128"/>
+                <a:cs typeface="メイリオ" pitchFamily="50" charset="-128"/>
+              </a:endParaRPr>
+            </a:p>
+          </p:txBody>
+        </p:sp>
+        <p:sp>
+          <p:nvSpPr>
+            <p:cNvPr id="24" name="正方形/長方形 23"/>
+            <p:cNvSpPr/>
+            <p:nvPr/>
+          </p:nvSpPr>
+          <p:spPr bwMode="auto">
+            <a:xfrm>
+              <a:off x="8281555" y="7860161"/>
+              <a:ext cx="5681508" cy="1147171"/>
+            </a:xfrm>
+            <a:prstGeom prst="rect">
+              <a:avLst/>
+            </a:prstGeom>
+            <a:ln>
+              <a:headEnd type="none" w="med" len="med"/>
+              <a:tailEnd type="triangle" w="med" len="med"/>
+            </a:ln>
+            <a:extLst/>
+          </p:spPr>
+          <p:style>
+            <a:lnRef idx="2">
+              <a:schemeClr val="dk1"/>
+            </a:lnRef>
+            <a:fillRef idx="1">
+              <a:schemeClr val="lt1"/>
+            </a:fillRef>
+            <a:effectRef idx="0">
+              <a:schemeClr val="dk1"/>
+            </a:effectRef>
+            <a:fontRef idx="minor">
+              <a:schemeClr val="dk1"/>
+            </a:fontRef>
+          </p:style>
+          <p:txBody>
+            <a:bodyPr vert="horz" wrap="square" lIns="189207" tIns="98388" rIns="189207" bIns="98388" numCol="1" rtlCol="0" anchor="ctr" anchorCtr="0" compatLnSpc="1">
+              <a:prstTxWarp prst="textNoShape">
+                <a:avLst/>
+              </a:prstTxWarp>
+              <a:noAutofit/>
+            </a:bodyPr>
+            <a:lstStyle/>
+            <a:p>
+              <a:pPr algn="ctr" defTabSz="1922264" fontAlgn="base">
+                <a:lnSpc>
+                  <a:spcPct val="90000"/>
+                </a:lnSpc>
+                <a:spcBef>
+                  <a:spcPct val="20000"/>
+                </a:spcBef>
+                <a:spcAft>
+                  <a:spcPct val="0"/>
+                </a:spcAft>
+              </a:pPr>
+              <a:r>
+                <a:rPr lang="en-US" altLang="ja-JP" sz="4400" dirty="0" err="1">
+                  <a:solidFill>
+                    <a:schemeClr val="tx1"/>
+                  </a:solidFill>
+                  <a:latin typeface="メイリオ" panose="020B0604030504040204" pitchFamily="50" charset="-128"/>
+                  <a:ea typeface="メイリオ" panose="020B0604030504040204" pitchFamily="50" charset="-128"/>
+                  <a:cs typeface="メイリオ" pitchFamily="50" charset="-128"/>
+                </a:rPr>
+                <a:t>tTCPOutput</a:t>
+              </a:r>
+              <a:endParaRPr lang="en-US" altLang="ja-JP" sz="4400" dirty="0">
+                <a:solidFill>
+                  <a:schemeClr val="tx1"/>
+                </a:solidFill>
+                <a:latin typeface="メイリオ" panose="020B0604030504040204" pitchFamily="50" charset="-128"/>
+                <a:ea typeface="メイリオ" panose="020B0604030504040204" pitchFamily="50" charset="-128"/>
+                <a:cs typeface="メイリオ" pitchFamily="50" charset="-128"/>
+              </a:endParaRPr>
+            </a:p>
+          </p:txBody>
+        </p:sp>
+        <p:grpSp>
+          <p:nvGrpSpPr>
+            <p:cNvPr id="26" name="グループ化 25"/>
+            <p:cNvGrpSpPr/>
+            <p:nvPr/>
+          </p:nvGrpSpPr>
+          <p:grpSpPr>
+            <a:xfrm>
+              <a:off x="5074607" y="11956129"/>
+              <a:ext cx="407024" cy="750384"/>
+              <a:chOff x="7283407" y="8393756"/>
+              <a:chExt cx="407024" cy="750384"/>
+            </a:xfrm>
+          </p:grpSpPr>
+          <p:cxnSp>
+            <p:nvCxnSpPr>
+              <p:cNvPr id="27" name="直線コネクタ 26"/>
+              <p:cNvCxnSpPr>
+                <a:stCxn id="28" idx="0"/>
+              </p:cNvCxnSpPr>
+              <p:nvPr/>
+            </p:nvCxnSpPr>
+            <p:spPr>
+              <a:xfrm>
+                <a:off x="7486919" y="8393756"/>
+                <a:ext cx="2886" cy="750384"/>
+              </a:xfrm>
+              <a:prstGeom prst="line">
+                <a:avLst/>
+              </a:prstGeom>
+            </p:spPr>
+            <p:style>
+              <a:lnRef idx="1">
+                <a:schemeClr val="dk1"/>
+              </a:lnRef>
+              <a:fillRef idx="0">
+                <a:schemeClr val="dk1"/>
+              </a:fillRef>
+              <a:effectRef idx="0">
+                <a:schemeClr val="dk1"/>
+              </a:effectRef>
+              <a:fontRef idx="minor">
+                <a:schemeClr val="tx1"/>
+              </a:fontRef>
+            </p:style>
+          </p:cxnSp>
+          <p:sp>
+            <p:nvSpPr>
+              <p:cNvPr id="28" name="二等辺三角形 27"/>
+              <p:cNvSpPr/>
+              <p:nvPr/>
+            </p:nvSpPr>
+            <p:spPr>
+              <a:xfrm>
+                <a:off x="7283407" y="8393756"/>
+                <a:ext cx="407024" cy="282104"/>
+              </a:xfrm>
+              <a:prstGeom prst="triangle">
+                <a:avLst/>
+              </a:prstGeom>
+            </p:spPr>
+            <p:style>
+              <a:lnRef idx="2">
+                <a:schemeClr val="dk1">
+                  <a:shade val="50000"/>
+                </a:schemeClr>
+              </a:lnRef>
+              <a:fillRef idx="1">
+                <a:schemeClr val="dk1"/>
+              </a:fillRef>
+              <a:effectRef idx="0">
+                <a:schemeClr val="dk1"/>
+              </a:effectRef>
+              <a:fontRef idx="minor">
+                <a:schemeClr val="lt1"/>
+              </a:fontRef>
+            </p:style>
+            <p:txBody>
+              <a:bodyPr rtlCol="0" anchor="ctr"/>
+              <a:lstStyle/>
+              <a:p>
+                <a:pPr algn="ctr"/>
+                <a:endParaRPr lang="ja-JP" altLang="en-US"/>
+              </a:p>
+            </p:txBody>
+          </p:sp>
+        </p:grpSp>
+        <p:grpSp>
+          <p:nvGrpSpPr>
+            <p:cNvPr id="30" name="グループ化 29"/>
+            <p:cNvGrpSpPr/>
+            <p:nvPr/>
+          </p:nvGrpSpPr>
+          <p:grpSpPr>
+            <a:xfrm>
+              <a:off x="5074607" y="10340489"/>
+              <a:ext cx="407024" cy="750384"/>
+              <a:chOff x="7283407" y="8393756"/>
+              <a:chExt cx="407024" cy="750384"/>
+            </a:xfrm>
+          </p:grpSpPr>
+          <p:cxnSp>
+            <p:nvCxnSpPr>
+              <p:cNvPr id="31" name="直線コネクタ 30"/>
+              <p:cNvCxnSpPr>
+                <a:stCxn id="32" idx="0"/>
+              </p:cNvCxnSpPr>
+              <p:nvPr/>
+            </p:nvCxnSpPr>
+            <p:spPr>
+              <a:xfrm>
+                <a:off x="7486919" y="8393756"/>
+                <a:ext cx="2886" cy="750384"/>
+              </a:xfrm>
+              <a:prstGeom prst="line">
+                <a:avLst/>
+              </a:prstGeom>
+            </p:spPr>
+            <p:style>
+              <a:lnRef idx="1">
+                <a:schemeClr val="dk1"/>
+              </a:lnRef>
+              <a:fillRef idx="0">
+                <a:schemeClr val="dk1"/>
+              </a:fillRef>
+              <a:effectRef idx="0">
+                <a:schemeClr val="dk1"/>
+              </a:effectRef>
+              <a:fontRef idx="minor">
+                <a:schemeClr val="tx1"/>
+              </a:fontRef>
+            </p:style>
+          </p:cxnSp>
+          <p:sp>
+            <p:nvSpPr>
+              <p:cNvPr id="32" name="二等辺三角形 31"/>
+              <p:cNvSpPr/>
+              <p:nvPr/>
+            </p:nvSpPr>
+            <p:spPr>
+              <a:xfrm>
+                <a:off x="7283407" y="8393756"/>
+                <a:ext cx="407024" cy="282104"/>
+              </a:xfrm>
+              <a:prstGeom prst="triangle">
+                <a:avLst/>
+              </a:prstGeom>
+            </p:spPr>
+            <p:style>
+              <a:lnRef idx="2">
+                <a:schemeClr val="dk1">
+                  <a:shade val="50000"/>
+                </a:schemeClr>
+              </a:lnRef>
+              <a:fillRef idx="1">
+                <a:schemeClr val="dk1"/>
+              </a:fillRef>
+              <a:effectRef idx="0">
+                <a:schemeClr val="dk1"/>
+              </a:effectRef>
+              <a:fontRef idx="minor">
+                <a:schemeClr val="lt1"/>
+              </a:fontRef>
+            </p:style>
+            <p:txBody>
+              <a:bodyPr rtlCol="0" anchor="ctr"/>
+              <a:lstStyle/>
+              <a:p>
+                <a:pPr algn="ctr"/>
+                <a:endParaRPr lang="ja-JP" altLang="en-US"/>
+              </a:p>
+            </p:txBody>
+          </p:sp>
+        </p:grpSp>
+        <p:grpSp>
+          <p:nvGrpSpPr>
+            <p:cNvPr id="33" name="グループ化 32"/>
+            <p:cNvGrpSpPr/>
+            <p:nvPr/>
+          </p:nvGrpSpPr>
+          <p:grpSpPr>
+            <a:xfrm>
+              <a:off x="5074607" y="8725257"/>
+              <a:ext cx="407024" cy="750384"/>
+              <a:chOff x="7283407" y="8393756"/>
+              <a:chExt cx="407024" cy="750384"/>
+            </a:xfrm>
+          </p:grpSpPr>
+          <p:cxnSp>
+            <p:nvCxnSpPr>
+              <p:cNvPr id="34" name="直線コネクタ 33"/>
+              <p:cNvCxnSpPr>
+                <a:stCxn id="35" idx="0"/>
+              </p:cNvCxnSpPr>
+              <p:nvPr/>
+            </p:nvCxnSpPr>
+            <p:spPr>
+              <a:xfrm>
+                <a:off x="7486919" y="8393756"/>
+                <a:ext cx="2886" cy="750384"/>
+              </a:xfrm>
+              <a:prstGeom prst="line">
+                <a:avLst/>
+              </a:prstGeom>
+            </p:spPr>
+            <p:style>
+              <a:lnRef idx="1">
+                <a:schemeClr val="dk1"/>
+              </a:lnRef>
+              <a:fillRef idx="0">
+                <a:schemeClr val="dk1"/>
+              </a:fillRef>
+              <a:effectRef idx="0">
+                <a:schemeClr val="dk1"/>
+              </a:effectRef>
+              <a:fontRef idx="minor">
+                <a:schemeClr val="tx1"/>
+              </a:fontRef>
+            </p:style>
+          </p:cxnSp>
+          <p:sp>
+            <p:nvSpPr>
+              <p:cNvPr id="35" name="二等辺三角形 34"/>
+              <p:cNvSpPr/>
+              <p:nvPr/>
+            </p:nvSpPr>
+            <p:spPr>
+              <a:xfrm>
+                <a:off x="7283407" y="8393756"/>
+                <a:ext cx="407024" cy="282104"/>
+              </a:xfrm>
+              <a:prstGeom prst="triangle">
+                <a:avLst/>
+              </a:prstGeom>
+            </p:spPr>
+            <p:style>
+              <a:lnRef idx="2">
+                <a:schemeClr val="dk1">
+                  <a:shade val="50000"/>
+                </a:schemeClr>
+              </a:lnRef>
+              <a:fillRef idx="1">
+                <a:schemeClr val="dk1"/>
+              </a:fillRef>
+              <a:effectRef idx="0">
+                <a:schemeClr val="dk1"/>
+              </a:effectRef>
+              <a:fontRef idx="minor">
+                <a:schemeClr val="lt1"/>
+              </a:fontRef>
+            </p:style>
+            <p:txBody>
+              <a:bodyPr rtlCol="0" anchor="ctr"/>
+              <a:lstStyle/>
+              <a:p>
+                <a:pPr algn="ctr"/>
+                <a:endParaRPr lang="ja-JP" altLang="en-US"/>
+              </a:p>
+            </p:txBody>
+          </p:sp>
+        </p:grpSp>
+        <p:grpSp>
+          <p:nvGrpSpPr>
+            <p:cNvPr id="36" name="グループ化 35"/>
+            <p:cNvGrpSpPr/>
+            <p:nvPr/>
+          </p:nvGrpSpPr>
+          <p:grpSpPr>
+            <a:xfrm rot="10800000">
+              <a:off x="10915909" y="9007328"/>
+              <a:ext cx="407024" cy="750384"/>
+              <a:chOff x="7283407" y="8393756"/>
+              <a:chExt cx="407024" cy="750384"/>
+            </a:xfrm>
+          </p:grpSpPr>
+          <p:cxnSp>
+            <p:nvCxnSpPr>
+              <p:cNvPr id="37" name="直線コネクタ 36"/>
+              <p:cNvCxnSpPr>
+                <a:stCxn id="38" idx="0"/>
+              </p:cNvCxnSpPr>
+              <p:nvPr/>
+            </p:nvCxnSpPr>
+            <p:spPr>
+              <a:xfrm>
+                <a:off x="7486919" y="8393756"/>
+                <a:ext cx="2886" cy="750384"/>
+              </a:xfrm>
+              <a:prstGeom prst="line">
+                <a:avLst/>
+              </a:prstGeom>
+            </p:spPr>
+            <p:style>
+              <a:lnRef idx="1">
+                <a:schemeClr val="dk1"/>
+              </a:lnRef>
+              <a:fillRef idx="0">
+                <a:schemeClr val="dk1"/>
+              </a:fillRef>
+              <a:effectRef idx="0">
+                <a:schemeClr val="dk1"/>
+              </a:effectRef>
+              <a:fontRef idx="minor">
+                <a:schemeClr val="tx1"/>
+              </a:fontRef>
+            </p:style>
+          </p:cxnSp>
+          <p:sp>
+            <p:nvSpPr>
+              <p:cNvPr id="38" name="二等辺三角形 37"/>
+              <p:cNvSpPr/>
+              <p:nvPr/>
+            </p:nvSpPr>
+            <p:spPr>
+              <a:xfrm>
+                <a:off x="7283407" y="8393756"/>
+                <a:ext cx="407024" cy="282104"/>
+              </a:xfrm>
+              <a:prstGeom prst="triangle">
+                <a:avLst/>
+              </a:prstGeom>
+            </p:spPr>
+            <p:style>
+              <a:lnRef idx="2">
+                <a:schemeClr val="dk1">
+                  <a:shade val="50000"/>
+                </a:schemeClr>
+              </a:lnRef>
+              <a:fillRef idx="1">
+                <a:schemeClr val="dk1"/>
+              </a:fillRef>
+              <a:effectRef idx="0">
+                <a:schemeClr val="dk1"/>
+              </a:effectRef>
+              <a:fontRef idx="minor">
+                <a:schemeClr val="lt1"/>
+              </a:fontRef>
+            </p:style>
+            <p:txBody>
+              <a:bodyPr rtlCol="0" anchor="ctr"/>
+              <a:lstStyle/>
+              <a:p>
+                <a:pPr algn="ctr"/>
+                <a:endParaRPr lang="ja-JP" altLang="en-US"/>
+              </a:p>
+            </p:txBody>
+          </p:sp>
+        </p:grpSp>
+        <p:grpSp>
+          <p:nvGrpSpPr>
+            <p:cNvPr id="39" name="グループ化 38"/>
+            <p:cNvGrpSpPr/>
+            <p:nvPr/>
+          </p:nvGrpSpPr>
+          <p:grpSpPr>
+            <a:xfrm rot="10800000">
+              <a:off x="10913022" y="10622593"/>
+              <a:ext cx="407024" cy="750384"/>
+              <a:chOff x="7283407" y="8393756"/>
+              <a:chExt cx="407024" cy="750384"/>
+            </a:xfrm>
+          </p:grpSpPr>
+          <p:cxnSp>
+            <p:nvCxnSpPr>
+              <p:cNvPr id="40" name="直線コネクタ 39"/>
+              <p:cNvCxnSpPr>
+                <a:stCxn id="41" idx="0"/>
+              </p:cNvCxnSpPr>
+              <p:nvPr/>
+            </p:nvCxnSpPr>
+            <p:spPr>
+              <a:xfrm>
+                <a:off x="7486919" y="8393756"/>
+                <a:ext cx="2886" cy="750384"/>
+              </a:xfrm>
+              <a:prstGeom prst="line">
+                <a:avLst/>
+              </a:prstGeom>
+            </p:spPr>
+            <p:style>
+              <a:lnRef idx="1">
+                <a:schemeClr val="dk1"/>
+              </a:lnRef>
+              <a:fillRef idx="0">
+                <a:schemeClr val="dk1"/>
+              </a:fillRef>
+              <a:effectRef idx="0">
+                <a:schemeClr val="dk1"/>
+              </a:effectRef>
+              <a:fontRef idx="minor">
+                <a:schemeClr val="tx1"/>
+              </a:fontRef>
+            </p:style>
+          </p:cxnSp>
+          <p:sp>
+            <p:nvSpPr>
+              <p:cNvPr id="41" name="二等辺三角形 40"/>
+              <p:cNvSpPr/>
+              <p:nvPr/>
+            </p:nvSpPr>
+            <p:spPr>
+              <a:xfrm>
+                <a:off x="7283407" y="8393756"/>
+                <a:ext cx="407024" cy="282104"/>
+              </a:xfrm>
+              <a:prstGeom prst="triangle">
+                <a:avLst/>
+              </a:prstGeom>
+            </p:spPr>
+            <p:style>
+              <a:lnRef idx="2">
+                <a:schemeClr val="dk1">
+                  <a:shade val="50000"/>
+                </a:schemeClr>
+              </a:lnRef>
+              <a:fillRef idx="1">
+                <a:schemeClr val="dk1"/>
+              </a:fillRef>
+              <a:effectRef idx="0">
+                <a:schemeClr val="dk1"/>
+              </a:effectRef>
+              <a:fontRef idx="minor">
+                <a:schemeClr val="lt1"/>
+              </a:fontRef>
+            </p:style>
+            <p:txBody>
+              <a:bodyPr rtlCol="0" anchor="ctr"/>
+              <a:lstStyle/>
+              <a:p>
+                <a:pPr algn="ctr"/>
+                <a:endParaRPr lang="ja-JP" altLang="en-US"/>
+              </a:p>
+            </p:txBody>
+          </p:sp>
+        </p:grpSp>
+        <p:grpSp>
+          <p:nvGrpSpPr>
+            <p:cNvPr id="42" name="グループ化 41"/>
+            <p:cNvGrpSpPr/>
+            <p:nvPr/>
+          </p:nvGrpSpPr>
+          <p:grpSpPr>
+            <a:xfrm rot="10800000">
+              <a:off x="10910135" y="12237857"/>
+              <a:ext cx="407024" cy="750384"/>
+              <a:chOff x="7283407" y="8393756"/>
+              <a:chExt cx="407024" cy="750384"/>
+            </a:xfrm>
+          </p:grpSpPr>
+          <p:cxnSp>
+            <p:nvCxnSpPr>
+              <p:cNvPr id="43" name="直線コネクタ 42"/>
+              <p:cNvCxnSpPr>
+                <a:stCxn id="44" idx="0"/>
+              </p:cNvCxnSpPr>
+              <p:nvPr/>
+            </p:nvCxnSpPr>
+            <p:spPr>
+              <a:xfrm>
+                <a:off x="7486919" y="8393756"/>
+                <a:ext cx="2886" cy="750384"/>
+              </a:xfrm>
+              <a:prstGeom prst="line">
+                <a:avLst/>
+              </a:prstGeom>
+            </p:spPr>
+            <p:style>
+              <a:lnRef idx="1">
+                <a:schemeClr val="dk1"/>
+              </a:lnRef>
+              <a:fillRef idx="0">
+                <a:schemeClr val="dk1"/>
+              </a:fillRef>
+              <a:effectRef idx="0">
+                <a:schemeClr val="dk1"/>
+              </a:effectRef>
+              <a:fontRef idx="minor">
+                <a:schemeClr val="tx1"/>
+              </a:fontRef>
+            </p:style>
+          </p:cxnSp>
+          <p:sp>
+            <p:nvSpPr>
+              <p:cNvPr id="44" name="二等辺三角形 43"/>
+              <p:cNvSpPr/>
+              <p:nvPr/>
+            </p:nvSpPr>
+            <p:spPr>
+              <a:xfrm>
+                <a:off x="7283407" y="8393756"/>
+                <a:ext cx="407024" cy="282104"/>
+              </a:xfrm>
+              <a:prstGeom prst="triangle">
+                <a:avLst/>
+              </a:prstGeom>
+            </p:spPr>
+            <p:style>
+              <a:lnRef idx="2">
+                <a:schemeClr val="dk1">
+                  <a:shade val="50000"/>
+                </a:schemeClr>
+              </a:lnRef>
+              <a:fillRef idx="1">
+                <a:schemeClr val="dk1"/>
+              </a:fillRef>
+              <a:effectRef idx="0">
+                <a:schemeClr val="dk1"/>
+              </a:effectRef>
+              <a:fontRef idx="minor">
+                <a:schemeClr val="lt1"/>
+              </a:fontRef>
+            </p:style>
+            <p:txBody>
+              <a:bodyPr rtlCol="0" anchor="ctr"/>
+              <a:lstStyle/>
+              <a:p>
+                <a:pPr algn="ctr"/>
+                <a:endParaRPr lang="ja-JP" altLang="en-US"/>
+              </a:p>
+            </p:txBody>
+          </p:sp>
+        </p:grpSp>
+        <p:grpSp>
+          <p:nvGrpSpPr>
+            <p:cNvPr id="45" name="グループ化 44"/>
+            <p:cNvGrpSpPr/>
+            <p:nvPr/>
+          </p:nvGrpSpPr>
+          <p:grpSpPr>
+            <a:xfrm rot="3000000">
+              <a:off x="5911374" y="6777211"/>
+              <a:ext cx="774431" cy="1156190"/>
+              <a:chOff x="7066101" y="8393756"/>
+              <a:chExt cx="774431" cy="1156190"/>
+            </a:xfrm>
+          </p:grpSpPr>
+          <p:cxnSp>
+            <p:nvCxnSpPr>
+              <p:cNvPr id="46" name="直線コネクタ 45"/>
+              <p:cNvCxnSpPr>
+                <a:stCxn id="47" idx="0"/>
+              </p:cNvCxnSpPr>
+              <p:nvPr/>
+            </p:nvCxnSpPr>
+            <p:spPr>
+              <a:xfrm rot="7800000" flipV="1">
+                <a:off x="6939574" y="8648988"/>
+                <a:ext cx="1027485" cy="774431"/>
+              </a:xfrm>
+              <a:prstGeom prst="line">
+                <a:avLst/>
+              </a:prstGeom>
+            </p:spPr>
+            <p:style>
+              <a:lnRef idx="1">
+                <a:schemeClr val="dk1"/>
+              </a:lnRef>
+              <a:fillRef idx="0">
+                <a:schemeClr val="dk1"/>
+              </a:fillRef>
+              <a:effectRef idx="0">
+                <a:schemeClr val="dk1"/>
+              </a:effectRef>
+              <a:fontRef idx="minor">
+                <a:schemeClr val="tx1"/>
+              </a:fontRef>
+            </p:style>
+          </p:cxnSp>
+          <p:sp>
+            <p:nvSpPr>
+              <p:cNvPr id="47" name="二等辺三角形 46"/>
+              <p:cNvSpPr/>
+              <p:nvPr/>
+            </p:nvSpPr>
+            <p:spPr>
+              <a:xfrm>
+                <a:off x="7283407" y="8393756"/>
+                <a:ext cx="407024" cy="282104"/>
+              </a:xfrm>
+              <a:prstGeom prst="triangle">
+                <a:avLst/>
+              </a:prstGeom>
+            </p:spPr>
+            <p:style>
+              <a:lnRef idx="2">
+                <a:schemeClr val="dk1">
+                  <a:shade val="50000"/>
+                </a:schemeClr>
+              </a:lnRef>
+              <a:fillRef idx="1">
+                <a:schemeClr val="dk1"/>
+              </a:fillRef>
+              <a:effectRef idx="0">
+                <a:schemeClr val="dk1"/>
+              </a:effectRef>
+              <a:fontRef idx="minor">
+                <a:schemeClr val="lt1"/>
+              </a:fontRef>
+            </p:style>
+            <p:txBody>
+              <a:bodyPr rtlCol="0" anchor="ctr"/>
+              <a:lstStyle/>
+              <a:p>
+                <a:pPr algn="ctr"/>
+                <a:endParaRPr lang="ja-JP" altLang="en-US"/>
+              </a:p>
+            </p:txBody>
+          </p:sp>
+        </p:grpSp>
+        <p:grpSp>
+          <p:nvGrpSpPr>
+            <p:cNvPr id="49" name="グループ化 48"/>
+            <p:cNvGrpSpPr/>
+            <p:nvPr/>
+          </p:nvGrpSpPr>
+          <p:grpSpPr>
+            <a:xfrm rot="7800000">
+              <a:off x="9225924" y="6811879"/>
+              <a:ext cx="708618" cy="1098177"/>
+              <a:chOff x="7114547" y="8190974"/>
+              <a:chExt cx="708619" cy="1098177"/>
+            </a:xfrm>
+          </p:grpSpPr>
+          <p:cxnSp>
+            <p:nvCxnSpPr>
+              <p:cNvPr id="50" name="直線コネクタ 49"/>
+              <p:cNvCxnSpPr>
+                <a:stCxn id="51" idx="0"/>
+              </p:cNvCxnSpPr>
+              <p:nvPr/>
+            </p:nvCxnSpPr>
+            <p:spPr>
+              <a:xfrm rot="13800000" flipH="1" flipV="1">
+                <a:off x="6975986" y="8441971"/>
+                <a:ext cx="985741" cy="708619"/>
+              </a:xfrm>
+              <a:prstGeom prst="line">
+                <a:avLst/>
+              </a:prstGeom>
+            </p:spPr>
+            <p:style>
+              <a:lnRef idx="1">
+                <a:schemeClr val="dk1"/>
+              </a:lnRef>
+              <a:fillRef idx="0">
+                <a:schemeClr val="dk1"/>
+              </a:fillRef>
+              <a:effectRef idx="0">
+                <a:schemeClr val="dk1"/>
+              </a:effectRef>
+              <a:fontRef idx="minor">
+                <a:schemeClr val="tx1"/>
+              </a:fontRef>
+            </p:style>
+          </p:cxnSp>
+          <p:sp>
+            <p:nvSpPr>
+              <p:cNvPr id="51" name="二等辺三角形 50"/>
+              <p:cNvSpPr/>
+              <p:nvPr/>
+            </p:nvSpPr>
+            <p:spPr>
+              <a:xfrm>
+                <a:off x="7219949" y="8190974"/>
+                <a:ext cx="407024" cy="282104"/>
+              </a:xfrm>
+              <a:prstGeom prst="triangle">
+                <a:avLst/>
+              </a:prstGeom>
+            </p:spPr>
+            <p:style>
+              <a:lnRef idx="2">
+                <a:schemeClr val="dk1">
+                  <a:shade val="50000"/>
+                </a:schemeClr>
+              </a:lnRef>
+              <a:fillRef idx="1">
+                <a:schemeClr val="dk1"/>
+              </a:fillRef>
+              <a:effectRef idx="0">
+                <a:schemeClr val="dk1"/>
+              </a:effectRef>
+              <a:fontRef idx="minor">
+                <a:schemeClr val="lt1"/>
+              </a:fontRef>
+            </p:style>
+            <p:txBody>
+              <a:bodyPr rtlCol="0" anchor="ctr"/>
+              <a:lstStyle/>
+              <a:p>
+                <a:pPr algn="ctr"/>
+                <a:endParaRPr lang="ja-JP" altLang="en-US"/>
+              </a:p>
+            </p:txBody>
+          </p:sp>
+        </p:grpSp>
+        <p:sp>
+          <p:nvSpPr>
+            <p:cNvPr id="55" name="角丸四角形 54"/>
             <p:cNvSpPr/>
             <p:nvPr/>
           </p:nvSpPr>
           <p:spPr>
             <a:xfrm>
-              <a:off x="6556918" y="2450689"/>
-              <a:ext cx="12972900" cy="1479351"/>
+              <a:off x="482662" y="116122"/>
+              <a:ext cx="15644900" cy="1686020"/>
             </a:xfrm>
-            <a:prstGeom prst="rect">
+            <a:prstGeom prst="roundRect">
               <a:avLst/>
             </a:prstGeom>
           </p:spPr>
@@ -4004,9 +5306,47 @@
                   <a:latin typeface="メイリオ" panose="020B0604030504040204" pitchFamily="50" charset="-128"/>
                   <a:ea typeface="メイリオ" panose="020B0604030504040204" pitchFamily="50" charset="-128"/>
                 </a:rPr>
-                <a:t>ITRON TCP/IP API</a:t>
+                <a:t>Application</a:t>
               </a:r>
-              <a:endParaRPr lang="ja-JP" altLang="en-US" sz="4400" dirty="0">
+            </a:p>
+          </p:txBody>
+        </p:sp>
+        <p:sp>
+          <p:nvSpPr>
+            <p:cNvPr id="56" name="正方形/長方形 55"/>
+            <p:cNvSpPr/>
+            <p:nvPr/>
+          </p:nvSpPr>
+          <p:spPr>
+            <a:xfrm>
+              <a:off x="441185" y="2020994"/>
+              <a:ext cx="15686379" cy="12326553"/>
+            </a:xfrm>
+            <a:prstGeom prst="rect">
+              <a:avLst/>
+            </a:prstGeom>
+            <a:noFill/>
+          </p:spPr>
+          <p:style>
+            <a:lnRef idx="2">
+              <a:schemeClr val="dk1"/>
+            </a:lnRef>
+            <a:fillRef idx="1">
+              <a:schemeClr val="lt1"/>
+            </a:fillRef>
+            <a:effectRef idx="0">
+              <a:schemeClr val="dk1"/>
+            </a:effectRef>
+            <a:fontRef idx="minor">
+              <a:schemeClr val="dk1"/>
+            </a:fontRef>
+          </p:style>
+          <p:txBody>
+            <a:bodyPr rtlCol="0" anchor="ctr"/>
+            <a:lstStyle/>
+            <a:p>
+              <a:pPr algn="ctr"/>
+              <a:endParaRPr lang="en-US" altLang="ja-JP" sz="4400" dirty="0">
                 <a:latin typeface="メイリオ" panose="020B0604030504040204" pitchFamily="50" charset="-128"/>
                 <a:ea typeface="メイリオ" panose="020B0604030504040204" pitchFamily="50" charset="-128"/>
               </a:endParaRPr>
@@ -4015,16 +5355,64 @@
         </p:sp>
         <p:sp>
           <p:nvSpPr>
-            <p:cNvPr id="37" name="正方形/長方形 36"/>
+            <p:cNvPr id="57" name="正方形/長方形 56"/>
             <p:cNvSpPr/>
             <p:nvPr/>
           </p:nvSpPr>
           <p:spPr>
             <a:xfrm>
-              <a:off x="13002322" y="3930040"/>
-              <a:ext cx="6538428" cy="1407765"/>
+              <a:off x="482662" y="1760277"/>
+              <a:ext cx="3909415" cy="1456714"/>
             </a:xfrm>
             <a:prstGeom prst="rect">
+              <a:avLst/>
+            </a:prstGeom>
+            <a:noFill/>
+            <a:ln>
+              <a:noFill/>
+            </a:ln>
+          </p:spPr>
+          <p:style>
+            <a:lnRef idx="2">
+              <a:schemeClr val="dk1"/>
+            </a:lnRef>
+            <a:fillRef idx="1">
+              <a:schemeClr val="lt1"/>
+            </a:fillRef>
+            <a:effectRef idx="0">
+              <a:schemeClr val="dk1"/>
+            </a:effectRef>
+            <a:fontRef idx="minor">
+              <a:schemeClr val="dk1"/>
+            </a:fontRef>
+          </p:style>
+          <p:txBody>
+            <a:bodyPr rtlCol="0" anchor="ctr"/>
+            <a:lstStyle/>
+            <a:p>
+              <a:pPr algn="ctr"/>
+              <a:r>
+                <a:rPr lang="en-US" altLang="ja-JP" sz="4400" dirty="0">
+                  <a:latin typeface="メイリオ" panose="020B0604030504040204" pitchFamily="50" charset="-128"/>
+                  <a:ea typeface="メイリオ" panose="020B0604030504040204" pitchFamily="50" charset="-128"/>
+                </a:rPr>
+                <a:t>TINET+TECS</a:t>
+              </a:r>
+            </a:p>
+          </p:txBody>
+        </p:sp>
+        <p:sp>
+          <p:nvSpPr>
+            <p:cNvPr id="54" name="角丸四角形 53"/>
+            <p:cNvSpPr/>
+            <p:nvPr/>
+          </p:nvSpPr>
+          <p:spPr>
+            <a:xfrm>
+              <a:off x="7085089" y="1813129"/>
+              <a:ext cx="9042474" cy="982225"/>
+            </a:xfrm>
+            <a:prstGeom prst="roundRect">
               <a:avLst/>
             </a:prstGeom>
           </p:spPr>
@@ -4048,39 +5436,29 @@
             <a:p>
               <a:pPr algn="ctr"/>
               <a:r>
-                <a:rPr lang="en-US" altLang="ja-JP" sz="4400" dirty="0" smtClean="0">
+                <a:rPr lang="en-US" altLang="ja-JP" sz="4400" dirty="0">
                   <a:latin typeface="メイリオ" panose="020B0604030504040204" pitchFamily="50" charset="-128"/>
                   <a:ea typeface="メイリオ" panose="020B0604030504040204" pitchFamily="50" charset="-128"/>
                 </a:rPr>
                 <a:t>TECS Adapter</a:t>
               </a:r>
-              <a:endParaRPr lang="ja-JP" altLang="en-US" sz="4400" dirty="0">
-                <a:latin typeface="メイリオ" panose="020B0604030504040204" pitchFamily="50" charset="-128"/>
-                <a:ea typeface="メイリオ" panose="020B0604030504040204" pitchFamily="50" charset="-128"/>
-              </a:endParaRPr>
             </a:p>
           </p:txBody>
         </p:sp>
         <p:sp>
           <p:nvSpPr>
-            <p:cNvPr id="38" name="正方形/長方形 37"/>
+            <p:cNvPr id="58" name="角丸四角形 57"/>
             <p:cNvSpPr/>
             <p:nvPr/>
           </p:nvSpPr>
           <p:spPr>
             <a:xfrm>
-              <a:off x="6556917" y="3930032"/>
-              <a:ext cx="12972900" cy="2898326"/>
+              <a:off x="482662" y="14568276"/>
+              <a:ext cx="15644900" cy="1686020"/>
             </a:xfrm>
-            <a:prstGeom prst="rect">
+            <a:prstGeom prst="roundRect">
               <a:avLst/>
             </a:prstGeom>
-            <a:noFill/>
-            <a:ln>
-              <a:solidFill>
-                <a:schemeClr val="tx1"/>
-              </a:solidFill>
-            </a:ln>
           </p:spPr>
           <p:style>
             <a:lnRef idx="2">
@@ -4101,172 +5479,195 @@
             <a:lstStyle/>
             <a:p>
               <a:pPr algn="ctr"/>
-              <a:endParaRPr lang="ja-JP" altLang="en-US" sz="4400" dirty="0">
-                <a:latin typeface="メイリオ" panose="020B0604030504040204" pitchFamily="50" charset="-128"/>
-                <a:ea typeface="メイリオ" panose="020B0604030504040204" pitchFamily="50" charset="-128"/>
-              </a:endParaRPr>
+              <a:r>
+                <a:rPr lang="en-US" altLang="ja-JP" sz="4400" dirty="0">
+                  <a:latin typeface="メイリオ" panose="020B0604030504040204" pitchFamily="50" charset="-128"/>
+                  <a:ea typeface="メイリオ" panose="020B0604030504040204" pitchFamily="50" charset="-128"/>
+                </a:rPr>
+                <a:t>Target Hardware</a:t>
+              </a:r>
             </a:p>
           </p:txBody>
         </p:sp>
-        <p:sp>
-          <p:nvSpPr>
-            <p:cNvPr id="40" name="正方形/長方形 39"/>
-            <p:cNvSpPr/>
+        <p:grpSp>
+          <p:nvGrpSpPr>
+            <p:cNvPr id="61" name="グループ化 60"/>
+            <p:cNvGrpSpPr/>
             <p:nvPr/>
-          </p:nvSpPr>
-          <p:spPr>
+          </p:nvGrpSpPr>
+          <p:grpSpPr>
+            <a:xfrm rot="10800000">
+              <a:off x="10907249" y="13852437"/>
+              <a:ext cx="407024" cy="1104155"/>
+              <a:chOff x="7219949" y="8190974"/>
+              <a:chExt cx="407024" cy="1104156"/>
+            </a:xfrm>
+          </p:grpSpPr>
+          <p:cxnSp>
+            <p:nvCxnSpPr>
+              <p:cNvPr id="62" name="直線コネクタ 61"/>
+              <p:cNvCxnSpPr>
+                <a:stCxn id="63" idx="0"/>
+              </p:cNvCxnSpPr>
+              <p:nvPr/>
+            </p:nvCxnSpPr>
+            <p:spPr>
+              <a:xfrm rot="10800000" flipV="1">
+                <a:off x="7423461" y="8190974"/>
+                <a:ext cx="0" cy="1104156"/>
+              </a:xfrm>
+              <a:prstGeom prst="line">
+                <a:avLst/>
+              </a:prstGeom>
+            </p:spPr>
+            <p:style>
+              <a:lnRef idx="1">
+                <a:schemeClr val="dk1"/>
+              </a:lnRef>
+              <a:fillRef idx="0">
+                <a:schemeClr val="dk1"/>
+              </a:fillRef>
+              <a:effectRef idx="0">
+                <a:schemeClr val="dk1"/>
+              </a:effectRef>
+              <a:fontRef idx="minor">
+                <a:schemeClr val="tx1"/>
+              </a:fontRef>
+            </p:style>
+          </p:cxnSp>
+          <p:sp>
+            <p:nvSpPr>
+              <p:cNvPr id="63" name="二等辺三角形 62"/>
+              <p:cNvSpPr/>
+              <p:nvPr/>
+            </p:nvSpPr>
+            <p:spPr>
+              <a:xfrm>
+                <a:off x="7219949" y="8190974"/>
+                <a:ext cx="407024" cy="282104"/>
+              </a:xfrm>
+              <a:prstGeom prst="triangle">
+                <a:avLst/>
+              </a:prstGeom>
+            </p:spPr>
+            <p:style>
+              <a:lnRef idx="2">
+                <a:schemeClr val="dk1">
+                  <a:shade val="50000"/>
+                </a:schemeClr>
+              </a:lnRef>
+              <a:fillRef idx="1">
+                <a:schemeClr val="dk1"/>
+              </a:fillRef>
+              <a:effectRef idx="0">
+                <a:schemeClr val="dk1"/>
+              </a:effectRef>
+              <a:fontRef idx="minor">
+                <a:schemeClr val="lt1"/>
+              </a:fontRef>
+            </p:style>
+            <p:txBody>
+              <a:bodyPr rtlCol="0" anchor="ctr"/>
+              <a:lstStyle/>
+              <a:p>
+                <a:pPr algn="ctr"/>
+                <a:endParaRPr lang="ja-JP" altLang="en-US"/>
+              </a:p>
+            </p:txBody>
+          </p:sp>
+        </p:grpSp>
+        <p:grpSp>
+          <p:nvGrpSpPr>
+            <p:cNvPr id="65" name="グループ化 64"/>
+            <p:cNvGrpSpPr/>
+            <p:nvPr/>
+          </p:nvGrpSpPr>
+          <p:grpSpPr>
             <a:xfrm>
-              <a:off x="4371278" y="2450686"/>
-              <a:ext cx="15180403" cy="5845813"/>
+              <a:off x="5069013" y="13970319"/>
+              <a:ext cx="407024" cy="1104155"/>
+              <a:chOff x="7219949" y="8190974"/>
+              <a:chExt cx="407024" cy="1104156"/>
             </a:xfrm>
-            <a:prstGeom prst="rect">
-              <a:avLst/>
-            </a:prstGeom>
-            <a:noFill/>
-            <a:ln>
-              <a:solidFill>
+          </p:grpSpPr>
+          <p:cxnSp>
+            <p:nvCxnSpPr>
+              <p:cNvPr id="66" name="直線コネクタ 65"/>
+              <p:cNvCxnSpPr>
+                <a:stCxn id="67" idx="0"/>
+              </p:cNvCxnSpPr>
+              <p:nvPr/>
+            </p:nvCxnSpPr>
+            <p:spPr>
+              <a:xfrm rot="10800000" flipV="1">
+                <a:off x="7423461" y="8190974"/>
+                <a:ext cx="0" cy="1104156"/>
+              </a:xfrm>
+              <a:prstGeom prst="line">
+                <a:avLst/>
+              </a:prstGeom>
+            </p:spPr>
+            <p:style>
+              <a:lnRef idx="1">
+                <a:schemeClr val="dk1"/>
+              </a:lnRef>
+              <a:fillRef idx="0">
+                <a:schemeClr val="dk1"/>
+              </a:fillRef>
+              <a:effectRef idx="0">
+                <a:schemeClr val="dk1"/>
+              </a:effectRef>
+              <a:fontRef idx="minor">
                 <a:schemeClr val="tx1"/>
-              </a:solidFill>
-            </a:ln>
-          </p:spPr>
-          <p:style>
-            <a:lnRef idx="2">
-              <a:schemeClr val="dk1"/>
-            </a:lnRef>
-            <a:fillRef idx="1">
-              <a:schemeClr val="lt1"/>
-            </a:fillRef>
-            <a:effectRef idx="0">
-              <a:schemeClr val="dk1"/>
-            </a:effectRef>
-            <a:fontRef idx="minor">
-              <a:schemeClr val="dk1"/>
-            </a:fontRef>
-          </p:style>
-          <p:txBody>
-            <a:bodyPr rtlCol="0" anchor="ctr"/>
-            <a:lstStyle/>
-            <a:p>
-              <a:pPr algn="ctr"/>
-              <a:endParaRPr lang="ja-JP" altLang="en-US" sz="4400" dirty="0">
-                <a:latin typeface="メイリオ" panose="020B0604030504040204" pitchFamily="50" charset="-128"/>
-                <a:ea typeface="メイリオ" panose="020B0604030504040204" pitchFamily="50" charset="-128"/>
-              </a:endParaRPr>
-            </a:p>
-          </p:txBody>
-        </p:sp>
-        <p:sp>
-          <p:nvSpPr>
-            <p:cNvPr id="41" name="正方形/長方形 40"/>
-            <p:cNvSpPr/>
-            <p:nvPr/>
-          </p:nvSpPr>
-          <p:spPr>
-            <a:xfrm>
-              <a:off x="2083404" y="2450681"/>
-              <a:ext cx="17468278" cy="7289381"/>
-            </a:xfrm>
-            <a:prstGeom prst="rect">
-              <a:avLst/>
-            </a:prstGeom>
-            <a:noFill/>
-            <a:ln>
-              <a:solidFill>
-                <a:schemeClr val="tx1"/>
-              </a:solidFill>
-            </a:ln>
-          </p:spPr>
-          <p:style>
-            <a:lnRef idx="2">
-              <a:schemeClr val="dk1"/>
-            </a:lnRef>
-            <a:fillRef idx="1">
-              <a:schemeClr val="lt1"/>
-            </a:fillRef>
-            <a:effectRef idx="0">
-              <a:schemeClr val="dk1"/>
-            </a:effectRef>
-            <a:fontRef idx="minor">
-              <a:schemeClr val="dk1"/>
-            </a:fontRef>
-          </p:style>
-          <p:txBody>
-            <a:bodyPr rtlCol="0" anchor="ctr"/>
-            <a:lstStyle/>
-            <a:p>
-              <a:pPr algn="ctr"/>
-              <a:endParaRPr lang="ja-JP" altLang="en-US" sz="4400" dirty="0">
-                <a:latin typeface="メイリオ" panose="020B0604030504040204" pitchFamily="50" charset="-128"/>
-                <a:ea typeface="メイリオ" panose="020B0604030504040204" pitchFamily="50" charset="-128"/>
-              </a:endParaRPr>
-            </a:p>
-          </p:txBody>
-        </p:sp>
+              </a:fontRef>
+            </p:style>
+          </p:cxnSp>
+          <p:sp>
+            <p:nvSpPr>
+              <p:cNvPr id="67" name="二等辺三角形 66"/>
+              <p:cNvSpPr/>
+              <p:nvPr/>
+            </p:nvSpPr>
+            <p:spPr>
+              <a:xfrm>
+                <a:off x="7219949" y="8190974"/>
+                <a:ext cx="407024" cy="282104"/>
+              </a:xfrm>
+              <a:prstGeom prst="triangle">
+                <a:avLst/>
+              </a:prstGeom>
+            </p:spPr>
+            <p:style>
+              <a:lnRef idx="2">
+                <a:schemeClr val="dk1">
+                  <a:shade val="50000"/>
+                </a:schemeClr>
+              </a:lnRef>
+              <a:fillRef idx="1">
+                <a:schemeClr val="dk1"/>
+              </a:fillRef>
+              <a:effectRef idx="0">
+                <a:schemeClr val="dk1"/>
+              </a:effectRef>
+              <a:fontRef idx="minor">
+                <a:schemeClr val="lt1"/>
+              </a:fontRef>
+            </p:style>
+            <p:txBody>
+              <a:bodyPr rtlCol="0" anchor="ctr"/>
+              <a:lstStyle/>
+              <a:p>
+                <a:pPr algn="ctr"/>
+                <a:endParaRPr lang="ja-JP" altLang="en-US"/>
+              </a:p>
+            </p:txBody>
+          </p:sp>
+        </p:grpSp>
       </p:grpSp>
-      <p:sp>
-        <p:nvSpPr>
-          <p:cNvPr id="3" name="正方形/長方形 2"/>
-          <p:cNvSpPr/>
-          <p:nvPr/>
-        </p:nvSpPr>
-        <p:spPr>
-          <a:xfrm>
-            <a:off x="1667973" y="4700831"/>
-            <a:ext cx="7917366" cy="3211551"/>
-          </a:xfrm>
-          <a:prstGeom prst="rect">
-            <a:avLst/>
-          </a:prstGeom>
-          <a:solidFill>
-            <a:schemeClr val="bg1"/>
-          </a:solidFill>
-          <a:ln>
-            <a:solidFill>
-              <a:srgbClr val="FF0000"/>
-            </a:solidFill>
-          </a:ln>
-        </p:spPr>
-        <p:style>
-          <a:lnRef idx="2">
-            <a:schemeClr val="accent1">
-              <a:shade val="50000"/>
-            </a:schemeClr>
-          </a:lnRef>
-          <a:fillRef idx="1">
-            <a:schemeClr val="accent1"/>
-          </a:fillRef>
-          <a:effectRef idx="0">
-            <a:schemeClr val="accent1"/>
-          </a:effectRef>
-          <a:fontRef idx="minor">
-            <a:schemeClr val="lt1"/>
-          </a:fontRef>
-        </p:style>
-        <p:txBody>
-          <a:bodyPr rtlCol="0" anchor="ctr"/>
-          <a:lstStyle/>
-          <a:p>
-            <a:pPr algn="ctr"/>
-            <a:r>
-              <a:rPr lang="en-US" altLang="ja-JP" sz="13800" dirty="0" smtClean="0">
-                <a:solidFill>
-                  <a:srgbClr val="FF0000"/>
-                </a:solidFill>
-              </a:rPr>
-              <a:t>TODO</a:t>
-            </a:r>
-            <a:endParaRPr kumimoji="1" lang="ja-JP" altLang="en-US" sz="13800" dirty="0">
-              <a:solidFill>
-                <a:srgbClr val="FF0000"/>
-              </a:solidFill>
-            </a:endParaRPr>
-          </a:p>
-        </p:txBody>
-      </p:sp>
     </p:spTree>
     <p:extLst>
       <p:ext uri="{BB962C8B-B14F-4D97-AF65-F5344CB8AC3E}">
-        <p14:creationId xmlns:p14="http://schemas.microsoft.com/office/powerpoint/2010/main" val="3003457935"/>
+        <p14:creationId xmlns:p14="http://schemas.microsoft.com/office/powerpoint/2010/main" val="3298855094"/>
       </p:ext>
     </p:extLst>
   </p:cSld>

--- a/ISORC2017/figure/SystemModel.pptx
+++ b/ISORC2017/figure/SystemModel.pptx
@@ -197,7 +197,7 @@
           <a:p>
             <a:fld id="{00D06802-B8EF-4FD8-9511-F1F928CF3A55}" type="datetimeFigureOut">
               <a:rPr kumimoji="1" lang="ja-JP" altLang="en-US" smtClean="0"/>
-              <a:t>2017/2/3</a:t>
+              <a:t>2017/2/6</a:t>
             </a:fld>
             <a:endParaRPr kumimoji="1" lang="ja-JP" altLang="en-US"/>
           </a:p>
@@ -628,7 +628,7 @@
           <a:p>
             <a:fld id="{AA641DB4-C951-4763-94FC-F650C3AA7E65}" type="datetimeFigureOut">
               <a:rPr kumimoji="1" lang="ja-JP" altLang="en-US" smtClean="0"/>
-              <a:t>2017/2/3</a:t>
+              <a:t>2017/2/6</a:t>
             </a:fld>
             <a:endParaRPr kumimoji="1" lang="ja-JP" altLang="en-US"/>
           </a:p>
@@ -830,7 +830,7 @@
           <a:p>
             <a:fld id="{AA641DB4-C951-4763-94FC-F650C3AA7E65}" type="datetimeFigureOut">
               <a:rPr kumimoji="1" lang="ja-JP" altLang="en-US" smtClean="0"/>
-              <a:t>2017/2/3</a:t>
+              <a:t>2017/2/6</a:t>
             </a:fld>
             <a:endParaRPr kumimoji="1" lang="ja-JP" altLang="en-US"/>
           </a:p>
@@ -1042,7 +1042,7 @@
           <a:p>
             <a:fld id="{AA641DB4-C951-4763-94FC-F650C3AA7E65}" type="datetimeFigureOut">
               <a:rPr kumimoji="1" lang="ja-JP" altLang="en-US" smtClean="0"/>
-              <a:t>2017/2/3</a:t>
+              <a:t>2017/2/6</a:t>
             </a:fld>
             <a:endParaRPr kumimoji="1" lang="ja-JP" altLang="en-US"/>
           </a:p>
@@ -1244,7 +1244,7 @@
           <a:p>
             <a:fld id="{AA641DB4-C951-4763-94FC-F650C3AA7E65}" type="datetimeFigureOut">
               <a:rPr kumimoji="1" lang="ja-JP" altLang="en-US" smtClean="0"/>
-              <a:t>2017/2/3</a:t>
+              <a:t>2017/2/6</a:t>
             </a:fld>
             <a:endParaRPr kumimoji="1" lang="ja-JP" altLang="en-US"/>
           </a:p>
@@ -1488,7 +1488,7 @@
           <a:p>
             <a:fld id="{AA641DB4-C951-4763-94FC-F650C3AA7E65}" type="datetimeFigureOut">
               <a:rPr kumimoji="1" lang="ja-JP" altLang="en-US" smtClean="0"/>
-              <a:t>2017/2/3</a:t>
+              <a:t>2017/2/6</a:t>
             </a:fld>
             <a:endParaRPr kumimoji="1" lang="ja-JP" altLang="en-US"/>
           </a:p>
@@ -1784,7 +1784,7 @@
           <a:p>
             <a:fld id="{AA641DB4-C951-4763-94FC-F650C3AA7E65}" type="datetimeFigureOut">
               <a:rPr kumimoji="1" lang="ja-JP" altLang="en-US" smtClean="0"/>
-              <a:t>2017/2/3</a:t>
+              <a:t>2017/2/6</a:t>
             </a:fld>
             <a:endParaRPr kumimoji="1" lang="ja-JP" altLang="en-US"/>
           </a:p>
@@ -2215,7 +2215,7 @@
           <a:p>
             <a:fld id="{AA641DB4-C951-4763-94FC-F650C3AA7E65}" type="datetimeFigureOut">
               <a:rPr kumimoji="1" lang="ja-JP" altLang="en-US" smtClean="0"/>
-              <a:t>2017/2/3</a:t>
+              <a:t>2017/2/6</a:t>
             </a:fld>
             <a:endParaRPr kumimoji="1" lang="ja-JP" altLang="en-US"/>
           </a:p>
@@ -2333,7 +2333,7 @@
           <a:p>
             <a:fld id="{AA641DB4-C951-4763-94FC-F650C3AA7E65}" type="datetimeFigureOut">
               <a:rPr kumimoji="1" lang="ja-JP" altLang="en-US" smtClean="0"/>
-              <a:t>2017/2/3</a:t>
+              <a:t>2017/2/6</a:t>
             </a:fld>
             <a:endParaRPr kumimoji="1" lang="ja-JP" altLang="en-US"/>
           </a:p>
@@ -2428,7 +2428,7 @@
           <a:p>
             <a:fld id="{AA641DB4-C951-4763-94FC-F650C3AA7E65}" type="datetimeFigureOut">
               <a:rPr kumimoji="1" lang="ja-JP" altLang="en-US" smtClean="0"/>
-              <a:t>2017/2/3</a:t>
+              <a:t>2017/2/6</a:t>
             </a:fld>
             <a:endParaRPr kumimoji="1" lang="ja-JP" altLang="en-US"/>
           </a:p>
@@ -2737,7 +2737,7 @@
           <a:p>
             <a:fld id="{AA641DB4-C951-4763-94FC-F650C3AA7E65}" type="datetimeFigureOut">
               <a:rPr kumimoji="1" lang="ja-JP" altLang="en-US" smtClean="0"/>
-              <a:t>2017/2/3</a:t>
+              <a:t>2017/2/6</a:t>
             </a:fld>
             <a:endParaRPr kumimoji="1" lang="ja-JP" altLang="en-US"/>
           </a:p>
@@ -2994,7 +2994,7 @@
           <a:p>
             <a:fld id="{AA641DB4-C951-4763-94FC-F650C3AA7E65}" type="datetimeFigureOut">
               <a:rPr kumimoji="1" lang="ja-JP" altLang="en-US" smtClean="0"/>
-              <a:t>2017/2/3</a:t>
+              <a:t>2017/2/6</a:t>
             </a:fld>
             <a:endParaRPr kumimoji="1" lang="ja-JP" altLang="en-US"/>
           </a:p>
@@ -3239,7 +3239,7 @@
           <a:p>
             <a:fld id="{AA641DB4-C951-4763-94FC-F650C3AA7E65}" type="datetimeFigureOut">
               <a:rPr kumimoji="1" lang="ja-JP" altLang="en-US" smtClean="0"/>
-              <a:t>2017/2/3</a:t>
+              <a:t>2017/2/6</a:t>
             </a:fld>
             <a:endParaRPr kumimoji="1" lang="ja-JP" altLang="en-US"/>
           </a:p>
@@ -3652,8 +3652,8 @@
         </p:nvGrpSpPr>
         <p:grpSpPr>
           <a:xfrm>
-            <a:off x="3005786" y="116122"/>
-            <a:ext cx="15686379" cy="16138174"/>
+            <a:off x="1609573" y="116122"/>
+            <a:ext cx="18478805" cy="16138174"/>
             <a:chOff x="441185" y="116122"/>
             <a:chExt cx="15686379" cy="16138174"/>
           </a:xfrm>
@@ -3693,7 +3693,7 @@
             <a:p>
               <a:pPr algn="ctr"/>
               <a:r>
-                <a:rPr lang="en-US" altLang="ja-JP" sz="4400" dirty="0">
+                <a:rPr lang="en-US" altLang="ja-JP" sz="5400" dirty="0">
                   <a:latin typeface="メイリオ" panose="020B0604030504040204" pitchFamily="50" charset="-128"/>
                   <a:ea typeface="メイリオ" panose="020B0604030504040204" pitchFamily="50" charset="-128"/>
                 </a:rPr>
@@ -3757,7 +3757,7 @@
                 </a:spcAft>
               </a:pPr>
               <a:r>
-                <a:rPr lang="en-US" altLang="ja-JP" sz="4400" dirty="0" err="1">
+                <a:rPr lang="en-US" altLang="ja-JP" sz="5400" dirty="0" err="1">
                   <a:solidFill>
                     <a:schemeClr val="tx1"/>
                   </a:solidFill>
@@ -3767,7 +3767,7 @@
                 </a:rPr>
                 <a:t>tNetworkInterfaceController</a:t>
               </a:r>
-              <a:endParaRPr lang="en-US" altLang="ja-JP" sz="4800" dirty="0">
+              <a:endParaRPr lang="en-US" altLang="ja-JP" sz="6000" dirty="0">
                 <a:solidFill>
                   <a:schemeClr val="tx1"/>
                 </a:solidFill>
@@ -3833,7 +3833,7 @@
                 </a:spcAft>
               </a:pPr>
               <a:r>
-                <a:rPr lang="en-US" altLang="ja-JP" sz="4400" dirty="0" err="1">
+                <a:rPr lang="en-US" altLang="ja-JP" sz="5400" dirty="0" err="1">
                   <a:solidFill>
                     <a:schemeClr val="tx1"/>
                   </a:solidFill>
@@ -3843,7 +3843,7 @@
                 </a:rPr>
                 <a:t>tTCPInput</a:t>
               </a:r>
-              <a:endParaRPr lang="en-US" altLang="ja-JP" sz="4400" dirty="0">
+              <a:endParaRPr lang="en-US" altLang="ja-JP" sz="5400" dirty="0">
                 <a:solidFill>
                   <a:schemeClr val="tx1"/>
                 </a:solidFill>
@@ -3862,10 +3862,10 @@
           </p:nvGrpSpPr>
           <p:grpSpPr>
             <a:xfrm>
-              <a:off x="2107223" y="3415420"/>
-              <a:ext cx="11933062" cy="1456719"/>
-              <a:chOff x="4682194" y="1465287"/>
-              <a:chExt cx="11933062" cy="1456719"/>
+              <a:off x="2107223" y="3056072"/>
+              <a:ext cx="11933062" cy="1875516"/>
+              <a:chOff x="4682194" y="1105939"/>
+              <a:chExt cx="11933062" cy="1875516"/>
             </a:xfrm>
           </p:grpSpPr>
           <p:sp>
@@ -3876,8 +3876,8 @@
             </p:nvSpPr>
             <p:spPr>
               <a:xfrm>
-                <a:off x="4682194" y="1465289"/>
-                <a:ext cx="2842054" cy="1456715"/>
+                <a:off x="4682194" y="1105941"/>
+                <a:ext cx="2842054" cy="1875512"/>
               </a:xfrm>
               <a:prstGeom prst="rect">
                 <a:avLst/>
@@ -3903,7 +3903,7 @@
               <a:p>
                 <a:pPr algn="ctr"/>
                 <a:r>
-                  <a:rPr lang="en-US" altLang="ja-JP" sz="4400" dirty="0">
+                  <a:rPr lang="en-US" altLang="ja-JP" sz="5400" dirty="0">
                     <a:latin typeface="メイリオ" panose="020B0604030504040204" pitchFamily="50" charset="-128"/>
                     <a:ea typeface="メイリオ" panose="020B0604030504040204" pitchFamily="50" charset="-128"/>
                   </a:rPr>
@@ -3913,7 +3913,7 @@
               <a:p>
                 <a:pPr algn="ctr"/>
                 <a:r>
-                  <a:rPr lang="en-US" altLang="ja-JP" sz="4400" dirty="0">
+                  <a:rPr lang="en-US" altLang="ja-JP" sz="5400" dirty="0">
                     <a:latin typeface="メイリオ" panose="020B0604030504040204" pitchFamily="50" charset="-128"/>
                     <a:ea typeface="メイリオ" panose="020B0604030504040204" pitchFamily="50" charset="-128"/>
                   </a:rPr>
@@ -3930,8 +3930,8 @@
             </p:nvSpPr>
             <p:spPr>
               <a:xfrm>
-                <a:off x="9216662" y="1465291"/>
-                <a:ext cx="2842054" cy="1456715"/>
+                <a:off x="9216662" y="1105943"/>
+                <a:ext cx="2842054" cy="1875512"/>
               </a:xfrm>
               <a:prstGeom prst="rect">
                 <a:avLst/>
@@ -3957,7 +3957,7 @@
               <a:p>
                 <a:pPr algn="ctr"/>
                 <a:r>
-                  <a:rPr lang="en-US" altLang="ja-JP" sz="4400" dirty="0">
+                  <a:rPr lang="en-US" altLang="ja-JP" sz="5400" dirty="0">
                     <a:latin typeface="メイリオ" panose="020B0604030504040204" pitchFamily="50" charset="-128"/>
                     <a:ea typeface="メイリオ" panose="020B0604030504040204" pitchFamily="50" charset="-128"/>
                   </a:rPr>
@@ -3967,7 +3967,7 @@
               <a:p>
                 <a:pPr algn="ctr"/>
                 <a:r>
-                  <a:rPr lang="en-US" altLang="ja-JP" sz="4400" dirty="0">
+                  <a:rPr lang="en-US" altLang="ja-JP" sz="5400" dirty="0">
                     <a:latin typeface="メイリオ" panose="020B0604030504040204" pitchFamily="50" charset="-128"/>
                     <a:ea typeface="メイリオ" panose="020B0604030504040204" pitchFamily="50" charset="-128"/>
                   </a:rPr>
@@ -3984,8 +3984,8 @@
             </p:nvSpPr>
             <p:spPr>
               <a:xfrm>
-                <a:off x="13751130" y="1465287"/>
-                <a:ext cx="2864126" cy="1456715"/>
+                <a:off x="13751130" y="1105939"/>
+                <a:ext cx="2864126" cy="1875512"/>
               </a:xfrm>
               <a:prstGeom prst="rect">
                 <a:avLst/>
@@ -4011,7 +4011,7 @@
               <a:p>
                 <a:pPr algn="ctr"/>
                 <a:r>
-                  <a:rPr lang="en-US" altLang="ja-JP" sz="4400" dirty="0">
+                  <a:rPr lang="en-US" altLang="ja-JP" sz="5400" dirty="0">
                     <a:latin typeface="メイリオ" panose="020B0604030504040204" pitchFamily="50" charset="-128"/>
                     <a:ea typeface="メイリオ" panose="020B0604030504040204" pitchFamily="50" charset="-128"/>
                   </a:rPr>
@@ -4021,7 +4021,7 @@
               <a:p>
                 <a:pPr algn="ctr"/>
                 <a:r>
-                  <a:rPr lang="en-US" altLang="ja-JP" sz="4400" dirty="0">
+                  <a:rPr lang="en-US" altLang="ja-JP" sz="5400" dirty="0">
                     <a:latin typeface="メイリオ" panose="020B0604030504040204" pitchFamily="50" charset="-128"/>
                     <a:ea typeface="メイリオ" panose="020B0604030504040204" pitchFamily="50" charset="-128"/>
                   </a:rPr>
@@ -4081,7 +4081,7 @@
             <a:lstStyle/>
             <a:p>
               <a:pPr algn="ctr"/>
-              <a:endParaRPr lang="ja-JP" altLang="en-US"/>
+              <a:endParaRPr lang="ja-JP" altLang="en-US" sz="2400"/>
             </a:p>
           </p:txBody>
         </p:sp>
@@ -4133,7 +4133,7 @@
             <a:lstStyle/>
             <a:p>
               <a:pPr algn="ctr"/>
-              <a:endParaRPr lang="ja-JP" altLang="en-US"/>
+              <a:endParaRPr lang="ja-JP" altLang="en-US" sz="2400"/>
             </a:p>
           </p:txBody>
         </p:sp>
@@ -4187,7 +4187,7 @@
             <a:lstStyle/>
             <a:p>
               <a:pPr algn="ctr"/>
-              <a:endParaRPr lang="ja-JP" altLang="en-US"/>
+              <a:endParaRPr lang="ja-JP" altLang="en-US" sz="2400"/>
             </a:p>
           </p:txBody>
         </p:sp>
@@ -4246,7 +4246,7 @@
                 </a:spcAft>
               </a:pPr>
               <a:r>
-                <a:rPr lang="en-US" altLang="ja-JP" sz="4400" dirty="0">
+                <a:rPr lang="en-US" altLang="ja-JP" sz="5400" dirty="0">
                   <a:solidFill>
                     <a:schemeClr val="tx1"/>
                   </a:solidFill>
@@ -4256,14 +4256,6 @@
                 </a:rPr>
                 <a:t>tIPv4Input</a:t>
               </a:r>
-              <a:endParaRPr lang="en-US" altLang="ja-JP" sz="4400" dirty="0">
-                <a:solidFill>
-                  <a:schemeClr val="tx1"/>
-                </a:solidFill>
-                <a:latin typeface="メイリオ" panose="020B0604030504040204" pitchFamily="50" charset="-128"/>
-                <a:ea typeface="メイリオ" panose="020B0604030504040204" pitchFamily="50" charset="-128"/>
-                <a:cs typeface="メイリオ" pitchFamily="50" charset="-128"/>
-              </a:endParaRPr>
             </a:p>
           </p:txBody>
         </p:sp>
@@ -4322,7 +4314,7 @@
                 </a:spcAft>
               </a:pPr>
               <a:r>
-                <a:rPr lang="en-US" altLang="ja-JP" sz="4400">
+                <a:rPr lang="en-US" altLang="ja-JP" sz="5400">
                   <a:solidFill>
                     <a:schemeClr val="tx1"/>
                   </a:solidFill>
@@ -4332,7 +4324,7 @@
                 </a:rPr>
                 <a:t>tEthernetInput</a:t>
               </a:r>
-              <a:endParaRPr lang="en-US" altLang="ja-JP" sz="4400" dirty="0">
+              <a:endParaRPr lang="en-US" altLang="ja-JP" sz="5400" dirty="0">
                 <a:solidFill>
                   <a:schemeClr val="tx1"/>
                 </a:solidFill>
@@ -4398,7 +4390,7 @@
                 </a:spcAft>
               </a:pPr>
               <a:r>
-                <a:rPr lang="en-US" altLang="ja-JP" sz="4400" dirty="0" err="1">
+                <a:rPr lang="en-US" altLang="ja-JP" sz="5400" dirty="0" err="1">
                   <a:solidFill>
                     <a:schemeClr val="tx1"/>
                   </a:solidFill>
@@ -4408,7 +4400,7 @@
                 </a:rPr>
                 <a:t>tEthernetOutput</a:t>
               </a:r>
-              <a:endParaRPr lang="en-US" altLang="ja-JP" sz="4400" dirty="0">
+              <a:endParaRPr lang="en-US" altLang="ja-JP" sz="5400" dirty="0">
                 <a:solidFill>
                   <a:schemeClr val="tx1"/>
                 </a:solidFill>
@@ -4474,7 +4466,7 @@
                 </a:spcAft>
               </a:pPr>
               <a:r>
-                <a:rPr lang="en-US" altLang="ja-JP" sz="4400" dirty="0">
+                <a:rPr lang="en-US" altLang="ja-JP" sz="5400" dirty="0">
                   <a:solidFill>
                     <a:schemeClr val="tx1"/>
                   </a:solidFill>
@@ -4484,14 +4476,6 @@
                 </a:rPr>
                 <a:t>tIPv4Output</a:t>
               </a:r>
-              <a:endParaRPr lang="en-US" altLang="ja-JP" sz="4400" dirty="0">
-                <a:solidFill>
-                  <a:schemeClr val="tx1"/>
-                </a:solidFill>
-                <a:latin typeface="メイリオ" panose="020B0604030504040204" pitchFamily="50" charset="-128"/>
-                <a:ea typeface="メイリオ" panose="020B0604030504040204" pitchFamily="50" charset="-128"/>
-                <a:cs typeface="メイリオ" pitchFamily="50" charset="-128"/>
-              </a:endParaRPr>
             </a:p>
           </p:txBody>
         </p:sp>
@@ -4550,7 +4534,7 @@
                 </a:spcAft>
               </a:pPr>
               <a:r>
-                <a:rPr lang="en-US" altLang="ja-JP" sz="4400" dirty="0" err="1">
+                <a:rPr lang="en-US" altLang="ja-JP" sz="5400" dirty="0" err="1">
                   <a:solidFill>
                     <a:schemeClr val="tx1"/>
                   </a:solidFill>
@@ -4560,7 +4544,7 @@
                 </a:rPr>
                 <a:t>tTCPOutput</a:t>
               </a:r>
-              <a:endParaRPr lang="en-US" altLang="ja-JP" sz="4400" dirty="0">
+              <a:endParaRPr lang="en-US" altLang="ja-JP" sz="5400" dirty="0">
                 <a:solidFill>
                   <a:schemeClr val="tx1"/>
                 </a:solidFill>
@@ -4653,7 +4637,7 @@
               <a:lstStyle/>
               <a:p>
                 <a:pPr algn="ctr"/>
-                <a:endParaRPr lang="ja-JP" altLang="en-US"/>
+                <a:endParaRPr lang="ja-JP" altLang="en-US" sz="2400"/>
               </a:p>
             </p:txBody>
           </p:sp>
@@ -4740,7 +4724,7 @@
               <a:lstStyle/>
               <a:p>
                 <a:pPr algn="ctr"/>
-                <a:endParaRPr lang="ja-JP" altLang="en-US"/>
+                <a:endParaRPr lang="ja-JP" altLang="en-US" sz="2400"/>
               </a:p>
             </p:txBody>
           </p:sp>
@@ -4827,7 +4811,7 @@
               <a:lstStyle/>
               <a:p>
                 <a:pPr algn="ctr"/>
-                <a:endParaRPr lang="ja-JP" altLang="en-US"/>
+                <a:endParaRPr lang="ja-JP" altLang="en-US" sz="2400"/>
               </a:p>
             </p:txBody>
           </p:sp>
@@ -4914,7 +4898,7 @@
               <a:lstStyle/>
               <a:p>
                 <a:pPr algn="ctr"/>
-                <a:endParaRPr lang="ja-JP" altLang="en-US"/>
+                <a:endParaRPr lang="ja-JP" altLang="en-US" sz="2400"/>
               </a:p>
             </p:txBody>
           </p:sp>
@@ -5001,7 +4985,7 @@
               <a:lstStyle/>
               <a:p>
                 <a:pPr algn="ctr"/>
-                <a:endParaRPr lang="ja-JP" altLang="en-US"/>
+                <a:endParaRPr lang="ja-JP" altLang="en-US" sz="2400"/>
               </a:p>
             </p:txBody>
           </p:sp>
@@ -5088,7 +5072,7 @@
               <a:lstStyle/>
               <a:p>
                 <a:pPr algn="ctr"/>
-                <a:endParaRPr lang="ja-JP" altLang="en-US"/>
+                <a:endParaRPr lang="ja-JP" altLang="en-US" sz="2400"/>
               </a:p>
             </p:txBody>
           </p:sp>
@@ -5175,7 +5159,7 @@
               <a:lstStyle/>
               <a:p>
                 <a:pPr algn="ctr"/>
-                <a:endParaRPr lang="ja-JP" altLang="en-US"/>
+                <a:endParaRPr lang="ja-JP" altLang="en-US" sz="2400"/>
               </a:p>
             </p:txBody>
           </p:sp>
@@ -5262,7 +5246,7 @@
               <a:lstStyle/>
               <a:p>
                 <a:pPr algn="ctr"/>
-                <a:endParaRPr lang="ja-JP" altLang="en-US"/>
+                <a:endParaRPr lang="ja-JP" altLang="en-US" sz="2400"/>
               </a:p>
             </p:txBody>
           </p:sp>
@@ -5302,7 +5286,7 @@
             <a:p>
               <a:pPr algn="ctr"/>
               <a:r>
-                <a:rPr lang="en-US" altLang="ja-JP" sz="4400" dirty="0">
+                <a:rPr lang="en-US" altLang="ja-JP" sz="5400" dirty="0">
                   <a:latin typeface="メイリオ" panose="020B0604030504040204" pitchFamily="50" charset="-128"/>
                   <a:ea typeface="メイリオ" panose="020B0604030504040204" pitchFamily="50" charset="-128"/>
                 </a:rPr>
@@ -5346,7 +5330,7 @@
             <a:lstStyle/>
             <a:p>
               <a:pPr algn="ctr"/>
-              <a:endParaRPr lang="en-US" altLang="ja-JP" sz="4400" dirty="0">
+              <a:endParaRPr lang="en-US" altLang="ja-JP" sz="5400" dirty="0">
                 <a:latin typeface="メイリオ" panose="020B0604030504040204" pitchFamily="50" charset="-128"/>
                 <a:ea typeface="メイリオ" panose="020B0604030504040204" pitchFamily="50" charset="-128"/>
               </a:endParaRPr>
@@ -5392,7 +5376,7 @@
             <a:p>
               <a:pPr algn="ctr"/>
               <a:r>
-                <a:rPr lang="en-US" altLang="ja-JP" sz="4400" dirty="0">
+                <a:rPr lang="en-US" altLang="ja-JP" sz="5400" dirty="0">
                   <a:latin typeface="メイリオ" panose="020B0604030504040204" pitchFamily="50" charset="-128"/>
                   <a:ea typeface="メイリオ" panose="020B0604030504040204" pitchFamily="50" charset="-128"/>
                 </a:rPr>
@@ -5436,7 +5420,7 @@
             <a:p>
               <a:pPr algn="ctr"/>
               <a:r>
-                <a:rPr lang="en-US" altLang="ja-JP" sz="4400" dirty="0">
+                <a:rPr lang="en-US" altLang="ja-JP" sz="5400" dirty="0">
                   <a:latin typeface="メイリオ" panose="020B0604030504040204" pitchFamily="50" charset="-128"/>
                   <a:ea typeface="メイリオ" panose="020B0604030504040204" pitchFamily="50" charset="-128"/>
                 </a:rPr>
@@ -5480,7 +5464,7 @@
             <a:p>
               <a:pPr algn="ctr"/>
               <a:r>
-                <a:rPr lang="en-US" altLang="ja-JP" sz="4400" dirty="0">
+                <a:rPr lang="en-US" altLang="ja-JP" sz="5400" dirty="0">
                   <a:latin typeface="メイリオ" panose="020B0604030504040204" pitchFamily="50" charset="-128"/>
                   <a:ea typeface="メイリオ" panose="020B0604030504040204" pitchFamily="50" charset="-128"/>
                 </a:rPr>
@@ -5571,7 +5555,7 @@
               <a:lstStyle/>
               <a:p>
                 <a:pPr algn="ctr"/>
-                <a:endParaRPr lang="ja-JP" altLang="en-US"/>
+                <a:endParaRPr lang="ja-JP" altLang="en-US" sz="2400"/>
               </a:p>
             </p:txBody>
           </p:sp>
@@ -5658,12 +5642,204 @@
               <a:lstStyle/>
               <a:p>
                 <a:pPr algn="ctr"/>
-                <a:endParaRPr lang="ja-JP" altLang="en-US"/>
+                <a:endParaRPr lang="ja-JP" altLang="en-US" sz="2400"/>
               </a:p>
             </p:txBody>
           </p:sp>
         </p:grpSp>
       </p:grpSp>
+      <p:sp>
+        <p:nvSpPr>
+          <p:cNvPr id="3" name="正方形/長方形 2"/>
+          <p:cNvSpPr/>
+          <p:nvPr/>
+        </p:nvSpPr>
+        <p:spPr>
+          <a:xfrm>
+            <a:off x="431792" y="2795354"/>
+            <a:ext cx="2118576" cy="1110463"/>
+          </a:xfrm>
+          <a:prstGeom prst="rect">
+            <a:avLst/>
+          </a:prstGeom>
+          <a:solidFill>
+            <a:schemeClr val="bg1">
+              <a:lumMod val="95000"/>
+            </a:schemeClr>
+          </a:solidFill>
+          <a:ln w="88900">
+            <a:solidFill>
+              <a:schemeClr val="bg1">
+                <a:lumMod val="50000"/>
+              </a:schemeClr>
+            </a:solidFill>
+          </a:ln>
+        </p:spPr>
+        <p:style>
+          <a:lnRef idx="2">
+            <a:schemeClr val="accent1">
+              <a:shade val="50000"/>
+            </a:schemeClr>
+          </a:lnRef>
+          <a:fillRef idx="1">
+            <a:schemeClr val="accent1"/>
+          </a:fillRef>
+          <a:effectRef idx="0">
+            <a:schemeClr val="accent1"/>
+          </a:effectRef>
+          <a:fontRef idx="minor">
+            <a:schemeClr val="lt1"/>
+          </a:fontRef>
+        </p:style>
+        <p:txBody>
+          <a:bodyPr rtlCol="0" anchor="ctr"/>
+          <a:lstStyle/>
+          <a:p>
+            <a:pPr algn="ctr"/>
+            <a:r>
+              <a:rPr kumimoji="1" lang="en-US" altLang="ja-JP" sz="6000" dirty="0" smtClean="0">
+                <a:solidFill>
+                  <a:schemeClr val="tx1"/>
+                </a:solidFill>
+              </a:rPr>
+              <a:t>Ⅲ-A</a:t>
+            </a:r>
+            <a:endParaRPr kumimoji="1" lang="ja-JP" altLang="en-US" sz="6000" dirty="0">
+              <a:solidFill>
+                <a:schemeClr val="tx1"/>
+              </a:solidFill>
+            </a:endParaRPr>
+          </a:p>
+        </p:txBody>
+      </p:sp>
+      <p:sp>
+        <p:nvSpPr>
+          <p:cNvPr id="59" name="正方形/長方形 58"/>
+          <p:cNvSpPr/>
+          <p:nvPr/>
+        </p:nvSpPr>
+        <p:spPr>
+          <a:xfrm>
+            <a:off x="4801601" y="5843063"/>
+            <a:ext cx="2118576" cy="1110463"/>
+          </a:xfrm>
+          <a:prstGeom prst="rect">
+            <a:avLst/>
+          </a:prstGeom>
+          <a:solidFill>
+            <a:schemeClr val="bg1">
+              <a:lumMod val="95000"/>
+            </a:schemeClr>
+          </a:solidFill>
+          <a:ln w="88900">
+            <a:solidFill>
+              <a:schemeClr val="bg1">
+                <a:lumMod val="50000"/>
+              </a:schemeClr>
+            </a:solidFill>
+          </a:ln>
+        </p:spPr>
+        <p:style>
+          <a:lnRef idx="2">
+            <a:schemeClr val="accent1">
+              <a:shade val="50000"/>
+            </a:schemeClr>
+          </a:lnRef>
+          <a:fillRef idx="1">
+            <a:schemeClr val="accent1"/>
+          </a:fillRef>
+          <a:effectRef idx="0">
+            <a:schemeClr val="accent1"/>
+          </a:effectRef>
+          <a:fontRef idx="minor">
+            <a:schemeClr val="lt1"/>
+          </a:fontRef>
+        </p:style>
+        <p:txBody>
+          <a:bodyPr rtlCol="0" anchor="ctr"/>
+          <a:lstStyle/>
+          <a:p>
+            <a:pPr algn="ctr"/>
+            <a:r>
+              <a:rPr kumimoji="1" lang="en-US" altLang="ja-JP" sz="6000" dirty="0" smtClean="0">
+                <a:solidFill>
+                  <a:schemeClr val="tx1"/>
+                </a:solidFill>
+              </a:rPr>
+              <a:t>Ⅲ-B</a:t>
+            </a:r>
+            <a:endParaRPr kumimoji="1" lang="ja-JP" altLang="en-US" sz="6000" dirty="0">
+              <a:solidFill>
+                <a:schemeClr val="tx1"/>
+              </a:solidFill>
+            </a:endParaRPr>
+          </a:p>
+        </p:txBody>
+      </p:sp>
+      <p:sp>
+        <p:nvSpPr>
+          <p:cNvPr id="60" name="正方形/長方形 59"/>
+          <p:cNvSpPr/>
+          <p:nvPr/>
+        </p:nvSpPr>
+        <p:spPr>
+          <a:xfrm>
+            <a:off x="18563933" y="2488634"/>
+            <a:ext cx="2118576" cy="1110463"/>
+          </a:xfrm>
+          <a:prstGeom prst="rect">
+            <a:avLst/>
+          </a:prstGeom>
+          <a:solidFill>
+            <a:schemeClr val="bg1">
+              <a:lumMod val="95000"/>
+            </a:schemeClr>
+          </a:solidFill>
+          <a:ln w="88900">
+            <a:solidFill>
+              <a:schemeClr val="bg1">
+                <a:lumMod val="50000"/>
+              </a:schemeClr>
+            </a:solidFill>
+          </a:ln>
+        </p:spPr>
+        <p:style>
+          <a:lnRef idx="2">
+            <a:schemeClr val="accent1">
+              <a:shade val="50000"/>
+            </a:schemeClr>
+          </a:lnRef>
+          <a:fillRef idx="1">
+            <a:schemeClr val="accent1"/>
+          </a:fillRef>
+          <a:effectRef idx="0">
+            <a:schemeClr val="accent1"/>
+          </a:effectRef>
+          <a:fontRef idx="minor">
+            <a:schemeClr val="lt1"/>
+          </a:fontRef>
+        </p:style>
+        <p:txBody>
+          <a:bodyPr rtlCol="0" anchor="ctr"/>
+          <a:lstStyle/>
+          <a:p>
+            <a:pPr algn="ctr"/>
+            <a:r>
+              <a:rPr kumimoji="1" lang="en-US" altLang="ja-JP" sz="6000" dirty="0" smtClean="0">
+                <a:solidFill>
+                  <a:schemeClr val="tx1"/>
+                </a:solidFill>
+              </a:rPr>
+              <a:t>Ⅲ-C</a:t>
+            </a:r>
+            <a:endParaRPr kumimoji="1" lang="ja-JP" altLang="en-US" sz="6000" dirty="0">
+              <a:solidFill>
+                <a:schemeClr val="tx1"/>
+              </a:solidFill>
+            </a:endParaRPr>
+          </a:p>
+        </p:txBody>
+      </p:sp>
     </p:spTree>
     <p:extLst>
       <p:ext uri="{BB962C8B-B14F-4D97-AF65-F5344CB8AC3E}">

--- a/ISORC2017/figure/SystemModel.pptx
+++ b/ISORC2017/figure/SystemModel.pptx
@@ -197,7 +197,7 @@
           <a:p>
             <a:fld id="{00D06802-B8EF-4FD8-9511-F1F928CF3A55}" type="datetimeFigureOut">
               <a:rPr kumimoji="1" lang="ja-JP" altLang="en-US" smtClean="0"/>
-              <a:t>2017/2/6</a:t>
+              <a:t>2017/2/12</a:t>
             </a:fld>
             <a:endParaRPr kumimoji="1" lang="ja-JP" altLang="en-US"/>
           </a:p>
@@ -628,7 +628,7 @@
           <a:p>
             <a:fld id="{AA641DB4-C951-4763-94FC-F650C3AA7E65}" type="datetimeFigureOut">
               <a:rPr kumimoji="1" lang="ja-JP" altLang="en-US" smtClean="0"/>
-              <a:t>2017/2/6</a:t>
+              <a:t>2017/2/12</a:t>
             </a:fld>
             <a:endParaRPr kumimoji="1" lang="ja-JP" altLang="en-US"/>
           </a:p>
@@ -830,7 +830,7 @@
           <a:p>
             <a:fld id="{AA641DB4-C951-4763-94FC-F650C3AA7E65}" type="datetimeFigureOut">
               <a:rPr kumimoji="1" lang="ja-JP" altLang="en-US" smtClean="0"/>
-              <a:t>2017/2/6</a:t>
+              <a:t>2017/2/12</a:t>
             </a:fld>
             <a:endParaRPr kumimoji="1" lang="ja-JP" altLang="en-US"/>
           </a:p>
@@ -1042,7 +1042,7 @@
           <a:p>
             <a:fld id="{AA641DB4-C951-4763-94FC-F650C3AA7E65}" type="datetimeFigureOut">
               <a:rPr kumimoji="1" lang="ja-JP" altLang="en-US" smtClean="0"/>
-              <a:t>2017/2/6</a:t>
+              <a:t>2017/2/12</a:t>
             </a:fld>
             <a:endParaRPr kumimoji="1" lang="ja-JP" altLang="en-US"/>
           </a:p>
@@ -1244,7 +1244,7 @@
           <a:p>
             <a:fld id="{AA641DB4-C951-4763-94FC-F650C3AA7E65}" type="datetimeFigureOut">
               <a:rPr kumimoji="1" lang="ja-JP" altLang="en-US" smtClean="0"/>
-              <a:t>2017/2/6</a:t>
+              <a:t>2017/2/12</a:t>
             </a:fld>
             <a:endParaRPr kumimoji="1" lang="ja-JP" altLang="en-US"/>
           </a:p>
@@ -1488,7 +1488,7 @@
           <a:p>
             <a:fld id="{AA641DB4-C951-4763-94FC-F650C3AA7E65}" type="datetimeFigureOut">
               <a:rPr kumimoji="1" lang="ja-JP" altLang="en-US" smtClean="0"/>
-              <a:t>2017/2/6</a:t>
+              <a:t>2017/2/12</a:t>
             </a:fld>
             <a:endParaRPr kumimoji="1" lang="ja-JP" altLang="en-US"/>
           </a:p>
@@ -1784,7 +1784,7 @@
           <a:p>
             <a:fld id="{AA641DB4-C951-4763-94FC-F650C3AA7E65}" type="datetimeFigureOut">
               <a:rPr kumimoji="1" lang="ja-JP" altLang="en-US" smtClean="0"/>
-              <a:t>2017/2/6</a:t>
+              <a:t>2017/2/12</a:t>
             </a:fld>
             <a:endParaRPr kumimoji="1" lang="ja-JP" altLang="en-US"/>
           </a:p>
@@ -2215,7 +2215,7 @@
           <a:p>
             <a:fld id="{AA641DB4-C951-4763-94FC-F650C3AA7E65}" type="datetimeFigureOut">
               <a:rPr kumimoji="1" lang="ja-JP" altLang="en-US" smtClean="0"/>
-              <a:t>2017/2/6</a:t>
+              <a:t>2017/2/12</a:t>
             </a:fld>
             <a:endParaRPr kumimoji="1" lang="ja-JP" altLang="en-US"/>
           </a:p>
@@ -2333,7 +2333,7 @@
           <a:p>
             <a:fld id="{AA641DB4-C951-4763-94FC-F650C3AA7E65}" type="datetimeFigureOut">
               <a:rPr kumimoji="1" lang="ja-JP" altLang="en-US" smtClean="0"/>
-              <a:t>2017/2/6</a:t>
+              <a:t>2017/2/12</a:t>
             </a:fld>
             <a:endParaRPr kumimoji="1" lang="ja-JP" altLang="en-US"/>
           </a:p>
@@ -2428,7 +2428,7 @@
           <a:p>
             <a:fld id="{AA641DB4-C951-4763-94FC-F650C3AA7E65}" type="datetimeFigureOut">
               <a:rPr kumimoji="1" lang="ja-JP" altLang="en-US" smtClean="0"/>
-              <a:t>2017/2/6</a:t>
+              <a:t>2017/2/12</a:t>
             </a:fld>
             <a:endParaRPr kumimoji="1" lang="ja-JP" altLang="en-US"/>
           </a:p>
@@ -2737,7 +2737,7 @@
           <a:p>
             <a:fld id="{AA641DB4-C951-4763-94FC-F650C3AA7E65}" type="datetimeFigureOut">
               <a:rPr kumimoji="1" lang="ja-JP" altLang="en-US" smtClean="0"/>
-              <a:t>2017/2/6</a:t>
+              <a:t>2017/2/12</a:t>
             </a:fld>
             <a:endParaRPr kumimoji="1" lang="ja-JP" altLang="en-US"/>
           </a:p>
@@ -2994,7 +2994,7 @@
           <a:p>
             <a:fld id="{AA641DB4-C951-4763-94FC-F650C3AA7E65}" type="datetimeFigureOut">
               <a:rPr kumimoji="1" lang="ja-JP" altLang="en-US" smtClean="0"/>
-              <a:t>2017/2/6</a:t>
+              <a:t>2017/2/12</a:t>
             </a:fld>
             <a:endParaRPr kumimoji="1" lang="ja-JP" altLang="en-US"/>
           </a:p>
@@ -3239,7 +3239,7 @@
           <a:p>
             <a:fld id="{AA641DB4-C951-4763-94FC-F650C3AA7E65}" type="datetimeFigureOut">
               <a:rPr kumimoji="1" lang="ja-JP" altLang="en-US" smtClean="0"/>
-              <a:t>2017/2/6</a:t>
+              <a:t>2017/2/12</a:t>
             </a:fld>
             <a:endParaRPr kumimoji="1" lang="ja-JP" altLang="en-US"/>
           </a:p>
@@ -5473,180 +5473,6 @@
             </a:p>
           </p:txBody>
         </p:sp>
-        <p:grpSp>
-          <p:nvGrpSpPr>
-            <p:cNvPr id="61" name="グループ化 60"/>
-            <p:cNvGrpSpPr/>
-            <p:nvPr/>
-          </p:nvGrpSpPr>
-          <p:grpSpPr>
-            <a:xfrm rot="10800000">
-              <a:off x="10907249" y="13852437"/>
-              <a:ext cx="407024" cy="1104155"/>
-              <a:chOff x="7219949" y="8190974"/>
-              <a:chExt cx="407024" cy="1104156"/>
-            </a:xfrm>
-          </p:grpSpPr>
-          <p:cxnSp>
-            <p:nvCxnSpPr>
-              <p:cNvPr id="62" name="直線コネクタ 61"/>
-              <p:cNvCxnSpPr>
-                <a:stCxn id="63" idx="0"/>
-              </p:cNvCxnSpPr>
-              <p:nvPr/>
-            </p:nvCxnSpPr>
-            <p:spPr>
-              <a:xfrm rot="10800000" flipV="1">
-                <a:off x="7423461" y="8190974"/>
-                <a:ext cx="0" cy="1104156"/>
-              </a:xfrm>
-              <a:prstGeom prst="line">
-                <a:avLst/>
-              </a:prstGeom>
-            </p:spPr>
-            <p:style>
-              <a:lnRef idx="1">
-                <a:schemeClr val="dk1"/>
-              </a:lnRef>
-              <a:fillRef idx="0">
-                <a:schemeClr val="dk1"/>
-              </a:fillRef>
-              <a:effectRef idx="0">
-                <a:schemeClr val="dk1"/>
-              </a:effectRef>
-              <a:fontRef idx="minor">
-                <a:schemeClr val="tx1"/>
-              </a:fontRef>
-            </p:style>
-          </p:cxnSp>
-          <p:sp>
-            <p:nvSpPr>
-              <p:cNvPr id="63" name="二等辺三角形 62"/>
-              <p:cNvSpPr/>
-              <p:nvPr/>
-            </p:nvSpPr>
-            <p:spPr>
-              <a:xfrm>
-                <a:off x="7219949" y="8190974"/>
-                <a:ext cx="407024" cy="282104"/>
-              </a:xfrm>
-              <a:prstGeom prst="triangle">
-                <a:avLst/>
-              </a:prstGeom>
-            </p:spPr>
-            <p:style>
-              <a:lnRef idx="2">
-                <a:schemeClr val="dk1">
-                  <a:shade val="50000"/>
-                </a:schemeClr>
-              </a:lnRef>
-              <a:fillRef idx="1">
-                <a:schemeClr val="dk1"/>
-              </a:fillRef>
-              <a:effectRef idx="0">
-                <a:schemeClr val="dk1"/>
-              </a:effectRef>
-              <a:fontRef idx="minor">
-                <a:schemeClr val="lt1"/>
-              </a:fontRef>
-            </p:style>
-            <p:txBody>
-              <a:bodyPr rtlCol="0" anchor="ctr"/>
-              <a:lstStyle/>
-              <a:p>
-                <a:pPr algn="ctr"/>
-                <a:endParaRPr lang="ja-JP" altLang="en-US" sz="2400"/>
-              </a:p>
-            </p:txBody>
-          </p:sp>
-        </p:grpSp>
-        <p:grpSp>
-          <p:nvGrpSpPr>
-            <p:cNvPr id="65" name="グループ化 64"/>
-            <p:cNvGrpSpPr/>
-            <p:nvPr/>
-          </p:nvGrpSpPr>
-          <p:grpSpPr>
-            <a:xfrm>
-              <a:off x="5069013" y="13970319"/>
-              <a:ext cx="407024" cy="1104155"/>
-              <a:chOff x="7219949" y="8190974"/>
-              <a:chExt cx="407024" cy="1104156"/>
-            </a:xfrm>
-          </p:grpSpPr>
-          <p:cxnSp>
-            <p:nvCxnSpPr>
-              <p:cNvPr id="66" name="直線コネクタ 65"/>
-              <p:cNvCxnSpPr>
-                <a:stCxn id="67" idx="0"/>
-              </p:cNvCxnSpPr>
-              <p:nvPr/>
-            </p:nvCxnSpPr>
-            <p:spPr>
-              <a:xfrm rot="10800000" flipV="1">
-                <a:off x="7423461" y="8190974"/>
-                <a:ext cx="0" cy="1104156"/>
-              </a:xfrm>
-              <a:prstGeom prst="line">
-                <a:avLst/>
-              </a:prstGeom>
-            </p:spPr>
-            <p:style>
-              <a:lnRef idx="1">
-                <a:schemeClr val="dk1"/>
-              </a:lnRef>
-              <a:fillRef idx="0">
-                <a:schemeClr val="dk1"/>
-              </a:fillRef>
-              <a:effectRef idx="0">
-                <a:schemeClr val="dk1"/>
-              </a:effectRef>
-              <a:fontRef idx="minor">
-                <a:schemeClr val="tx1"/>
-              </a:fontRef>
-            </p:style>
-          </p:cxnSp>
-          <p:sp>
-            <p:nvSpPr>
-              <p:cNvPr id="67" name="二等辺三角形 66"/>
-              <p:cNvSpPr/>
-              <p:nvPr/>
-            </p:nvSpPr>
-            <p:spPr>
-              <a:xfrm>
-                <a:off x="7219949" y="8190974"/>
-                <a:ext cx="407024" cy="282104"/>
-              </a:xfrm>
-              <a:prstGeom prst="triangle">
-                <a:avLst/>
-              </a:prstGeom>
-            </p:spPr>
-            <p:style>
-              <a:lnRef idx="2">
-                <a:schemeClr val="dk1">
-                  <a:shade val="50000"/>
-                </a:schemeClr>
-              </a:lnRef>
-              <a:fillRef idx="1">
-                <a:schemeClr val="dk1"/>
-              </a:fillRef>
-              <a:effectRef idx="0">
-                <a:schemeClr val="dk1"/>
-              </a:effectRef>
-              <a:fontRef idx="minor">
-                <a:schemeClr val="lt1"/>
-              </a:fontRef>
-            </p:style>
-            <p:txBody>
-              <a:bodyPr rtlCol="0" anchor="ctr"/>
-              <a:lstStyle/>
-              <a:p>
-                <a:pPr algn="ctr"/>
-                <a:endParaRPr lang="ja-JP" altLang="en-US" sz="2400"/>
-              </a:p>
-            </p:txBody>
-          </p:sp>
-        </p:grpSp>
       </p:grpSp>
       <p:sp>
         <p:nvSpPr>
@@ -5837,6 +5663,86 @@
                 <a:schemeClr val="tx1"/>
               </a:solidFill>
             </a:endParaRPr>
+          </a:p>
+        </p:txBody>
+      </p:sp>
+      <p:sp>
+        <p:nvSpPr>
+          <p:cNvPr id="2" name="上矢印 1"/>
+          <p:cNvSpPr/>
+          <p:nvPr/>
+        </p:nvSpPr>
+        <p:spPr>
+          <a:xfrm>
+            <a:off x="7062667" y="13905369"/>
+            <a:ext cx="484632" cy="978408"/>
+          </a:xfrm>
+          <a:prstGeom prst="upArrow">
+            <a:avLst/>
+          </a:prstGeom>
+        </p:spPr>
+        <p:style>
+          <a:lnRef idx="2">
+            <a:schemeClr val="dk1">
+              <a:shade val="50000"/>
+            </a:schemeClr>
+          </a:lnRef>
+          <a:fillRef idx="1">
+            <a:schemeClr val="dk1"/>
+          </a:fillRef>
+          <a:effectRef idx="0">
+            <a:schemeClr val="dk1"/>
+          </a:effectRef>
+          <a:fontRef idx="minor">
+            <a:schemeClr val="lt1"/>
+          </a:fontRef>
+        </p:style>
+        <p:txBody>
+          <a:bodyPr rtlCol="0" anchor="ctr"/>
+          <a:lstStyle/>
+          <a:p>
+            <a:pPr algn="ctr"/>
+            <a:endParaRPr kumimoji="1" lang="ja-JP" altLang="en-US"/>
+          </a:p>
+        </p:txBody>
+      </p:sp>
+      <p:sp>
+        <p:nvSpPr>
+          <p:cNvPr id="64" name="上矢印 63"/>
+          <p:cNvSpPr/>
+          <p:nvPr/>
+        </p:nvSpPr>
+        <p:spPr>
+          <a:xfrm rot="10800000">
+            <a:off x="13949791" y="13905369"/>
+            <a:ext cx="484632" cy="978408"/>
+          </a:xfrm>
+          <a:prstGeom prst="upArrow">
+            <a:avLst/>
+          </a:prstGeom>
+        </p:spPr>
+        <p:style>
+          <a:lnRef idx="2">
+            <a:schemeClr val="dk1">
+              <a:shade val="50000"/>
+            </a:schemeClr>
+          </a:lnRef>
+          <a:fillRef idx="1">
+            <a:schemeClr val="dk1"/>
+          </a:fillRef>
+          <a:effectRef idx="0">
+            <a:schemeClr val="dk1"/>
+          </a:effectRef>
+          <a:fontRef idx="minor">
+            <a:schemeClr val="lt1"/>
+          </a:fontRef>
+        </p:style>
+        <p:txBody>
+          <a:bodyPr rtlCol="0" anchor="ctr"/>
+          <a:lstStyle/>
+          <a:p>
+            <a:pPr algn="ctr"/>
+            <a:endParaRPr kumimoji="1" lang="ja-JP" altLang="en-US"/>
           </a:p>
         </p:txBody>
       </p:sp>
